--- a/Presitation/TLPresintation.pptx
+++ b/Presitation/TLPresintation.pptx
@@ -1,31 +1,126 @@
 
 <file path=ppt/presentation.xml><?xml version="1.0" encoding="utf-8"?>
-<p:presentation xmlns:a="http://schemas.openxmlformats.org/drawingml/2006/main" xmlns:p="http://schemas.openxmlformats.org/presentationml/2006/main" xmlns:r="http://schemas.openxmlformats.org/officeDocument/2006/relationships" xmlns:p14="http://schemas.microsoft.com/office/powerpoint/2010/main" xmlns:p15="http://schemas.microsoft.com/office/powerpoint/2012/main" xmlns:mc="http://schemas.openxmlformats.org/markup-compatibility/2006">
+<p:presentation xmlns:a="http://schemas.openxmlformats.org/drawingml/2006/main" xmlns:r="http://schemas.openxmlformats.org/officeDocument/2006/relationships" xmlns:p="http://schemas.openxmlformats.org/presentationml/2006/main">
   <p:sldMasterIdLst>
-    <p:sldMasterId id="2147483648" r:id="rId2"/>
-    <p:sldMasterId id="2147483661" r:id="rId3"/>
+    <p:sldMasterId id="2147483648" r:id="rId1"/>
+    <p:sldMasterId id="2147483661" r:id="rId2"/>
   </p:sldMasterIdLst>
   <p:sldIdLst>
-    <p:sldId id="256" r:id="rId4"/>
+    <p:sldId id="256" r:id="rId3"/>
+    <p:sldId id="261" r:id="rId4"/>
     <p:sldId id="257" r:id="rId5"/>
     <p:sldId id="258" r:id="rId6"/>
-    <p:sldId id="259" r:id="rId7"/>
-    <p:sldId id="260" r:id="rId8"/>
-    <p:sldId id="261" r:id="rId9"/>
-    <p:sldId id="262" r:id="rId10"/>
-    <p:sldId id="263" r:id="rId11"/>
-    <p:sldId id="264" r:id="rId12"/>
-    <p:sldId id="265" r:id="rId13"/>
-    <p:sldId id="266" r:id="rId14"/>
-    <p:sldId id="267" r:id="rId15"/>
+    <p:sldId id="260" r:id="rId7"/>
+    <p:sldId id="262" r:id="rId8"/>
+    <p:sldId id="263" r:id="rId9"/>
+    <p:sldId id="264" r:id="rId10"/>
+    <p:sldId id="265" r:id="rId11"/>
+    <p:sldId id="266" r:id="rId12"/>
+    <p:sldId id="267" r:id="rId13"/>
+    <p:sldId id="268" r:id="rId14"/>
   </p:sldIdLst>
-  <p:sldSz cx="9144000" cy="6858000"/>
-  <p:notesSz cx="7559675" cy="10691812"/>
+  <p:sldSz cx="9144000" cy="6858000" type="screen4x3"/>
+  <p:notesSz cx="7559675" cy="10691813"/>
+  <p:defaultTextStyle>
+    <a:defPPr>
+      <a:defRPr lang="ru-RU"/>
+    </a:defPPr>
+    <a:lvl1pPr marL="0" algn="l" defTabSz="914400" rtl="0" eaLnBrk="1" latinLnBrk="0" hangingPunct="1">
+      <a:defRPr sz="1800" kern="1200">
+        <a:solidFill>
+          <a:schemeClr val="tx1"/>
+        </a:solidFill>
+        <a:latin typeface="+mn-lt"/>
+        <a:ea typeface="+mn-ea"/>
+        <a:cs typeface="+mn-cs"/>
+      </a:defRPr>
+    </a:lvl1pPr>
+    <a:lvl2pPr marL="457200" algn="l" defTabSz="914400" rtl="0" eaLnBrk="1" latinLnBrk="0" hangingPunct="1">
+      <a:defRPr sz="1800" kern="1200">
+        <a:solidFill>
+          <a:schemeClr val="tx1"/>
+        </a:solidFill>
+        <a:latin typeface="+mn-lt"/>
+        <a:ea typeface="+mn-ea"/>
+        <a:cs typeface="+mn-cs"/>
+      </a:defRPr>
+    </a:lvl2pPr>
+    <a:lvl3pPr marL="914400" algn="l" defTabSz="914400" rtl="0" eaLnBrk="1" latinLnBrk="0" hangingPunct="1">
+      <a:defRPr sz="1800" kern="1200">
+        <a:solidFill>
+          <a:schemeClr val="tx1"/>
+        </a:solidFill>
+        <a:latin typeface="+mn-lt"/>
+        <a:ea typeface="+mn-ea"/>
+        <a:cs typeface="+mn-cs"/>
+      </a:defRPr>
+    </a:lvl3pPr>
+    <a:lvl4pPr marL="1371600" algn="l" defTabSz="914400" rtl="0" eaLnBrk="1" latinLnBrk="0" hangingPunct="1">
+      <a:defRPr sz="1800" kern="1200">
+        <a:solidFill>
+          <a:schemeClr val="tx1"/>
+        </a:solidFill>
+        <a:latin typeface="+mn-lt"/>
+        <a:ea typeface="+mn-ea"/>
+        <a:cs typeface="+mn-cs"/>
+      </a:defRPr>
+    </a:lvl4pPr>
+    <a:lvl5pPr marL="1828800" algn="l" defTabSz="914400" rtl="0" eaLnBrk="1" latinLnBrk="0" hangingPunct="1">
+      <a:defRPr sz="1800" kern="1200">
+        <a:solidFill>
+          <a:schemeClr val="tx1"/>
+        </a:solidFill>
+        <a:latin typeface="+mn-lt"/>
+        <a:ea typeface="+mn-ea"/>
+        <a:cs typeface="+mn-cs"/>
+      </a:defRPr>
+    </a:lvl5pPr>
+    <a:lvl6pPr marL="2286000" algn="l" defTabSz="914400" rtl="0" eaLnBrk="1" latinLnBrk="0" hangingPunct="1">
+      <a:defRPr sz="1800" kern="1200">
+        <a:solidFill>
+          <a:schemeClr val="tx1"/>
+        </a:solidFill>
+        <a:latin typeface="+mn-lt"/>
+        <a:ea typeface="+mn-ea"/>
+        <a:cs typeface="+mn-cs"/>
+      </a:defRPr>
+    </a:lvl6pPr>
+    <a:lvl7pPr marL="2743200" algn="l" defTabSz="914400" rtl="0" eaLnBrk="1" latinLnBrk="0" hangingPunct="1">
+      <a:defRPr sz="1800" kern="1200">
+        <a:solidFill>
+          <a:schemeClr val="tx1"/>
+        </a:solidFill>
+        <a:latin typeface="+mn-lt"/>
+        <a:ea typeface="+mn-ea"/>
+        <a:cs typeface="+mn-cs"/>
+      </a:defRPr>
+    </a:lvl7pPr>
+    <a:lvl8pPr marL="3200400" algn="l" defTabSz="914400" rtl="0" eaLnBrk="1" latinLnBrk="0" hangingPunct="1">
+      <a:defRPr sz="1800" kern="1200">
+        <a:solidFill>
+          <a:schemeClr val="tx1"/>
+        </a:solidFill>
+        <a:latin typeface="+mn-lt"/>
+        <a:ea typeface="+mn-ea"/>
+        <a:cs typeface="+mn-cs"/>
+      </a:defRPr>
+    </a:lvl8pPr>
+    <a:lvl9pPr marL="3657600" algn="l" defTabSz="914400" rtl="0" eaLnBrk="1" latinLnBrk="0" hangingPunct="1">
+      <a:defRPr sz="1800" kern="1200">
+        <a:solidFill>
+          <a:schemeClr val="tx1"/>
+        </a:solidFill>
+        <a:latin typeface="+mn-lt"/>
+        <a:ea typeface="+mn-ea"/>
+        <a:cs typeface="+mn-cs"/>
+      </a:defRPr>
+    </a:lvl9pPr>
+  </p:defaultTextStyle>
 </p:presentation>
 </file>
 
 <file path=ppt/slideLayouts/slideLayout1.xml><?xml version="1.0" encoding="utf-8"?>
-<p:sldLayout xmlns:a="http://schemas.openxmlformats.org/drawingml/2006/main" xmlns:p="http://schemas.openxmlformats.org/presentationml/2006/main" xmlns:r="http://schemas.openxmlformats.org/officeDocument/2006/relationships" xmlns:p14="http://schemas.microsoft.com/office/powerpoint/2010/main" xmlns:p15="http://schemas.microsoft.com/office/powerpoint/2012/main" xmlns:mc="http://schemas.openxmlformats.org/markup-compatibility/2006" type="blank" preserve="1">
+<p:sldLayout xmlns:a="http://schemas.openxmlformats.org/drawingml/2006/main" xmlns:r="http://schemas.openxmlformats.org/officeDocument/2006/relationships" xmlns:p="http://schemas.openxmlformats.org/presentationml/2006/main" type="blank" preserve="1">
   <p:cSld name="Blank Slide">
     <p:spTree>
       <p:nvGrpSpPr>
@@ -43,11 +138,14 @@
       </p:grpSpPr>
     </p:spTree>
   </p:cSld>
+  <p:clrMapOvr>
+    <a:masterClrMapping/>
+  </p:clrMapOvr>
 </p:sldLayout>
 </file>
 
 <file path=ppt/slideLayouts/slideLayout10.xml><?xml version="1.0" encoding="utf-8"?>
-<p:sldLayout xmlns:a="http://schemas.openxmlformats.org/drawingml/2006/main" xmlns:p="http://schemas.openxmlformats.org/presentationml/2006/main" xmlns:r="http://schemas.openxmlformats.org/officeDocument/2006/relationships" xmlns:p14="http://schemas.microsoft.com/office/powerpoint/2010/main" xmlns:p15="http://schemas.microsoft.com/office/powerpoint/2012/main" xmlns:mc="http://schemas.openxmlformats.org/markup-compatibility/2006" type="objOverTx" preserve="1">
+<p:sldLayout xmlns:a="http://schemas.openxmlformats.org/drawingml/2006/main" xmlns:r="http://schemas.openxmlformats.org/officeDocument/2006/relationships" xmlns:p="http://schemas.openxmlformats.org/presentationml/2006/main" type="objOverTx" preserve="1">
   <p:cSld name="Title, Content over Content">
     <p:spTree>
       <p:nvGrpSpPr>
@@ -83,9 +181,10 @@
           </a:prstGeom>
         </p:spPr>
         <p:txBody>
-          <a:bodyPr lIns="0" rIns="0" tIns="0" bIns="0" anchor="ctr"/>
-          <a:p>
-            <a:endParaRPr b="0" lang="ru-RU" sz="1800" spc="-1" strike="noStrike">
+          <a:bodyPr lIns="0" tIns="0" rIns="0" bIns="0" anchor="ctr"/>
+          <a:lstStyle/>
+          <a:p>
+            <a:endParaRPr lang="ru-RU" sz="1800" b="0" strike="noStrike" spc="-1">
               <a:solidFill>
                 <a:srgbClr val="000000"/>
               </a:solidFill>
@@ -114,11 +213,12 @@
           </a:prstGeom>
         </p:spPr>
         <p:txBody>
-          <a:bodyPr lIns="0" rIns="0" tIns="0" bIns="0">
+          <a:bodyPr lIns="0" tIns="0" rIns="0" bIns="0">
             <a:normAutofit/>
           </a:bodyPr>
-          <a:p>
-            <a:endParaRPr b="0" lang="ru-RU" sz="3200" spc="-1" strike="noStrike">
+          <a:lstStyle/>
+          <a:p>
+            <a:endParaRPr lang="ru-RU" sz="3200" b="0" strike="noStrike" spc="-1">
               <a:solidFill>
                 <a:srgbClr val="000000"/>
               </a:solidFill>
@@ -147,11 +247,12 @@
           </a:prstGeom>
         </p:spPr>
         <p:txBody>
-          <a:bodyPr lIns="0" rIns="0" tIns="0" bIns="0">
+          <a:bodyPr lIns="0" tIns="0" rIns="0" bIns="0">
             <a:normAutofit/>
           </a:bodyPr>
-          <a:p>
-            <a:endParaRPr b="0" lang="ru-RU" sz="3200" spc="-1" strike="noStrike">
+          <a:lstStyle/>
+          <a:p>
+            <a:endParaRPr lang="ru-RU" sz="3200" b="0" strike="noStrike" spc="-1">
               <a:solidFill>
                 <a:srgbClr val="000000"/>
               </a:solidFill>
@@ -162,11 +263,14 @@
       </p:sp>
     </p:spTree>
   </p:cSld>
+  <p:clrMapOvr>
+    <a:masterClrMapping/>
+  </p:clrMapOvr>
 </p:sldLayout>
 </file>
 
 <file path=ppt/slideLayouts/slideLayout11.xml><?xml version="1.0" encoding="utf-8"?>
-<p:sldLayout xmlns:a="http://schemas.openxmlformats.org/drawingml/2006/main" xmlns:p="http://schemas.openxmlformats.org/presentationml/2006/main" xmlns:r="http://schemas.openxmlformats.org/officeDocument/2006/relationships" xmlns:p14="http://schemas.microsoft.com/office/powerpoint/2010/main" xmlns:p15="http://schemas.microsoft.com/office/powerpoint/2012/main" xmlns:mc="http://schemas.openxmlformats.org/markup-compatibility/2006" type="fourObj" preserve="1">
+<p:sldLayout xmlns:a="http://schemas.openxmlformats.org/drawingml/2006/main" xmlns:r="http://schemas.openxmlformats.org/officeDocument/2006/relationships" xmlns:p="http://schemas.openxmlformats.org/presentationml/2006/main" type="fourObj" preserve="1">
   <p:cSld name="Title, 4 Content">
     <p:spTree>
       <p:nvGrpSpPr>
@@ -202,9 +306,10 @@
           </a:prstGeom>
         </p:spPr>
         <p:txBody>
-          <a:bodyPr lIns="0" rIns="0" tIns="0" bIns="0" anchor="ctr"/>
-          <a:p>
-            <a:endParaRPr b="0" lang="ru-RU" sz="1800" spc="-1" strike="noStrike">
+          <a:bodyPr lIns="0" tIns="0" rIns="0" bIns="0" anchor="ctr"/>
+          <a:lstStyle/>
+          <a:p>
+            <a:endParaRPr lang="ru-RU" sz="1800" b="0" strike="noStrike" spc="-1">
               <a:solidFill>
                 <a:srgbClr val="000000"/>
               </a:solidFill>
@@ -233,11 +338,12 @@
           </a:prstGeom>
         </p:spPr>
         <p:txBody>
-          <a:bodyPr lIns="0" rIns="0" tIns="0" bIns="0">
+          <a:bodyPr lIns="0" tIns="0" rIns="0" bIns="0">
             <a:normAutofit/>
           </a:bodyPr>
-          <a:p>
-            <a:endParaRPr b="0" lang="ru-RU" sz="3200" spc="-1" strike="noStrike">
+          <a:lstStyle/>
+          <a:p>
+            <a:endParaRPr lang="ru-RU" sz="3200" b="0" strike="noStrike" spc="-1">
               <a:solidFill>
                 <a:srgbClr val="000000"/>
               </a:solidFill>
@@ -266,11 +372,12 @@
           </a:prstGeom>
         </p:spPr>
         <p:txBody>
-          <a:bodyPr lIns="0" rIns="0" tIns="0" bIns="0">
+          <a:bodyPr lIns="0" tIns="0" rIns="0" bIns="0">
             <a:normAutofit/>
           </a:bodyPr>
-          <a:p>
-            <a:endParaRPr b="0" lang="ru-RU" sz="3200" spc="-1" strike="noStrike">
+          <a:lstStyle/>
+          <a:p>
+            <a:endParaRPr lang="ru-RU" sz="3200" b="0" strike="noStrike" spc="-1">
               <a:solidFill>
                 <a:srgbClr val="000000"/>
               </a:solidFill>
@@ -299,11 +406,12 @@
           </a:prstGeom>
         </p:spPr>
         <p:txBody>
-          <a:bodyPr lIns="0" rIns="0" tIns="0" bIns="0">
+          <a:bodyPr lIns="0" tIns="0" rIns="0" bIns="0">
             <a:normAutofit/>
           </a:bodyPr>
-          <a:p>
-            <a:endParaRPr b="0" lang="ru-RU" sz="3200" spc="-1" strike="noStrike">
+          <a:lstStyle/>
+          <a:p>
+            <a:endParaRPr lang="ru-RU" sz="3200" b="0" strike="noStrike" spc="-1">
               <a:solidFill>
                 <a:srgbClr val="000000"/>
               </a:solidFill>
@@ -332,11 +440,12 @@
           </a:prstGeom>
         </p:spPr>
         <p:txBody>
-          <a:bodyPr lIns="0" rIns="0" tIns="0" bIns="0">
+          <a:bodyPr lIns="0" tIns="0" rIns="0" bIns="0">
             <a:normAutofit/>
           </a:bodyPr>
-          <a:p>
-            <a:endParaRPr b="0" lang="ru-RU" sz="3200" spc="-1" strike="noStrike">
+          <a:lstStyle/>
+          <a:p>
+            <a:endParaRPr lang="ru-RU" sz="3200" b="0" strike="noStrike" spc="-1">
               <a:solidFill>
                 <a:srgbClr val="000000"/>
               </a:solidFill>
@@ -347,11 +456,14 @@
       </p:sp>
     </p:spTree>
   </p:cSld>
+  <p:clrMapOvr>
+    <a:masterClrMapping/>
+  </p:clrMapOvr>
 </p:sldLayout>
 </file>
 
 <file path=ppt/slideLayouts/slideLayout12.xml><?xml version="1.0" encoding="utf-8"?>
-<p:sldLayout xmlns:a="http://schemas.openxmlformats.org/drawingml/2006/main" xmlns:p="http://schemas.openxmlformats.org/presentationml/2006/main" xmlns:r="http://schemas.openxmlformats.org/officeDocument/2006/relationships" xmlns:p14="http://schemas.microsoft.com/office/powerpoint/2010/main" xmlns:p15="http://schemas.microsoft.com/office/powerpoint/2012/main" xmlns:mc="http://schemas.openxmlformats.org/markup-compatibility/2006" type="blank" preserve="1">
+<p:sldLayout xmlns:a="http://schemas.openxmlformats.org/drawingml/2006/main" xmlns:r="http://schemas.openxmlformats.org/officeDocument/2006/relationships" xmlns:p="http://schemas.openxmlformats.org/presentationml/2006/main" type="blank" preserve="1">
   <p:cSld name="Title, 6 Content">
     <p:spTree>
       <p:nvGrpSpPr>
@@ -387,9 +499,10 @@
           </a:prstGeom>
         </p:spPr>
         <p:txBody>
-          <a:bodyPr lIns="0" rIns="0" tIns="0" bIns="0" anchor="ctr"/>
-          <a:p>
-            <a:endParaRPr b="0" lang="ru-RU" sz="1800" spc="-1" strike="noStrike">
+          <a:bodyPr lIns="0" tIns="0" rIns="0" bIns="0" anchor="ctr"/>
+          <a:lstStyle/>
+          <a:p>
+            <a:endParaRPr lang="ru-RU" sz="1800" b="0" strike="noStrike" spc="-1">
               <a:solidFill>
                 <a:srgbClr val="000000"/>
               </a:solidFill>
@@ -418,11 +531,12 @@
           </a:prstGeom>
         </p:spPr>
         <p:txBody>
-          <a:bodyPr lIns="0" rIns="0" tIns="0" bIns="0">
+          <a:bodyPr lIns="0" tIns="0" rIns="0" bIns="0">
             <a:normAutofit/>
           </a:bodyPr>
-          <a:p>
-            <a:endParaRPr b="0" lang="ru-RU" sz="3200" spc="-1" strike="noStrike">
+          <a:lstStyle/>
+          <a:p>
+            <a:endParaRPr lang="ru-RU" sz="3200" b="0" strike="noStrike" spc="-1">
               <a:solidFill>
                 <a:srgbClr val="000000"/>
               </a:solidFill>
@@ -451,11 +565,12 @@
           </a:prstGeom>
         </p:spPr>
         <p:txBody>
-          <a:bodyPr lIns="0" rIns="0" tIns="0" bIns="0">
+          <a:bodyPr lIns="0" tIns="0" rIns="0" bIns="0">
             <a:normAutofit/>
           </a:bodyPr>
-          <a:p>
-            <a:endParaRPr b="0" lang="ru-RU" sz="3200" spc="-1" strike="noStrike">
+          <a:lstStyle/>
+          <a:p>
+            <a:endParaRPr lang="ru-RU" sz="3200" b="0" strike="noStrike" spc="-1">
               <a:solidFill>
                 <a:srgbClr val="000000"/>
               </a:solidFill>
@@ -484,11 +599,12 @@
           </a:prstGeom>
         </p:spPr>
         <p:txBody>
-          <a:bodyPr lIns="0" rIns="0" tIns="0" bIns="0">
+          <a:bodyPr lIns="0" tIns="0" rIns="0" bIns="0">
             <a:normAutofit/>
           </a:bodyPr>
-          <a:p>
-            <a:endParaRPr b="0" lang="ru-RU" sz="3200" spc="-1" strike="noStrike">
+          <a:lstStyle/>
+          <a:p>
+            <a:endParaRPr lang="ru-RU" sz="3200" b="0" strike="noStrike" spc="-1">
               <a:solidFill>
                 <a:srgbClr val="000000"/>
               </a:solidFill>
@@ -517,11 +633,12 @@
           </a:prstGeom>
         </p:spPr>
         <p:txBody>
-          <a:bodyPr lIns="0" rIns="0" tIns="0" bIns="0">
+          <a:bodyPr lIns="0" tIns="0" rIns="0" bIns="0">
             <a:normAutofit/>
           </a:bodyPr>
-          <a:p>
-            <a:endParaRPr b="0" lang="ru-RU" sz="3200" spc="-1" strike="noStrike">
+          <a:lstStyle/>
+          <a:p>
+            <a:endParaRPr lang="ru-RU" sz="3200" b="0" strike="noStrike" spc="-1">
               <a:solidFill>
                 <a:srgbClr val="000000"/>
               </a:solidFill>
@@ -550,11 +667,12 @@
           </a:prstGeom>
         </p:spPr>
         <p:txBody>
-          <a:bodyPr lIns="0" rIns="0" tIns="0" bIns="0">
+          <a:bodyPr lIns="0" tIns="0" rIns="0" bIns="0">
             <a:normAutofit/>
           </a:bodyPr>
-          <a:p>
-            <a:endParaRPr b="0" lang="ru-RU" sz="3200" spc="-1" strike="noStrike">
+          <a:lstStyle/>
+          <a:p>
+            <a:endParaRPr lang="ru-RU" sz="3200" b="0" strike="noStrike" spc="-1">
               <a:solidFill>
                 <a:srgbClr val="000000"/>
               </a:solidFill>
@@ -583,11 +701,12 @@
           </a:prstGeom>
         </p:spPr>
         <p:txBody>
-          <a:bodyPr lIns="0" rIns="0" tIns="0" bIns="0">
+          <a:bodyPr lIns="0" tIns="0" rIns="0" bIns="0">
             <a:normAutofit/>
           </a:bodyPr>
-          <a:p>
-            <a:endParaRPr b="0" lang="ru-RU" sz="3200" spc="-1" strike="noStrike">
+          <a:lstStyle/>
+          <a:p>
+            <a:endParaRPr lang="ru-RU" sz="3200" b="0" strike="noStrike" spc="-1">
               <a:solidFill>
                 <a:srgbClr val="000000"/>
               </a:solidFill>
@@ -598,11 +717,14 @@
       </p:sp>
     </p:spTree>
   </p:cSld>
+  <p:clrMapOvr>
+    <a:masterClrMapping/>
+  </p:clrMapOvr>
 </p:sldLayout>
 </file>
 
 <file path=ppt/slideLayouts/slideLayout13.xml><?xml version="1.0" encoding="utf-8"?>
-<p:sldLayout xmlns:a="http://schemas.openxmlformats.org/drawingml/2006/main" xmlns:p="http://schemas.openxmlformats.org/presentationml/2006/main" xmlns:r="http://schemas.openxmlformats.org/officeDocument/2006/relationships" xmlns:p14="http://schemas.microsoft.com/office/powerpoint/2010/main" xmlns:p15="http://schemas.microsoft.com/office/powerpoint/2012/main" xmlns:mc="http://schemas.openxmlformats.org/markup-compatibility/2006" type="blank" preserve="1">
+<p:sldLayout xmlns:a="http://schemas.openxmlformats.org/drawingml/2006/main" xmlns:r="http://schemas.openxmlformats.org/officeDocument/2006/relationships" xmlns:p="http://schemas.openxmlformats.org/presentationml/2006/main" type="blank" preserve="1">
   <p:cSld name="Blank Slide">
     <p:spTree>
       <p:nvGrpSpPr>
@@ -620,11 +742,14 @@
       </p:grpSpPr>
     </p:spTree>
   </p:cSld>
+  <p:clrMapOvr>
+    <a:masterClrMapping/>
+  </p:clrMapOvr>
 </p:sldLayout>
 </file>
 
 <file path=ppt/slideLayouts/slideLayout14.xml><?xml version="1.0" encoding="utf-8"?>
-<p:sldLayout xmlns:a="http://schemas.openxmlformats.org/drawingml/2006/main" xmlns:p="http://schemas.openxmlformats.org/presentationml/2006/main" xmlns:r="http://schemas.openxmlformats.org/officeDocument/2006/relationships" xmlns:p14="http://schemas.microsoft.com/office/powerpoint/2010/main" xmlns:p15="http://schemas.microsoft.com/office/powerpoint/2012/main" xmlns:mc="http://schemas.openxmlformats.org/markup-compatibility/2006" type="tx" preserve="1">
+<p:sldLayout xmlns:a="http://schemas.openxmlformats.org/drawingml/2006/main" xmlns:r="http://schemas.openxmlformats.org/officeDocument/2006/relationships" xmlns:p="http://schemas.openxmlformats.org/presentationml/2006/main" type="tx" preserve="1">
   <p:cSld name="Title Slide">
     <p:spTree>
       <p:nvGrpSpPr>
@@ -660,9 +785,10 @@
           </a:prstGeom>
         </p:spPr>
         <p:txBody>
-          <a:bodyPr lIns="0" rIns="0" tIns="0" bIns="0" anchor="ctr"/>
-          <a:p>
-            <a:endParaRPr b="0" lang="ru-RU" sz="1800" spc="-1" strike="noStrike">
+          <a:bodyPr lIns="0" tIns="0" rIns="0" bIns="0" anchor="ctr"/>
+          <a:lstStyle/>
+          <a:p>
+            <a:endParaRPr lang="ru-RU" sz="1800" b="0" strike="noStrike" spc="-1">
               <a:solidFill>
                 <a:srgbClr val="000000"/>
               </a:solidFill>
@@ -691,10 +817,11 @@
           </a:prstGeom>
         </p:spPr>
         <p:txBody>
-          <a:bodyPr lIns="0" rIns="0" tIns="0" bIns="0" anchor="ctr"/>
+          <a:bodyPr lIns="0" tIns="0" rIns="0" bIns="0" anchor="ctr"/>
+          <a:lstStyle/>
           <a:p>
             <a:pPr algn="ctr"/>
-            <a:endParaRPr b="0" lang="ru-RU" sz="3200" spc="-1" strike="noStrike">
+            <a:endParaRPr lang="ru-RU" sz="3200" b="0" strike="noStrike" spc="-1">
               <a:latin typeface="Arial"/>
             </a:endParaRPr>
           </a:p>
@@ -702,11 +829,14 @@
       </p:sp>
     </p:spTree>
   </p:cSld>
+  <p:clrMapOvr>
+    <a:masterClrMapping/>
+  </p:clrMapOvr>
 </p:sldLayout>
 </file>
 
 <file path=ppt/slideLayouts/slideLayout15.xml><?xml version="1.0" encoding="utf-8"?>
-<p:sldLayout xmlns:a="http://schemas.openxmlformats.org/drawingml/2006/main" xmlns:p="http://schemas.openxmlformats.org/presentationml/2006/main" xmlns:r="http://schemas.openxmlformats.org/officeDocument/2006/relationships" xmlns:p14="http://schemas.microsoft.com/office/powerpoint/2010/main" xmlns:p15="http://schemas.microsoft.com/office/powerpoint/2012/main" xmlns:mc="http://schemas.openxmlformats.org/markup-compatibility/2006" type="obj" preserve="1">
+<p:sldLayout xmlns:a="http://schemas.openxmlformats.org/drawingml/2006/main" xmlns:r="http://schemas.openxmlformats.org/officeDocument/2006/relationships" xmlns:p="http://schemas.openxmlformats.org/presentationml/2006/main" type="obj" preserve="1">
   <p:cSld name="Title, Content">
     <p:spTree>
       <p:nvGrpSpPr>
@@ -742,9 +872,10 @@
           </a:prstGeom>
         </p:spPr>
         <p:txBody>
-          <a:bodyPr lIns="0" rIns="0" tIns="0" bIns="0" anchor="ctr"/>
-          <a:p>
-            <a:endParaRPr b="0" lang="ru-RU" sz="1800" spc="-1" strike="noStrike">
+          <a:bodyPr lIns="0" tIns="0" rIns="0" bIns="0" anchor="ctr"/>
+          <a:lstStyle/>
+          <a:p>
+            <a:endParaRPr lang="ru-RU" sz="1800" b="0" strike="noStrike" spc="-1">
               <a:solidFill>
                 <a:srgbClr val="000000"/>
               </a:solidFill>
@@ -773,11 +904,12 @@
           </a:prstGeom>
         </p:spPr>
         <p:txBody>
-          <a:bodyPr lIns="0" rIns="0" tIns="0" bIns="0">
+          <a:bodyPr lIns="0" tIns="0" rIns="0" bIns="0">
             <a:normAutofit/>
           </a:bodyPr>
-          <a:p>
-            <a:endParaRPr b="0" lang="ru-RU" sz="3200" spc="-1" strike="noStrike">
+          <a:lstStyle/>
+          <a:p>
+            <a:endParaRPr lang="ru-RU" sz="3200" b="0" strike="noStrike" spc="-1">
               <a:solidFill>
                 <a:srgbClr val="000000"/>
               </a:solidFill>
@@ -788,11 +920,14 @@
       </p:sp>
     </p:spTree>
   </p:cSld>
+  <p:clrMapOvr>
+    <a:masterClrMapping/>
+  </p:clrMapOvr>
 </p:sldLayout>
 </file>
 
 <file path=ppt/slideLayouts/slideLayout16.xml><?xml version="1.0" encoding="utf-8"?>
-<p:sldLayout xmlns:a="http://schemas.openxmlformats.org/drawingml/2006/main" xmlns:p="http://schemas.openxmlformats.org/presentationml/2006/main" xmlns:r="http://schemas.openxmlformats.org/officeDocument/2006/relationships" xmlns:p14="http://schemas.microsoft.com/office/powerpoint/2010/main" xmlns:p15="http://schemas.microsoft.com/office/powerpoint/2012/main" xmlns:mc="http://schemas.openxmlformats.org/markup-compatibility/2006" type="twoObj" preserve="1">
+<p:sldLayout xmlns:a="http://schemas.openxmlformats.org/drawingml/2006/main" xmlns:r="http://schemas.openxmlformats.org/officeDocument/2006/relationships" xmlns:p="http://schemas.openxmlformats.org/presentationml/2006/main" type="twoObj" preserve="1">
   <p:cSld name="Title, 2 Content">
     <p:spTree>
       <p:nvGrpSpPr>
@@ -828,9 +963,10 @@
           </a:prstGeom>
         </p:spPr>
         <p:txBody>
-          <a:bodyPr lIns="0" rIns="0" tIns="0" bIns="0" anchor="ctr"/>
-          <a:p>
-            <a:endParaRPr b="0" lang="ru-RU" sz="1800" spc="-1" strike="noStrike">
+          <a:bodyPr lIns="0" tIns="0" rIns="0" bIns="0" anchor="ctr"/>
+          <a:lstStyle/>
+          <a:p>
+            <a:endParaRPr lang="ru-RU" sz="1800" b="0" strike="noStrike" spc="-1">
               <a:solidFill>
                 <a:srgbClr val="000000"/>
               </a:solidFill>
@@ -859,11 +995,12 @@
           </a:prstGeom>
         </p:spPr>
         <p:txBody>
-          <a:bodyPr lIns="0" rIns="0" tIns="0" bIns="0">
+          <a:bodyPr lIns="0" tIns="0" rIns="0" bIns="0">
             <a:normAutofit/>
           </a:bodyPr>
-          <a:p>
-            <a:endParaRPr b="0" lang="ru-RU" sz="3200" spc="-1" strike="noStrike">
+          <a:lstStyle/>
+          <a:p>
+            <a:endParaRPr lang="ru-RU" sz="3200" b="0" strike="noStrike" spc="-1">
               <a:solidFill>
                 <a:srgbClr val="000000"/>
               </a:solidFill>
@@ -892,11 +1029,12 @@
           </a:prstGeom>
         </p:spPr>
         <p:txBody>
-          <a:bodyPr lIns="0" rIns="0" tIns="0" bIns="0">
+          <a:bodyPr lIns="0" tIns="0" rIns="0" bIns="0">
             <a:normAutofit/>
           </a:bodyPr>
-          <a:p>
-            <a:endParaRPr b="0" lang="ru-RU" sz="3200" spc="-1" strike="noStrike">
+          <a:lstStyle/>
+          <a:p>
+            <a:endParaRPr lang="ru-RU" sz="3200" b="0" strike="noStrike" spc="-1">
               <a:solidFill>
                 <a:srgbClr val="000000"/>
               </a:solidFill>
@@ -907,11 +1045,14 @@
       </p:sp>
     </p:spTree>
   </p:cSld>
+  <p:clrMapOvr>
+    <a:masterClrMapping/>
+  </p:clrMapOvr>
 </p:sldLayout>
 </file>
 
 <file path=ppt/slideLayouts/slideLayout17.xml><?xml version="1.0" encoding="utf-8"?>
-<p:sldLayout xmlns:a="http://schemas.openxmlformats.org/drawingml/2006/main" xmlns:p="http://schemas.openxmlformats.org/presentationml/2006/main" xmlns:r="http://schemas.openxmlformats.org/officeDocument/2006/relationships" xmlns:p14="http://schemas.microsoft.com/office/powerpoint/2010/main" xmlns:p15="http://schemas.microsoft.com/office/powerpoint/2012/main" xmlns:mc="http://schemas.openxmlformats.org/markup-compatibility/2006" type="titleOnly" preserve="1">
+<p:sldLayout xmlns:a="http://schemas.openxmlformats.org/drawingml/2006/main" xmlns:r="http://schemas.openxmlformats.org/officeDocument/2006/relationships" xmlns:p="http://schemas.openxmlformats.org/presentationml/2006/main" type="titleOnly" preserve="1">
   <p:cSld name="Title Only">
     <p:spTree>
       <p:nvGrpSpPr>
@@ -947,9 +1088,10 @@
           </a:prstGeom>
         </p:spPr>
         <p:txBody>
-          <a:bodyPr lIns="0" rIns="0" tIns="0" bIns="0" anchor="ctr"/>
-          <a:p>
-            <a:endParaRPr b="0" lang="ru-RU" sz="1800" spc="-1" strike="noStrike">
+          <a:bodyPr lIns="0" tIns="0" rIns="0" bIns="0" anchor="ctr"/>
+          <a:lstStyle/>
+          <a:p>
+            <a:endParaRPr lang="ru-RU" sz="1800" b="0" strike="noStrike" spc="-1">
               <a:solidFill>
                 <a:srgbClr val="000000"/>
               </a:solidFill>
@@ -960,11 +1102,14 @@
       </p:sp>
     </p:spTree>
   </p:cSld>
+  <p:clrMapOvr>
+    <a:masterClrMapping/>
+  </p:clrMapOvr>
 </p:sldLayout>
 </file>
 
 <file path=ppt/slideLayouts/slideLayout18.xml><?xml version="1.0" encoding="utf-8"?>
-<p:sldLayout xmlns:a="http://schemas.openxmlformats.org/drawingml/2006/main" xmlns:p="http://schemas.openxmlformats.org/presentationml/2006/main" xmlns:r="http://schemas.openxmlformats.org/officeDocument/2006/relationships" xmlns:p14="http://schemas.microsoft.com/office/powerpoint/2010/main" xmlns:p15="http://schemas.microsoft.com/office/powerpoint/2012/main" xmlns:mc="http://schemas.openxmlformats.org/markup-compatibility/2006" type="objOnly" preserve="1">
+<p:sldLayout xmlns:a="http://schemas.openxmlformats.org/drawingml/2006/main" xmlns:r="http://schemas.openxmlformats.org/officeDocument/2006/relationships" xmlns:p="http://schemas.openxmlformats.org/presentationml/2006/main" type="objOnly" preserve="1">
   <p:cSld name="Centered Text">
     <p:spTree>
       <p:nvGrpSpPr>
@@ -1000,10 +1145,11 @@
           </a:prstGeom>
         </p:spPr>
         <p:txBody>
-          <a:bodyPr lIns="0" rIns="0" tIns="0" bIns="0" anchor="ctr"/>
+          <a:bodyPr lIns="0" tIns="0" rIns="0" bIns="0" anchor="ctr"/>
+          <a:lstStyle/>
           <a:p>
             <a:pPr algn="ctr"/>
-            <a:endParaRPr b="0" lang="ru-RU" sz="3200" spc="-1" strike="noStrike">
+            <a:endParaRPr lang="ru-RU" sz="3200" b="0" strike="noStrike" spc="-1">
               <a:latin typeface="Arial"/>
             </a:endParaRPr>
           </a:p>
@@ -1011,11 +1157,14 @@
       </p:sp>
     </p:spTree>
   </p:cSld>
+  <p:clrMapOvr>
+    <a:masterClrMapping/>
+  </p:clrMapOvr>
 </p:sldLayout>
 </file>
 
 <file path=ppt/slideLayouts/slideLayout19.xml><?xml version="1.0" encoding="utf-8"?>
-<p:sldLayout xmlns:a="http://schemas.openxmlformats.org/drawingml/2006/main" xmlns:p="http://schemas.openxmlformats.org/presentationml/2006/main" xmlns:r="http://schemas.openxmlformats.org/officeDocument/2006/relationships" xmlns:p14="http://schemas.microsoft.com/office/powerpoint/2010/main" xmlns:p15="http://schemas.microsoft.com/office/powerpoint/2012/main" xmlns:mc="http://schemas.openxmlformats.org/markup-compatibility/2006" type="twoObjAndObj" preserve="1">
+<p:sldLayout xmlns:a="http://schemas.openxmlformats.org/drawingml/2006/main" xmlns:r="http://schemas.openxmlformats.org/officeDocument/2006/relationships" xmlns:p="http://schemas.openxmlformats.org/presentationml/2006/main" type="twoObjAndObj" preserve="1">
   <p:cSld name="Title, 2 Content and Content">
     <p:spTree>
       <p:nvGrpSpPr>
@@ -1051,9 +1200,10 @@
           </a:prstGeom>
         </p:spPr>
         <p:txBody>
-          <a:bodyPr lIns="0" rIns="0" tIns="0" bIns="0" anchor="ctr"/>
-          <a:p>
-            <a:endParaRPr b="0" lang="ru-RU" sz="1800" spc="-1" strike="noStrike">
+          <a:bodyPr lIns="0" tIns="0" rIns="0" bIns="0" anchor="ctr"/>
+          <a:lstStyle/>
+          <a:p>
+            <a:endParaRPr lang="ru-RU" sz="1800" b="0" strike="noStrike" spc="-1">
               <a:solidFill>
                 <a:srgbClr val="000000"/>
               </a:solidFill>
@@ -1082,11 +1232,12 @@
           </a:prstGeom>
         </p:spPr>
         <p:txBody>
-          <a:bodyPr lIns="0" rIns="0" tIns="0" bIns="0">
+          <a:bodyPr lIns="0" tIns="0" rIns="0" bIns="0">
             <a:normAutofit/>
           </a:bodyPr>
-          <a:p>
-            <a:endParaRPr b="0" lang="ru-RU" sz="3200" spc="-1" strike="noStrike">
+          <a:lstStyle/>
+          <a:p>
+            <a:endParaRPr lang="ru-RU" sz="3200" b="0" strike="noStrike" spc="-1">
               <a:solidFill>
                 <a:srgbClr val="000000"/>
               </a:solidFill>
@@ -1115,11 +1266,12 @@
           </a:prstGeom>
         </p:spPr>
         <p:txBody>
-          <a:bodyPr lIns="0" rIns="0" tIns="0" bIns="0">
+          <a:bodyPr lIns="0" tIns="0" rIns="0" bIns="0">
             <a:normAutofit/>
           </a:bodyPr>
-          <a:p>
-            <a:endParaRPr b="0" lang="ru-RU" sz="3200" spc="-1" strike="noStrike">
+          <a:lstStyle/>
+          <a:p>
+            <a:endParaRPr lang="ru-RU" sz="3200" b="0" strike="noStrike" spc="-1">
               <a:solidFill>
                 <a:srgbClr val="000000"/>
               </a:solidFill>
@@ -1148,11 +1300,12 @@
           </a:prstGeom>
         </p:spPr>
         <p:txBody>
-          <a:bodyPr lIns="0" rIns="0" tIns="0" bIns="0">
+          <a:bodyPr lIns="0" tIns="0" rIns="0" bIns="0">
             <a:normAutofit/>
           </a:bodyPr>
-          <a:p>
-            <a:endParaRPr b="0" lang="ru-RU" sz="3200" spc="-1" strike="noStrike">
+          <a:lstStyle/>
+          <a:p>
+            <a:endParaRPr lang="ru-RU" sz="3200" b="0" strike="noStrike" spc="-1">
               <a:solidFill>
                 <a:srgbClr val="000000"/>
               </a:solidFill>
@@ -1163,11 +1316,14 @@
       </p:sp>
     </p:spTree>
   </p:cSld>
+  <p:clrMapOvr>
+    <a:masterClrMapping/>
+  </p:clrMapOvr>
 </p:sldLayout>
 </file>
 
 <file path=ppt/slideLayouts/slideLayout2.xml><?xml version="1.0" encoding="utf-8"?>
-<p:sldLayout xmlns:a="http://schemas.openxmlformats.org/drawingml/2006/main" xmlns:p="http://schemas.openxmlformats.org/presentationml/2006/main" xmlns:r="http://schemas.openxmlformats.org/officeDocument/2006/relationships" xmlns:p14="http://schemas.microsoft.com/office/powerpoint/2010/main" xmlns:p15="http://schemas.microsoft.com/office/powerpoint/2012/main" xmlns:mc="http://schemas.openxmlformats.org/markup-compatibility/2006" type="tx" preserve="1">
+<p:sldLayout xmlns:a="http://schemas.openxmlformats.org/drawingml/2006/main" xmlns:r="http://schemas.openxmlformats.org/officeDocument/2006/relationships" xmlns:p="http://schemas.openxmlformats.org/presentationml/2006/main" type="tx" preserve="1">
   <p:cSld name="Title Slide">
     <p:spTree>
       <p:nvGrpSpPr>
@@ -1203,9 +1359,10 @@
           </a:prstGeom>
         </p:spPr>
         <p:txBody>
-          <a:bodyPr lIns="0" rIns="0" tIns="0" bIns="0" anchor="ctr"/>
-          <a:p>
-            <a:endParaRPr b="0" lang="ru-RU" sz="1800" spc="-1" strike="noStrike">
+          <a:bodyPr lIns="0" tIns="0" rIns="0" bIns="0" anchor="ctr"/>
+          <a:lstStyle/>
+          <a:p>
+            <a:endParaRPr lang="ru-RU" sz="1800" b="0" strike="noStrike" spc="-1">
               <a:solidFill>
                 <a:srgbClr val="000000"/>
               </a:solidFill>
@@ -1234,10 +1391,11 @@
           </a:prstGeom>
         </p:spPr>
         <p:txBody>
-          <a:bodyPr lIns="0" rIns="0" tIns="0" bIns="0" anchor="ctr"/>
+          <a:bodyPr lIns="0" tIns="0" rIns="0" bIns="0" anchor="ctr"/>
+          <a:lstStyle/>
           <a:p>
             <a:pPr algn="ctr"/>
-            <a:endParaRPr b="0" lang="ru-RU" sz="3200" spc="-1" strike="noStrike">
+            <a:endParaRPr lang="ru-RU" sz="3200" b="0" strike="noStrike" spc="-1">
               <a:latin typeface="Arial"/>
             </a:endParaRPr>
           </a:p>
@@ -1245,11 +1403,14 @@
       </p:sp>
     </p:spTree>
   </p:cSld>
+  <p:clrMapOvr>
+    <a:masterClrMapping/>
+  </p:clrMapOvr>
 </p:sldLayout>
 </file>
 
 <file path=ppt/slideLayouts/slideLayout20.xml><?xml version="1.0" encoding="utf-8"?>
-<p:sldLayout xmlns:a="http://schemas.openxmlformats.org/drawingml/2006/main" xmlns:p="http://schemas.openxmlformats.org/presentationml/2006/main" xmlns:r="http://schemas.openxmlformats.org/officeDocument/2006/relationships" xmlns:p14="http://schemas.microsoft.com/office/powerpoint/2010/main" xmlns:p15="http://schemas.microsoft.com/office/powerpoint/2012/main" xmlns:mc="http://schemas.openxmlformats.org/markup-compatibility/2006" type="objAndTwoObj" preserve="1">
+<p:sldLayout xmlns:a="http://schemas.openxmlformats.org/drawingml/2006/main" xmlns:r="http://schemas.openxmlformats.org/officeDocument/2006/relationships" xmlns:p="http://schemas.openxmlformats.org/presentationml/2006/main" type="objAndTwoObj" preserve="1">
   <p:cSld name="Title Content and 2 Content">
     <p:spTree>
       <p:nvGrpSpPr>
@@ -1285,9 +1446,10 @@
           </a:prstGeom>
         </p:spPr>
         <p:txBody>
-          <a:bodyPr lIns="0" rIns="0" tIns="0" bIns="0" anchor="ctr"/>
-          <a:p>
-            <a:endParaRPr b="0" lang="ru-RU" sz="1800" spc="-1" strike="noStrike">
+          <a:bodyPr lIns="0" tIns="0" rIns="0" bIns="0" anchor="ctr"/>
+          <a:lstStyle/>
+          <a:p>
+            <a:endParaRPr lang="ru-RU" sz="1800" b="0" strike="noStrike" spc="-1">
               <a:solidFill>
                 <a:srgbClr val="000000"/>
               </a:solidFill>
@@ -1316,11 +1478,12 @@
           </a:prstGeom>
         </p:spPr>
         <p:txBody>
-          <a:bodyPr lIns="0" rIns="0" tIns="0" bIns="0">
+          <a:bodyPr lIns="0" tIns="0" rIns="0" bIns="0">
             <a:normAutofit/>
           </a:bodyPr>
-          <a:p>
-            <a:endParaRPr b="0" lang="ru-RU" sz="3200" spc="-1" strike="noStrike">
+          <a:lstStyle/>
+          <a:p>
+            <a:endParaRPr lang="ru-RU" sz="3200" b="0" strike="noStrike" spc="-1">
               <a:solidFill>
                 <a:srgbClr val="000000"/>
               </a:solidFill>
@@ -1349,11 +1512,12 @@
           </a:prstGeom>
         </p:spPr>
         <p:txBody>
-          <a:bodyPr lIns="0" rIns="0" tIns="0" bIns="0">
+          <a:bodyPr lIns="0" tIns="0" rIns="0" bIns="0">
             <a:normAutofit/>
           </a:bodyPr>
-          <a:p>
-            <a:endParaRPr b="0" lang="ru-RU" sz="3200" spc="-1" strike="noStrike">
+          <a:lstStyle/>
+          <a:p>
+            <a:endParaRPr lang="ru-RU" sz="3200" b="0" strike="noStrike" spc="-1">
               <a:solidFill>
                 <a:srgbClr val="000000"/>
               </a:solidFill>
@@ -1382,11 +1546,12 @@
           </a:prstGeom>
         </p:spPr>
         <p:txBody>
-          <a:bodyPr lIns="0" rIns="0" tIns="0" bIns="0">
+          <a:bodyPr lIns="0" tIns="0" rIns="0" bIns="0">
             <a:normAutofit/>
           </a:bodyPr>
-          <a:p>
-            <a:endParaRPr b="0" lang="ru-RU" sz="3200" spc="-1" strike="noStrike">
+          <a:lstStyle/>
+          <a:p>
+            <a:endParaRPr lang="ru-RU" sz="3200" b="0" strike="noStrike" spc="-1">
               <a:solidFill>
                 <a:srgbClr val="000000"/>
               </a:solidFill>
@@ -1397,11 +1562,14 @@
       </p:sp>
     </p:spTree>
   </p:cSld>
+  <p:clrMapOvr>
+    <a:masterClrMapping/>
+  </p:clrMapOvr>
 </p:sldLayout>
 </file>
 
 <file path=ppt/slideLayouts/slideLayout21.xml><?xml version="1.0" encoding="utf-8"?>
-<p:sldLayout xmlns:a="http://schemas.openxmlformats.org/drawingml/2006/main" xmlns:p="http://schemas.openxmlformats.org/presentationml/2006/main" xmlns:r="http://schemas.openxmlformats.org/officeDocument/2006/relationships" xmlns:p14="http://schemas.microsoft.com/office/powerpoint/2010/main" xmlns:p15="http://schemas.microsoft.com/office/powerpoint/2012/main" xmlns:mc="http://schemas.openxmlformats.org/markup-compatibility/2006" type="twoObjOverTx" preserve="1">
+<p:sldLayout xmlns:a="http://schemas.openxmlformats.org/drawingml/2006/main" xmlns:r="http://schemas.openxmlformats.org/officeDocument/2006/relationships" xmlns:p="http://schemas.openxmlformats.org/presentationml/2006/main" type="twoObjOverTx" preserve="1">
   <p:cSld name="Title, 2 Content over Content">
     <p:spTree>
       <p:nvGrpSpPr>
@@ -1437,9 +1605,10 @@
           </a:prstGeom>
         </p:spPr>
         <p:txBody>
-          <a:bodyPr lIns="0" rIns="0" tIns="0" bIns="0" anchor="ctr"/>
-          <a:p>
-            <a:endParaRPr b="0" lang="ru-RU" sz="1800" spc="-1" strike="noStrike">
+          <a:bodyPr lIns="0" tIns="0" rIns="0" bIns="0" anchor="ctr"/>
+          <a:lstStyle/>
+          <a:p>
+            <a:endParaRPr lang="ru-RU" sz="1800" b="0" strike="noStrike" spc="-1">
               <a:solidFill>
                 <a:srgbClr val="000000"/>
               </a:solidFill>
@@ -1468,11 +1637,12 @@
           </a:prstGeom>
         </p:spPr>
         <p:txBody>
-          <a:bodyPr lIns="0" rIns="0" tIns="0" bIns="0">
+          <a:bodyPr lIns="0" tIns="0" rIns="0" bIns="0">
             <a:normAutofit/>
           </a:bodyPr>
-          <a:p>
-            <a:endParaRPr b="0" lang="ru-RU" sz="3200" spc="-1" strike="noStrike">
+          <a:lstStyle/>
+          <a:p>
+            <a:endParaRPr lang="ru-RU" sz="3200" b="0" strike="noStrike" spc="-1">
               <a:solidFill>
                 <a:srgbClr val="000000"/>
               </a:solidFill>
@@ -1501,11 +1671,12 @@
           </a:prstGeom>
         </p:spPr>
         <p:txBody>
-          <a:bodyPr lIns="0" rIns="0" tIns="0" bIns="0">
+          <a:bodyPr lIns="0" tIns="0" rIns="0" bIns="0">
             <a:normAutofit/>
           </a:bodyPr>
-          <a:p>
-            <a:endParaRPr b="0" lang="ru-RU" sz="3200" spc="-1" strike="noStrike">
+          <a:lstStyle/>
+          <a:p>
+            <a:endParaRPr lang="ru-RU" sz="3200" b="0" strike="noStrike" spc="-1">
               <a:solidFill>
                 <a:srgbClr val="000000"/>
               </a:solidFill>
@@ -1534,11 +1705,12 @@
           </a:prstGeom>
         </p:spPr>
         <p:txBody>
-          <a:bodyPr lIns="0" rIns="0" tIns="0" bIns="0">
+          <a:bodyPr lIns="0" tIns="0" rIns="0" bIns="0">
             <a:normAutofit/>
           </a:bodyPr>
-          <a:p>
-            <a:endParaRPr b="0" lang="ru-RU" sz="3200" spc="-1" strike="noStrike">
+          <a:lstStyle/>
+          <a:p>
+            <a:endParaRPr lang="ru-RU" sz="3200" b="0" strike="noStrike" spc="-1">
               <a:solidFill>
                 <a:srgbClr val="000000"/>
               </a:solidFill>
@@ -1549,11 +1721,14 @@
       </p:sp>
     </p:spTree>
   </p:cSld>
+  <p:clrMapOvr>
+    <a:masterClrMapping/>
+  </p:clrMapOvr>
 </p:sldLayout>
 </file>
 
 <file path=ppt/slideLayouts/slideLayout22.xml><?xml version="1.0" encoding="utf-8"?>
-<p:sldLayout xmlns:a="http://schemas.openxmlformats.org/drawingml/2006/main" xmlns:p="http://schemas.openxmlformats.org/presentationml/2006/main" xmlns:r="http://schemas.openxmlformats.org/officeDocument/2006/relationships" xmlns:p14="http://schemas.microsoft.com/office/powerpoint/2010/main" xmlns:p15="http://schemas.microsoft.com/office/powerpoint/2012/main" xmlns:mc="http://schemas.openxmlformats.org/markup-compatibility/2006" type="objOverTx" preserve="1">
+<p:sldLayout xmlns:a="http://schemas.openxmlformats.org/drawingml/2006/main" xmlns:r="http://schemas.openxmlformats.org/officeDocument/2006/relationships" xmlns:p="http://schemas.openxmlformats.org/presentationml/2006/main" type="objOverTx" preserve="1">
   <p:cSld name="Title, Content over Content">
     <p:spTree>
       <p:nvGrpSpPr>
@@ -1589,9 +1764,10 @@
           </a:prstGeom>
         </p:spPr>
         <p:txBody>
-          <a:bodyPr lIns="0" rIns="0" tIns="0" bIns="0" anchor="ctr"/>
-          <a:p>
-            <a:endParaRPr b="0" lang="ru-RU" sz="1800" spc="-1" strike="noStrike">
+          <a:bodyPr lIns="0" tIns="0" rIns="0" bIns="0" anchor="ctr"/>
+          <a:lstStyle/>
+          <a:p>
+            <a:endParaRPr lang="ru-RU" sz="1800" b="0" strike="noStrike" spc="-1">
               <a:solidFill>
                 <a:srgbClr val="000000"/>
               </a:solidFill>
@@ -1620,11 +1796,12 @@
           </a:prstGeom>
         </p:spPr>
         <p:txBody>
-          <a:bodyPr lIns="0" rIns="0" tIns="0" bIns="0">
+          <a:bodyPr lIns="0" tIns="0" rIns="0" bIns="0">
             <a:normAutofit/>
           </a:bodyPr>
-          <a:p>
-            <a:endParaRPr b="0" lang="ru-RU" sz="3200" spc="-1" strike="noStrike">
+          <a:lstStyle/>
+          <a:p>
+            <a:endParaRPr lang="ru-RU" sz="3200" b="0" strike="noStrike" spc="-1">
               <a:solidFill>
                 <a:srgbClr val="000000"/>
               </a:solidFill>
@@ -1653,11 +1830,12 @@
           </a:prstGeom>
         </p:spPr>
         <p:txBody>
-          <a:bodyPr lIns="0" rIns="0" tIns="0" bIns="0">
+          <a:bodyPr lIns="0" tIns="0" rIns="0" bIns="0">
             <a:normAutofit/>
           </a:bodyPr>
-          <a:p>
-            <a:endParaRPr b="0" lang="ru-RU" sz="3200" spc="-1" strike="noStrike">
+          <a:lstStyle/>
+          <a:p>
+            <a:endParaRPr lang="ru-RU" sz="3200" b="0" strike="noStrike" spc="-1">
               <a:solidFill>
                 <a:srgbClr val="000000"/>
               </a:solidFill>
@@ -1668,11 +1846,14 @@
       </p:sp>
     </p:spTree>
   </p:cSld>
+  <p:clrMapOvr>
+    <a:masterClrMapping/>
+  </p:clrMapOvr>
 </p:sldLayout>
 </file>
 
 <file path=ppt/slideLayouts/slideLayout23.xml><?xml version="1.0" encoding="utf-8"?>
-<p:sldLayout xmlns:a="http://schemas.openxmlformats.org/drawingml/2006/main" xmlns:p="http://schemas.openxmlformats.org/presentationml/2006/main" xmlns:r="http://schemas.openxmlformats.org/officeDocument/2006/relationships" xmlns:p14="http://schemas.microsoft.com/office/powerpoint/2010/main" xmlns:p15="http://schemas.microsoft.com/office/powerpoint/2012/main" xmlns:mc="http://schemas.openxmlformats.org/markup-compatibility/2006" type="fourObj" preserve="1">
+<p:sldLayout xmlns:a="http://schemas.openxmlformats.org/drawingml/2006/main" xmlns:r="http://schemas.openxmlformats.org/officeDocument/2006/relationships" xmlns:p="http://schemas.openxmlformats.org/presentationml/2006/main" type="fourObj" preserve="1">
   <p:cSld name="Title, 4 Content">
     <p:spTree>
       <p:nvGrpSpPr>
@@ -1708,9 +1889,10 @@
           </a:prstGeom>
         </p:spPr>
         <p:txBody>
-          <a:bodyPr lIns="0" rIns="0" tIns="0" bIns="0" anchor="ctr"/>
-          <a:p>
-            <a:endParaRPr b="0" lang="ru-RU" sz="1800" spc="-1" strike="noStrike">
+          <a:bodyPr lIns="0" tIns="0" rIns="0" bIns="0" anchor="ctr"/>
+          <a:lstStyle/>
+          <a:p>
+            <a:endParaRPr lang="ru-RU" sz="1800" b="0" strike="noStrike" spc="-1">
               <a:solidFill>
                 <a:srgbClr val="000000"/>
               </a:solidFill>
@@ -1739,11 +1921,12 @@
           </a:prstGeom>
         </p:spPr>
         <p:txBody>
-          <a:bodyPr lIns="0" rIns="0" tIns="0" bIns="0">
+          <a:bodyPr lIns="0" tIns="0" rIns="0" bIns="0">
             <a:normAutofit/>
           </a:bodyPr>
-          <a:p>
-            <a:endParaRPr b="0" lang="ru-RU" sz="3200" spc="-1" strike="noStrike">
+          <a:lstStyle/>
+          <a:p>
+            <a:endParaRPr lang="ru-RU" sz="3200" b="0" strike="noStrike" spc="-1">
               <a:solidFill>
                 <a:srgbClr val="000000"/>
               </a:solidFill>
@@ -1772,11 +1955,12 @@
           </a:prstGeom>
         </p:spPr>
         <p:txBody>
-          <a:bodyPr lIns="0" rIns="0" tIns="0" bIns="0">
+          <a:bodyPr lIns="0" tIns="0" rIns="0" bIns="0">
             <a:normAutofit/>
           </a:bodyPr>
-          <a:p>
-            <a:endParaRPr b="0" lang="ru-RU" sz="3200" spc="-1" strike="noStrike">
+          <a:lstStyle/>
+          <a:p>
+            <a:endParaRPr lang="ru-RU" sz="3200" b="0" strike="noStrike" spc="-1">
               <a:solidFill>
                 <a:srgbClr val="000000"/>
               </a:solidFill>
@@ -1805,11 +1989,12 @@
           </a:prstGeom>
         </p:spPr>
         <p:txBody>
-          <a:bodyPr lIns="0" rIns="0" tIns="0" bIns="0">
+          <a:bodyPr lIns="0" tIns="0" rIns="0" bIns="0">
             <a:normAutofit/>
           </a:bodyPr>
-          <a:p>
-            <a:endParaRPr b="0" lang="ru-RU" sz="3200" spc="-1" strike="noStrike">
+          <a:lstStyle/>
+          <a:p>
+            <a:endParaRPr lang="ru-RU" sz="3200" b="0" strike="noStrike" spc="-1">
               <a:solidFill>
                 <a:srgbClr val="000000"/>
               </a:solidFill>
@@ -1838,11 +2023,12 @@
           </a:prstGeom>
         </p:spPr>
         <p:txBody>
-          <a:bodyPr lIns="0" rIns="0" tIns="0" bIns="0">
+          <a:bodyPr lIns="0" tIns="0" rIns="0" bIns="0">
             <a:normAutofit/>
           </a:bodyPr>
-          <a:p>
-            <a:endParaRPr b="0" lang="ru-RU" sz="3200" spc="-1" strike="noStrike">
+          <a:lstStyle/>
+          <a:p>
+            <a:endParaRPr lang="ru-RU" sz="3200" b="0" strike="noStrike" spc="-1">
               <a:solidFill>
                 <a:srgbClr val="000000"/>
               </a:solidFill>
@@ -1853,11 +2039,14 @@
       </p:sp>
     </p:spTree>
   </p:cSld>
+  <p:clrMapOvr>
+    <a:masterClrMapping/>
+  </p:clrMapOvr>
 </p:sldLayout>
 </file>
 
 <file path=ppt/slideLayouts/slideLayout24.xml><?xml version="1.0" encoding="utf-8"?>
-<p:sldLayout xmlns:a="http://schemas.openxmlformats.org/drawingml/2006/main" xmlns:p="http://schemas.openxmlformats.org/presentationml/2006/main" xmlns:r="http://schemas.openxmlformats.org/officeDocument/2006/relationships" xmlns:p14="http://schemas.microsoft.com/office/powerpoint/2010/main" xmlns:p15="http://schemas.microsoft.com/office/powerpoint/2012/main" xmlns:mc="http://schemas.openxmlformats.org/markup-compatibility/2006" type="blank" preserve="1">
+<p:sldLayout xmlns:a="http://schemas.openxmlformats.org/drawingml/2006/main" xmlns:r="http://schemas.openxmlformats.org/officeDocument/2006/relationships" xmlns:p="http://schemas.openxmlformats.org/presentationml/2006/main" type="blank" preserve="1">
   <p:cSld name="Title, 6 Content">
     <p:spTree>
       <p:nvGrpSpPr>
@@ -1893,9 +2082,10 @@
           </a:prstGeom>
         </p:spPr>
         <p:txBody>
-          <a:bodyPr lIns="0" rIns="0" tIns="0" bIns="0" anchor="ctr"/>
-          <a:p>
-            <a:endParaRPr b="0" lang="ru-RU" sz="1800" spc="-1" strike="noStrike">
+          <a:bodyPr lIns="0" tIns="0" rIns="0" bIns="0" anchor="ctr"/>
+          <a:lstStyle/>
+          <a:p>
+            <a:endParaRPr lang="ru-RU" sz="1800" b="0" strike="noStrike" spc="-1">
               <a:solidFill>
                 <a:srgbClr val="000000"/>
               </a:solidFill>
@@ -1924,11 +2114,12 @@
           </a:prstGeom>
         </p:spPr>
         <p:txBody>
-          <a:bodyPr lIns="0" rIns="0" tIns="0" bIns="0">
+          <a:bodyPr lIns="0" tIns="0" rIns="0" bIns="0">
             <a:normAutofit/>
           </a:bodyPr>
-          <a:p>
-            <a:endParaRPr b="0" lang="ru-RU" sz="3200" spc="-1" strike="noStrike">
+          <a:lstStyle/>
+          <a:p>
+            <a:endParaRPr lang="ru-RU" sz="3200" b="0" strike="noStrike" spc="-1">
               <a:solidFill>
                 <a:srgbClr val="000000"/>
               </a:solidFill>
@@ -1957,11 +2148,12 @@
           </a:prstGeom>
         </p:spPr>
         <p:txBody>
-          <a:bodyPr lIns="0" rIns="0" tIns="0" bIns="0">
+          <a:bodyPr lIns="0" tIns="0" rIns="0" bIns="0">
             <a:normAutofit/>
           </a:bodyPr>
-          <a:p>
-            <a:endParaRPr b="0" lang="ru-RU" sz="3200" spc="-1" strike="noStrike">
+          <a:lstStyle/>
+          <a:p>
+            <a:endParaRPr lang="ru-RU" sz="3200" b="0" strike="noStrike" spc="-1">
               <a:solidFill>
                 <a:srgbClr val="000000"/>
               </a:solidFill>
@@ -1990,11 +2182,12 @@
           </a:prstGeom>
         </p:spPr>
         <p:txBody>
-          <a:bodyPr lIns="0" rIns="0" tIns="0" bIns="0">
+          <a:bodyPr lIns="0" tIns="0" rIns="0" bIns="0">
             <a:normAutofit/>
           </a:bodyPr>
-          <a:p>
-            <a:endParaRPr b="0" lang="ru-RU" sz="3200" spc="-1" strike="noStrike">
+          <a:lstStyle/>
+          <a:p>
+            <a:endParaRPr lang="ru-RU" sz="3200" b="0" strike="noStrike" spc="-1">
               <a:solidFill>
                 <a:srgbClr val="000000"/>
               </a:solidFill>
@@ -2023,11 +2216,12 @@
           </a:prstGeom>
         </p:spPr>
         <p:txBody>
-          <a:bodyPr lIns="0" rIns="0" tIns="0" bIns="0">
+          <a:bodyPr lIns="0" tIns="0" rIns="0" bIns="0">
             <a:normAutofit/>
           </a:bodyPr>
-          <a:p>
-            <a:endParaRPr b="0" lang="ru-RU" sz="3200" spc="-1" strike="noStrike">
+          <a:lstStyle/>
+          <a:p>
+            <a:endParaRPr lang="ru-RU" sz="3200" b="0" strike="noStrike" spc="-1">
               <a:solidFill>
                 <a:srgbClr val="000000"/>
               </a:solidFill>
@@ -2056,11 +2250,12 @@
           </a:prstGeom>
         </p:spPr>
         <p:txBody>
-          <a:bodyPr lIns="0" rIns="0" tIns="0" bIns="0">
+          <a:bodyPr lIns="0" tIns="0" rIns="0" bIns="0">
             <a:normAutofit/>
           </a:bodyPr>
-          <a:p>
-            <a:endParaRPr b="0" lang="ru-RU" sz="3200" spc="-1" strike="noStrike">
+          <a:lstStyle/>
+          <a:p>
+            <a:endParaRPr lang="ru-RU" sz="3200" b="0" strike="noStrike" spc="-1">
               <a:solidFill>
                 <a:srgbClr val="000000"/>
               </a:solidFill>
@@ -2089,11 +2284,12 @@
           </a:prstGeom>
         </p:spPr>
         <p:txBody>
-          <a:bodyPr lIns="0" rIns="0" tIns="0" bIns="0">
+          <a:bodyPr lIns="0" tIns="0" rIns="0" bIns="0">
             <a:normAutofit/>
           </a:bodyPr>
-          <a:p>
-            <a:endParaRPr b="0" lang="ru-RU" sz="3200" spc="-1" strike="noStrike">
+          <a:lstStyle/>
+          <a:p>
+            <a:endParaRPr lang="ru-RU" sz="3200" b="0" strike="noStrike" spc="-1">
               <a:solidFill>
                 <a:srgbClr val="000000"/>
               </a:solidFill>
@@ -2104,11 +2300,14 @@
       </p:sp>
     </p:spTree>
   </p:cSld>
+  <p:clrMapOvr>
+    <a:masterClrMapping/>
+  </p:clrMapOvr>
 </p:sldLayout>
 </file>
 
 <file path=ppt/slideLayouts/slideLayout3.xml><?xml version="1.0" encoding="utf-8"?>
-<p:sldLayout xmlns:a="http://schemas.openxmlformats.org/drawingml/2006/main" xmlns:p="http://schemas.openxmlformats.org/presentationml/2006/main" xmlns:r="http://schemas.openxmlformats.org/officeDocument/2006/relationships" xmlns:p14="http://schemas.microsoft.com/office/powerpoint/2010/main" xmlns:p15="http://schemas.microsoft.com/office/powerpoint/2012/main" xmlns:mc="http://schemas.openxmlformats.org/markup-compatibility/2006" type="obj" preserve="1">
+<p:sldLayout xmlns:a="http://schemas.openxmlformats.org/drawingml/2006/main" xmlns:r="http://schemas.openxmlformats.org/officeDocument/2006/relationships" xmlns:p="http://schemas.openxmlformats.org/presentationml/2006/main" type="obj" preserve="1">
   <p:cSld name="Title, Content">
     <p:spTree>
       <p:nvGrpSpPr>
@@ -2144,9 +2343,10 @@
           </a:prstGeom>
         </p:spPr>
         <p:txBody>
-          <a:bodyPr lIns="0" rIns="0" tIns="0" bIns="0" anchor="ctr"/>
-          <a:p>
-            <a:endParaRPr b="0" lang="ru-RU" sz="1800" spc="-1" strike="noStrike">
+          <a:bodyPr lIns="0" tIns="0" rIns="0" bIns="0" anchor="ctr"/>
+          <a:lstStyle/>
+          <a:p>
+            <a:endParaRPr lang="ru-RU" sz="1800" b="0" strike="noStrike" spc="-1">
               <a:solidFill>
                 <a:srgbClr val="000000"/>
               </a:solidFill>
@@ -2175,11 +2375,12 @@
           </a:prstGeom>
         </p:spPr>
         <p:txBody>
-          <a:bodyPr lIns="0" rIns="0" tIns="0" bIns="0">
+          <a:bodyPr lIns="0" tIns="0" rIns="0" bIns="0">
             <a:normAutofit/>
           </a:bodyPr>
-          <a:p>
-            <a:endParaRPr b="0" lang="ru-RU" sz="3200" spc="-1" strike="noStrike">
+          <a:lstStyle/>
+          <a:p>
+            <a:endParaRPr lang="ru-RU" sz="3200" b="0" strike="noStrike" spc="-1">
               <a:solidFill>
                 <a:srgbClr val="000000"/>
               </a:solidFill>
@@ -2190,11 +2391,14 @@
       </p:sp>
     </p:spTree>
   </p:cSld>
+  <p:clrMapOvr>
+    <a:masterClrMapping/>
+  </p:clrMapOvr>
 </p:sldLayout>
 </file>
 
 <file path=ppt/slideLayouts/slideLayout4.xml><?xml version="1.0" encoding="utf-8"?>
-<p:sldLayout xmlns:a="http://schemas.openxmlformats.org/drawingml/2006/main" xmlns:p="http://schemas.openxmlformats.org/presentationml/2006/main" xmlns:r="http://schemas.openxmlformats.org/officeDocument/2006/relationships" xmlns:p14="http://schemas.microsoft.com/office/powerpoint/2010/main" xmlns:p15="http://schemas.microsoft.com/office/powerpoint/2012/main" xmlns:mc="http://schemas.openxmlformats.org/markup-compatibility/2006" type="twoObj" preserve="1">
+<p:sldLayout xmlns:a="http://schemas.openxmlformats.org/drawingml/2006/main" xmlns:r="http://schemas.openxmlformats.org/officeDocument/2006/relationships" xmlns:p="http://schemas.openxmlformats.org/presentationml/2006/main" type="twoObj" preserve="1">
   <p:cSld name="Title, 2 Content">
     <p:spTree>
       <p:nvGrpSpPr>
@@ -2230,9 +2434,10 @@
           </a:prstGeom>
         </p:spPr>
         <p:txBody>
-          <a:bodyPr lIns="0" rIns="0" tIns="0" bIns="0" anchor="ctr"/>
-          <a:p>
-            <a:endParaRPr b="0" lang="ru-RU" sz="1800" spc="-1" strike="noStrike">
+          <a:bodyPr lIns="0" tIns="0" rIns="0" bIns="0" anchor="ctr"/>
+          <a:lstStyle/>
+          <a:p>
+            <a:endParaRPr lang="ru-RU" sz="1800" b="0" strike="noStrike" spc="-1">
               <a:solidFill>
                 <a:srgbClr val="000000"/>
               </a:solidFill>
@@ -2261,11 +2466,12 @@
           </a:prstGeom>
         </p:spPr>
         <p:txBody>
-          <a:bodyPr lIns="0" rIns="0" tIns="0" bIns="0">
+          <a:bodyPr lIns="0" tIns="0" rIns="0" bIns="0">
             <a:normAutofit/>
           </a:bodyPr>
-          <a:p>
-            <a:endParaRPr b="0" lang="ru-RU" sz="3200" spc="-1" strike="noStrike">
+          <a:lstStyle/>
+          <a:p>
+            <a:endParaRPr lang="ru-RU" sz="3200" b="0" strike="noStrike" spc="-1">
               <a:solidFill>
                 <a:srgbClr val="000000"/>
               </a:solidFill>
@@ -2294,11 +2500,12 @@
           </a:prstGeom>
         </p:spPr>
         <p:txBody>
-          <a:bodyPr lIns="0" rIns="0" tIns="0" bIns="0">
+          <a:bodyPr lIns="0" tIns="0" rIns="0" bIns="0">
             <a:normAutofit/>
           </a:bodyPr>
-          <a:p>
-            <a:endParaRPr b="0" lang="ru-RU" sz="3200" spc="-1" strike="noStrike">
+          <a:lstStyle/>
+          <a:p>
+            <a:endParaRPr lang="ru-RU" sz="3200" b="0" strike="noStrike" spc="-1">
               <a:solidFill>
                 <a:srgbClr val="000000"/>
               </a:solidFill>
@@ -2309,11 +2516,14 @@
       </p:sp>
     </p:spTree>
   </p:cSld>
+  <p:clrMapOvr>
+    <a:masterClrMapping/>
+  </p:clrMapOvr>
 </p:sldLayout>
 </file>
 
 <file path=ppt/slideLayouts/slideLayout5.xml><?xml version="1.0" encoding="utf-8"?>
-<p:sldLayout xmlns:a="http://schemas.openxmlformats.org/drawingml/2006/main" xmlns:p="http://schemas.openxmlformats.org/presentationml/2006/main" xmlns:r="http://schemas.openxmlformats.org/officeDocument/2006/relationships" xmlns:p14="http://schemas.microsoft.com/office/powerpoint/2010/main" xmlns:p15="http://schemas.microsoft.com/office/powerpoint/2012/main" xmlns:mc="http://schemas.openxmlformats.org/markup-compatibility/2006" type="titleOnly" preserve="1">
+<p:sldLayout xmlns:a="http://schemas.openxmlformats.org/drawingml/2006/main" xmlns:r="http://schemas.openxmlformats.org/officeDocument/2006/relationships" xmlns:p="http://schemas.openxmlformats.org/presentationml/2006/main" type="titleOnly" preserve="1">
   <p:cSld name="Title Only">
     <p:spTree>
       <p:nvGrpSpPr>
@@ -2349,9 +2559,10 @@
           </a:prstGeom>
         </p:spPr>
         <p:txBody>
-          <a:bodyPr lIns="0" rIns="0" tIns="0" bIns="0" anchor="ctr"/>
-          <a:p>
-            <a:endParaRPr b="0" lang="ru-RU" sz="1800" spc="-1" strike="noStrike">
+          <a:bodyPr lIns="0" tIns="0" rIns="0" bIns="0" anchor="ctr"/>
+          <a:lstStyle/>
+          <a:p>
+            <a:endParaRPr lang="ru-RU" sz="1800" b="0" strike="noStrike" spc="-1">
               <a:solidFill>
                 <a:srgbClr val="000000"/>
               </a:solidFill>
@@ -2362,11 +2573,14 @@
       </p:sp>
     </p:spTree>
   </p:cSld>
+  <p:clrMapOvr>
+    <a:masterClrMapping/>
+  </p:clrMapOvr>
 </p:sldLayout>
 </file>
 
 <file path=ppt/slideLayouts/slideLayout6.xml><?xml version="1.0" encoding="utf-8"?>
-<p:sldLayout xmlns:a="http://schemas.openxmlformats.org/drawingml/2006/main" xmlns:p="http://schemas.openxmlformats.org/presentationml/2006/main" xmlns:r="http://schemas.openxmlformats.org/officeDocument/2006/relationships" xmlns:p14="http://schemas.microsoft.com/office/powerpoint/2010/main" xmlns:p15="http://schemas.microsoft.com/office/powerpoint/2012/main" xmlns:mc="http://schemas.openxmlformats.org/markup-compatibility/2006" type="objOnly" preserve="1">
+<p:sldLayout xmlns:a="http://schemas.openxmlformats.org/drawingml/2006/main" xmlns:r="http://schemas.openxmlformats.org/officeDocument/2006/relationships" xmlns:p="http://schemas.openxmlformats.org/presentationml/2006/main" type="objOnly" preserve="1">
   <p:cSld name="Centered Text">
     <p:spTree>
       <p:nvGrpSpPr>
@@ -2402,10 +2616,11 @@
           </a:prstGeom>
         </p:spPr>
         <p:txBody>
-          <a:bodyPr lIns="0" rIns="0" tIns="0" bIns="0" anchor="ctr"/>
+          <a:bodyPr lIns="0" tIns="0" rIns="0" bIns="0" anchor="ctr"/>
+          <a:lstStyle/>
           <a:p>
             <a:pPr algn="ctr"/>
-            <a:endParaRPr b="0" lang="ru-RU" sz="3200" spc="-1" strike="noStrike">
+            <a:endParaRPr lang="ru-RU" sz="3200" b="0" strike="noStrike" spc="-1">
               <a:latin typeface="Arial"/>
             </a:endParaRPr>
           </a:p>
@@ -2413,11 +2628,14 @@
       </p:sp>
     </p:spTree>
   </p:cSld>
+  <p:clrMapOvr>
+    <a:masterClrMapping/>
+  </p:clrMapOvr>
 </p:sldLayout>
 </file>
 
 <file path=ppt/slideLayouts/slideLayout7.xml><?xml version="1.0" encoding="utf-8"?>
-<p:sldLayout xmlns:a="http://schemas.openxmlformats.org/drawingml/2006/main" xmlns:p="http://schemas.openxmlformats.org/presentationml/2006/main" xmlns:r="http://schemas.openxmlformats.org/officeDocument/2006/relationships" xmlns:p14="http://schemas.microsoft.com/office/powerpoint/2010/main" xmlns:p15="http://schemas.microsoft.com/office/powerpoint/2012/main" xmlns:mc="http://schemas.openxmlformats.org/markup-compatibility/2006" type="twoObjAndObj" preserve="1">
+<p:sldLayout xmlns:a="http://schemas.openxmlformats.org/drawingml/2006/main" xmlns:r="http://schemas.openxmlformats.org/officeDocument/2006/relationships" xmlns:p="http://schemas.openxmlformats.org/presentationml/2006/main" type="twoObjAndObj" preserve="1">
   <p:cSld name="Title, 2 Content and Content">
     <p:spTree>
       <p:nvGrpSpPr>
@@ -2453,9 +2671,10 @@
           </a:prstGeom>
         </p:spPr>
         <p:txBody>
-          <a:bodyPr lIns="0" rIns="0" tIns="0" bIns="0" anchor="ctr"/>
-          <a:p>
-            <a:endParaRPr b="0" lang="ru-RU" sz="1800" spc="-1" strike="noStrike">
+          <a:bodyPr lIns="0" tIns="0" rIns="0" bIns="0" anchor="ctr"/>
+          <a:lstStyle/>
+          <a:p>
+            <a:endParaRPr lang="ru-RU" sz="1800" b="0" strike="noStrike" spc="-1">
               <a:solidFill>
                 <a:srgbClr val="000000"/>
               </a:solidFill>
@@ -2484,11 +2703,12 @@
           </a:prstGeom>
         </p:spPr>
         <p:txBody>
-          <a:bodyPr lIns="0" rIns="0" tIns="0" bIns="0">
+          <a:bodyPr lIns="0" tIns="0" rIns="0" bIns="0">
             <a:normAutofit/>
           </a:bodyPr>
-          <a:p>
-            <a:endParaRPr b="0" lang="ru-RU" sz="3200" spc="-1" strike="noStrike">
+          <a:lstStyle/>
+          <a:p>
+            <a:endParaRPr lang="ru-RU" sz="3200" b="0" strike="noStrike" spc="-1">
               <a:solidFill>
                 <a:srgbClr val="000000"/>
               </a:solidFill>
@@ -2517,11 +2737,12 @@
           </a:prstGeom>
         </p:spPr>
         <p:txBody>
-          <a:bodyPr lIns="0" rIns="0" tIns="0" bIns="0">
+          <a:bodyPr lIns="0" tIns="0" rIns="0" bIns="0">
             <a:normAutofit/>
           </a:bodyPr>
-          <a:p>
-            <a:endParaRPr b="0" lang="ru-RU" sz="3200" spc="-1" strike="noStrike">
+          <a:lstStyle/>
+          <a:p>
+            <a:endParaRPr lang="ru-RU" sz="3200" b="0" strike="noStrike" spc="-1">
               <a:solidFill>
                 <a:srgbClr val="000000"/>
               </a:solidFill>
@@ -2550,11 +2771,12 @@
           </a:prstGeom>
         </p:spPr>
         <p:txBody>
-          <a:bodyPr lIns="0" rIns="0" tIns="0" bIns="0">
+          <a:bodyPr lIns="0" tIns="0" rIns="0" bIns="0">
             <a:normAutofit/>
           </a:bodyPr>
-          <a:p>
-            <a:endParaRPr b="0" lang="ru-RU" sz="3200" spc="-1" strike="noStrike">
+          <a:lstStyle/>
+          <a:p>
+            <a:endParaRPr lang="ru-RU" sz="3200" b="0" strike="noStrike" spc="-1">
               <a:solidFill>
                 <a:srgbClr val="000000"/>
               </a:solidFill>
@@ -2565,11 +2787,14 @@
       </p:sp>
     </p:spTree>
   </p:cSld>
+  <p:clrMapOvr>
+    <a:masterClrMapping/>
+  </p:clrMapOvr>
 </p:sldLayout>
 </file>
 
 <file path=ppt/slideLayouts/slideLayout8.xml><?xml version="1.0" encoding="utf-8"?>
-<p:sldLayout xmlns:a="http://schemas.openxmlformats.org/drawingml/2006/main" xmlns:p="http://schemas.openxmlformats.org/presentationml/2006/main" xmlns:r="http://schemas.openxmlformats.org/officeDocument/2006/relationships" xmlns:p14="http://schemas.microsoft.com/office/powerpoint/2010/main" xmlns:p15="http://schemas.microsoft.com/office/powerpoint/2012/main" xmlns:mc="http://schemas.openxmlformats.org/markup-compatibility/2006" type="objAndTwoObj" preserve="1">
+<p:sldLayout xmlns:a="http://schemas.openxmlformats.org/drawingml/2006/main" xmlns:r="http://schemas.openxmlformats.org/officeDocument/2006/relationships" xmlns:p="http://schemas.openxmlformats.org/presentationml/2006/main" type="objAndTwoObj" preserve="1">
   <p:cSld name="Title Content and 2 Content">
     <p:spTree>
       <p:nvGrpSpPr>
@@ -2605,9 +2830,10 @@
           </a:prstGeom>
         </p:spPr>
         <p:txBody>
-          <a:bodyPr lIns="0" rIns="0" tIns="0" bIns="0" anchor="ctr"/>
-          <a:p>
-            <a:endParaRPr b="0" lang="ru-RU" sz="1800" spc="-1" strike="noStrike">
+          <a:bodyPr lIns="0" tIns="0" rIns="0" bIns="0" anchor="ctr"/>
+          <a:lstStyle/>
+          <a:p>
+            <a:endParaRPr lang="ru-RU" sz="1800" b="0" strike="noStrike" spc="-1">
               <a:solidFill>
                 <a:srgbClr val="000000"/>
               </a:solidFill>
@@ -2636,11 +2862,12 @@
           </a:prstGeom>
         </p:spPr>
         <p:txBody>
-          <a:bodyPr lIns="0" rIns="0" tIns="0" bIns="0">
+          <a:bodyPr lIns="0" tIns="0" rIns="0" bIns="0">
             <a:normAutofit/>
           </a:bodyPr>
-          <a:p>
-            <a:endParaRPr b="0" lang="ru-RU" sz="3200" spc="-1" strike="noStrike">
+          <a:lstStyle/>
+          <a:p>
+            <a:endParaRPr lang="ru-RU" sz="3200" b="0" strike="noStrike" spc="-1">
               <a:solidFill>
                 <a:srgbClr val="000000"/>
               </a:solidFill>
@@ -2669,11 +2896,12 @@
           </a:prstGeom>
         </p:spPr>
         <p:txBody>
-          <a:bodyPr lIns="0" rIns="0" tIns="0" bIns="0">
+          <a:bodyPr lIns="0" tIns="0" rIns="0" bIns="0">
             <a:normAutofit/>
           </a:bodyPr>
-          <a:p>
-            <a:endParaRPr b="0" lang="ru-RU" sz="3200" spc="-1" strike="noStrike">
+          <a:lstStyle/>
+          <a:p>
+            <a:endParaRPr lang="ru-RU" sz="3200" b="0" strike="noStrike" spc="-1">
               <a:solidFill>
                 <a:srgbClr val="000000"/>
               </a:solidFill>
@@ -2702,11 +2930,12 @@
           </a:prstGeom>
         </p:spPr>
         <p:txBody>
-          <a:bodyPr lIns="0" rIns="0" tIns="0" bIns="0">
+          <a:bodyPr lIns="0" tIns="0" rIns="0" bIns="0">
             <a:normAutofit/>
           </a:bodyPr>
-          <a:p>
-            <a:endParaRPr b="0" lang="ru-RU" sz="3200" spc="-1" strike="noStrike">
+          <a:lstStyle/>
+          <a:p>
+            <a:endParaRPr lang="ru-RU" sz="3200" b="0" strike="noStrike" spc="-1">
               <a:solidFill>
                 <a:srgbClr val="000000"/>
               </a:solidFill>
@@ -2717,11 +2946,14 @@
       </p:sp>
     </p:spTree>
   </p:cSld>
+  <p:clrMapOvr>
+    <a:masterClrMapping/>
+  </p:clrMapOvr>
 </p:sldLayout>
 </file>
 
 <file path=ppt/slideLayouts/slideLayout9.xml><?xml version="1.0" encoding="utf-8"?>
-<p:sldLayout xmlns:a="http://schemas.openxmlformats.org/drawingml/2006/main" xmlns:p="http://schemas.openxmlformats.org/presentationml/2006/main" xmlns:r="http://schemas.openxmlformats.org/officeDocument/2006/relationships" xmlns:p14="http://schemas.microsoft.com/office/powerpoint/2010/main" xmlns:p15="http://schemas.microsoft.com/office/powerpoint/2012/main" xmlns:mc="http://schemas.openxmlformats.org/markup-compatibility/2006" type="twoObjOverTx" preserve="1">
+<p:sldLayout xmlns:a="http://schemas.openxmlformats.org/drawingml/2006/main" xmlns:r="http://schemas.openxmlformats.org/officeDocument/2006/relationships" xmlns:p="http://schemas.openxmlformats.org/presentationml/2006/main" type="twoObjOverTx" preserve="1">
   <p:cSld name="Title, 2 Content over Content">
     <p:spTree>
       <p:nvGrpSpPr>
@@ -2757,9 +2989,10 @@
           </a:prstGeom>
         </p:spPr>
         <p:txBody>
-          <a:bodyPr lIns="0" rIns="0" tIns="0" bIns="0" anchor="ctr"/>
-          <a:p>
-            <a:endParaRPr b="0" lang="ru-RU" sz="1800" spc="-1" strike="noStrike">
+          <a:bodyPr lIns="0" tIns="0" rIns="0" bIns="0" anchor="ctr"/>
+          <a:lstStyle/>
+          <a:p>
+            <a:endParaRPr lang="ru-RU" sz="1800" b="0" strike="noStrike" spc="-1">
               <a:solidFill>
                 <a:srgbClr val="000000"/>
               </a:solidFill>
@@ -2788,11 +3021,12 @@
           </a:prstGeom>
         </p:spPr>
         <p:txBody>
-          <a:bodyPr lIns="0" rIns="0" tIns="0" bIns="0">
+          <a:bodyPr lIns="0" tIns="0" rIns="0" bIns="0">
             <a:normAutofit/>
           </a:bodyPr>
-          <a:p>
-            <a:endParaRPr b="0" lang="ru-RU" sz="3200" spc="-1" strike="noStrike">
+          <a:lstStyle/>
+          <a:p>
+            <a:endParaRPr lang="ru-RU" sz="3200" b="0" strike="noStrike" spc="-1">
               <a:solidFill>
                 <a:srgbClr val="000000"/>
               </a:solidFill>
@@ -2821,11 +3055,12 @@
           </a:prstGeom>
         </p:spPr>
         <p:txBody>
-          <a:bodyPr lIns="0" rIns="0" tIns="0" bIns="0">
+          <a:bodyPr lIns="0" tIns="0" rIns="0" bIns="0">
             <a:normAutofit/>
           </a:bodyPr>
-          <a:p>
-            <a:endParaRPr b="0" lang="ru-RU" sz="3200" spc="-1" strike="noStrike">
+          <a:lstStyle/>
+          <a:p>
+            <a:endParaRPr lang="ru-RU" sz="3200" b="0" strike="noStrike" spc="-1">
               <a:solidFill>
                 <a:srgbClr val="000000"/>
               </a:solidFill>
@@ -2854,11 +3089,12 @@
           </a:prstGeom>
         </p:spPr>
         <p:txBody>
-          <a:bodyPr lIns="0" rIns="0" tIns="0" bIns="0">
+          <a:bodyPr lIns="0" tIns="0" rIns="0" bIns="0">
             <a:normAutofit/>
           </a:bodyPr>
-          <a:p>
-            <a:endParaRPr b="0" lang="ru-RU" sz="3200" spc="-1" strike="noStrike">
+          <a:lstStyle/>
+          <a:p>
+            <a:endParaRPr lang="ru-RU" sz="3200" b="0" strike="noStrike" spc="-1">
               <a:solidFill>
                 <a:srgbClr val="000000"/>
               </a:solidFill>
@@ -2869,17 +3105,21 @@
       </p:sp>
     </p:spTree>
   </p:cSld>
+  <p:clrMapOvr>
+    <a:masterClrMapping/>
+  </p:clrMapOvr>
 </p:sldLayout>
 </file>
 
 <file path=ppt/slideMasters/slideMaster1.xml><?xml version="1.0" encoding="utf-8"?>
-<p:sldMaster xmlns:a="http://schemas.openxmlformats.org/drawingml/2006/main" xmlns:p="http://schemas.openxmlformats.org/presentationml/2006/main" xmlns:r="http://schemas.openxmlformats.org/officeDocument/2006/relationships" xmlns:p14="http://schemas.microsoft.com/office/powerpoint/2010/main" xmlns:p15="http://schemas.microsoft.com/office/powerpoint/2012/main" xmlns:mc="http://schemas.openxmlformats.org/markup-compatibility/2006">
+<p:sldMaster xmlns:a="http://schemas.openxmlformats.org/drawingml/2006/main" xmlns:r="http://schemas.openxmlformats.org/officeDocument/2006/relationships" xmlns:p="http://schemas.openxmlformats.org/presentationml/2006/main">
   <p:cSld>
     <p:bg>
       <p:bgPr>
         <a:solidFill>
-          <a:srgbClr val="ffffff"/>
+          <a:srgbClr val="FFFFFF"/>
         </a:solidFill>
+        <a:effectLst/>
       </p:bgPr>
     </p:bg>
     <p:spTree>
@@ -2898,7 +3138,7 @@
       </p:grpSpPr>
       <p:sp>
         <p:nvSpPr>
-          <p:cNvPr id="0" name="PlaceHolder 1"/>
+          <p:cNvPr id="5" name="PlaceHolder 1"/>
           <p:cNvSpPr>
             <a:spLocks noGrp="1"/>
           </p:cNvSpPr>
@@ -2917,6 +3157,7 @@
         </p:spPr>
         <p:txBody>
           <a:bodyPr anchor="ctr"/>
+          <a:lstStyle/>
           <a:p>
             <a:pPr algn="ctr">
               <a:lnSpc>
@@ -2924,7 +3165,7 @@
               </a:lnSpc>
             </a:pPr>
             <a:r>
-              <a:rPr b="0" lang="ru-RU" sz="4400" spc="-1" strike="noStrike">
+              <a:rPr lang="ru-RU" sz="4400" b="0" strike="noStrike" spc="-1">
                 <a:solidFill>
                   <a:srgbClr val="000000"/>
                 </a:solidFill>
@@ -2932,18 +3173,12 @@
               </a:rPr>
               <a:t>Образец заголовка</a:t>
             </a:r>
-            <a:endParaRPr b="0" lang="ru-RU" sz="4400" spc="-1" strike="noStrike">
-              <a:solidFill>
-                <a:srgbClr val="000000"/>
-              </a:solidFill>
-              <a:latin typeface="Calibri"/>
-            </a:endParaRPr>
-          </a:p>
-        </p:txBody>
-      </p:sp>
-      <p:sp>
-        <p:nvSpPr>
-          <p:cNvPr id="1" name="PlaceHolder 2"/>
+          </a:p>
+        </p:txBody>
+      </p:sp>
+      <p:sp>
+        <p:nvSpPr>
+          <p:cNvPr id="6" name="PlaceHolder 2"/>
           <p:cNvSpPr>
             <a:spLocks noGrp="1"/>
           </p:cNvSpPr>
@@ -2962,6 +3197,7 @@
         </p:spPr>
         <p:txBody>
           <a:bodyPr anchor="ctr"/>
+          <a:lstStyle/>
           <a:p>
             <a:pPr>
               <a:lnSpc>
@@ -2969,15 +3205,15 @@
               </a:lnSpc>
             </a:pPr>
             <a:fld id="{034E98F6-FAE8-4288-B66E-BE6A7C997BF2}" type="datetime">
-              <a:rPr b="0" lang="ru-RU" sz="1200" spc="-1" strike="noStrike">
-                <a:solidFill>
-                  <a:srgbClr val="8b8b8b"/>
+              <a:rPr lang="ru-RU" sz="1200" b="0" strike="noStrike" spc="-1">
+                <a:solidFill>
+                  <a:srgbClr val="8B8B8B"/>
                 </a:solidFill>
                 <a:latin typeface="Calibri"/>
               </a:rPr>
-              <a:t>26.3.19</a:t>
+              <a:t>01.04.2019</a:t>
             </a:fld>
-            <a:endParaRPr b="0" lang="ru-RU" sz="1200" spc="-1" strike="noStrike">
+            <a:endParaRPr lang="ru-RU" sz="1200" b="0" strike="noStrike" spc="-1">
               <a:latin typeface="Times New Roman"/>
             </a:endParaRPr>
           </a:p>
@@ -3004,8 +3240,9 @@
         </p:spPr>
         <p:txBody>
           <a:bodyPr anchor="ctr"/>
-          <a:p>
-            <a:endParaRPr b="0" lang="ru-RU" sz="2400" spc="-1" strike="noStrike">
+          <a:lstStyle/>
+          <a:p>
+            <a:endParaRPr lang="ru-RU" sz="2400" b="0" strike="noStrike" spc="-1">
               <a:latin typeface="Times New Roman"/>
             </a:endParaRPr>
           </a:p>
@@ -3032,6 +3269,7 @@
         </p:spPr>
         <p:txBody>
           <a:bodyPr anchor="ctr"/>
+          <a:lstStyle/>
           <a:p>
             <a:pPr algn="r">
               <a:lnSpc>
@@ -3039,15 +3277,15 @@
               </a:lnSpc>
             </a:pPr>
             <a:fld id="{B187C1EB-2E62-4A92-966D-8D354E9C220D}" type="slidenum">
-              <a:rPr b="0" lang="ru-RU" sz="1200" spc="-1" strike="noStrike">
-                <a:solidFill>
-                  <a:srgbClr val="8b8b8b"/>
+              <a:rPr lang="ru-RU" sz="1200" b="0" strike="noStrike" spc="-1">
+                <a:solidFill>
+                  <a:srgbClr val="8B8B8B"/>
                 </a:solidFill>
                 <a:latin typeface="Calibri"/>
               </a:rPr>
-              <a:t>&lt;номер&gt;</a:t>
+              <a:t>‹#›</a:t>
             </a:fld>
-            <a:endParaRPr b="0" lang="ru-RU" sz="1200" spc="-1" strike="noStrike">
+            <a:endParaRPr lang="ru-RU" sz="1200" b="0" strike="noStrike" spc="-1">
               <a:latin typeface="Times New Roman"/>
             </a:endParaRPr>
           </a:p>
@@ -3073,9 +3311,10 @@
           </a:prstGeom>
         </p:spPr>
         <p:txBody>
-          <a:bodyPr lIns="0" rIns="0" tIns="0" bIns="0">
+          <a:bodyPr lIns="0" tIns="0" rIns="0" bIns="0">
             <a:normAutofit/>
           </a:bodyPr>
+          <a:lstStyle/>
           <a:p>
             <a:pPr marL="432000" indent="-324000">
               <a:spcBef>
@@ -3089,7 +3328,7 @@
               <a:buChar char=""/>
             </a:pPr>
             <a:r>
-              <a:rPr b="0" lang="ru-RU" sz="3200" spc="-1" strike="noStrike">
+              <a:rPr lang="ru-RU" sz="3200" b="0" strike="noStrike" spc="-1">
                 <a:solidFill>
                   <a:srgbClr val="000000"/>
                 </a:solidFill>
@@ -3097,15 +3336,9 @@
               </a:rPr>
               <a:t>Для правки структуры щёлкните мышью</a:t>
             </a:r>
-            <a:endParaRPr b="0" lang="ru-RU" sz="3200" spc="-1" strike="noStrike">
-              <a:solidFill>
-                <a:srgbClr val="000000"/>
-              </a:solidFill>
-              <a:latin typeface="Calibri"/>
-            </a:endParaRPr>
-          </a:p>
-          <a:p>
-            <a:pPr lvl="1" marL="864000" indent="-324000">
+          </a:p>
+          <a:p>
+            <a:pPr marL="864000" lvl="1" indent="-324000">
               <a:spcBef>
                 <a:spcPts val="1134"/>
               </a:spcBef>
@@ -3117,7 +3350,7 @@
               <a:buChar char=""/>
             </a:pPr>
             <a:r>
-              <a:rPr b="0" lang="ru-RU" sz="2400" spc="-1" strike="noStrike">
+              <a:rPr lang="ru-RU" sz="2400" b="0" strike="noStrike" spc="-1">
                 <a:solidFill>
                   <a:srgbClr val="000000"/>
                 </a:solidFill>
@@ -3125,15 +3358,9 @@
               </a:rPr>
               <a:t>Второй уровень структуры</a:t>
             </a:r>
-            <a:endParaRPr b="0" lang="ru-RU" sz="2400" spc="-1" strike="noStrike">
-              <a:solidFill>
-                <a:srgbClr val="000000"/>
-              </a:solidFill>
-              <a:latin typeface="Calibri"/>
-            </a:endParaRPr>
-          </a:p>
-          <a:p>
-            <a:pPr lvl="2" marL="1296000" indent="-288000">
+          </a:p>
+          <a:p>
+            <a:pPr marL="1296000" lvl="2" indent="-288000">
               <a:spcBef>
                 <a:spcPts val="850"/>
               </a:spcBef>
@@ -3145,7 +3372,7 @@
               <a:buChar char=""/>
             </a:pPr>
             <a:r>
-              <a:rPr b="0" lang="ru-RU" sz="2000" spc="-1" strike="noStrike">
+              <a:rPr lang="ru-RU" sz="2000" b="0" strike="noStrike" spc="-1">
                 <a:solidFill>
                   <a:srgbClr val="000000"/>
                 </a:solidFill>
@@ -3153,15 +3380,9 @@
               </a:rPr>
               <a:t>Третий уровень структуры</a:t>
             </a:r>
-            <a:endParaRPr b="0" lang="ru-RU" sz="2000" spc="-1" strike="noStrike">
-              <a:solidFill>
-                <a:srgbClr val="000000"/>
-              </a:solidFill>
-              <a:latin typeface="Calibri"/>
-            </a:endParaRPr>
-          </a:p>
-          <a:p>
-            <a:pPr lvl="3" marL="1728000" indent="-216000">
+          </a:p>
+          <a:p>
+            <a:pPr marL="1728000" lvl="3" indent="-216000">
               <a:spcBef>
                 <a:spcPts val="567"/>
               </a:spcBef>
@@ -3173,7 +3394,7 @@
               <a:buChar char=""/>
             </a:pPr>
             <a:r>
-              <a:rPr b="0" lang="ru-RU" sz="2000" spc="-1" strike="noStrike">
+              <a:rPr lang="ru-RU" sz="2000" b="0" strike="noStrike" spc="-1">
                 <a:solidFill>
                   <a:srgbClr val="000000"/>
                 </a:solidFill>
@@ -3181,15 +3402,9 @@
               </a:rPr>
               <a:t>Четвёртый уровень структуры</a:t>
             </a:r>
-            <a:endParaRPr b="0" lang="ru-RU" sz="2000" spc="-1" strike="noStrike">
-              <a:solidFill>
-                <a:srgbClr val="000000"/>
-              </a:solidFill>
-              <a:latin typeface="Calibri"/>
-            </a:endParaRPr>
-          </a:p>
-          <a:p>
-            <a:pPr lvl="4" marL="2160000" indent="-216000">
+          </a:p>
+          <a:p>
+            <a:pPr marL="2160000" lvl="4" indent="-216000">
               <a:spcBef>
                 <a:spcPts val="283"/>
               </a:spcBef>
@@ -3201,7 +3416,7 @@
               <a:buChar char=""/>
             </a:pPr>
             <a:r>
-              <a:rPr b="0" lang="ru-RU" sz="2000" spc="-1" strike="noStrike">
+              <a:rPr lang="ru-RU" sz="2000" b="0" strike="noStrike" spc="-1">
                 <a:solidFill>
                   <a:srgbClr val="000000"/>
                 </a:solidFill>
@@ -3209,15 +3424,9 @@
               </a:rPr>
               <a:t>Пятый уровень структуры</a:t>
             </a:r>
-            <a:endParaRPr b="0" lang="ru-RU" sz="2000" spc="-1" strike="noStrike">
-              <a:solidFill>
-                <a:srgbClr val="000000"/>
-              </a:solidFill>
-              <a:latin typeface="Calibri"/>
-            </a:endParaRPr>
-          </a:p>
-          <a:p>
-            <a:pPr lvl="5" marL="2592000" indent="-216000">
+          </a:p>
+          <a:p>
+            <a:pPr marL="2592000" lvl="5" indent="-216000">
               <a:spcBef>
                 <a:spcPts val="283"/>
               </a:spcBef>
@@ -3229,7 +3438,7 @@
               <a:buChar char=""/>
             </a:pPr>
             <a:r>
-              <a:rPr b="0" lang="ru-RU" sz="2000" spc="-1" strike="noStrike">
+              <a:rPr lang="ru-RU" sz="2000" b="0" strike="noStrike" spc="-1">
                 <a:solidFill>
                   <a:srgbClr val="000000"/>
                 </a:solidFill>
@@ -3237,15 +3446,9 @@
               </a:rPr>
               <a:t>Шестой уровень структуры</a:t>
             </a:r>
-            <a:endParaRPr b="0" lang="ru-RU" sz="2000" spc="-1" strike="noStrike">
-              <a:solidFill>
-                <a:srgbClr val="000000"/>
-              </a:solidFill>
-              <a:latin typeface="Calibri"/>
-            </a:endParaRPr>
-          </a:p>
-          <a:p>
-            <a:pPr lvl="6" marL="3024000" indent="-216000">
+          </a:p>
+          <a:p>
+            <a:pPr marL="3024000" lvl="6" indent="-216000">
               <a:spcBef>
                 <a:spcPts val="283"/>
               </a:spcBef>
@@ -3257,7 +3460,7 @@
               <a:buChar char=""/>
             </a:pPr>
             <a:r>
-              <a:rPr b="0" lang="ru-RU" sz="2000" spc="-1" strike="noStrike">
+              <a:rPr lang="ru-RU" sz="2000" b="0" strike="noStrike" spc="-1">
                 <a:solidFill>
                   <a:srgbClr val="000000"/>
                 </a:solidFill>
@@ -3265,43 +3468,43 @@
               </a:rPr>
               <a:t>Седьмой уровень структуры</a:t>
             </a:r>
-            <a:endParaRPr b="0" lang="ru-RU" sz="2000" spc="-1" strike="noStrike">
-              <a:solidFill>
-                <a:srgbClr val="000000"/>
-              </a:solidFill>
-              <a:latin typeface="Calibri"/>
-            </a:endParaRPr>
           </a:p>
         </p:txBody>
       </p:sp>
     </p:spTree>
   </p:cSld>
-  <p:clrMap bg1="lt1" bg2="lt2" tx1="dk1" tx2="dk2" accent1="accent1" accent2="accent2" accent3="accent3" accent4="accent4" accent5="accent5" accent6="accent6" hlink="hlink" folHlink="folHlink"/>
+  <p:clrMap bg1="lt1" tx1="dk1" bg2="lt2" tx2="dk2" accent1="accent1" accent2="accent2" accent3="accent3" accent4="accent4" accent5="accent5" accent6="accent6" hlink="hlink" folHlink="folHlink"/>
   <p:sldLayoutIdLst>
-    <p:sldLayoutId id="2147483649" r:id="rId2"/>
-    <p:sldLayoutId id="2147483650" r:id="rId3"/>
-    <p:sldLayoutId id="2147483651" r:id="rId4"/>
-    <p:sldLayoutId id="2147483652" r:id="rId5"/>
-    <p:sldLayoutId id="2147483653" r:id="rId6"/>
-    <p:sldLayoutId id="2147483654" r:id="rId7"/>
-    <p:sldLayoutId id="2147483655" r:id="rId8"/>
-    <p:sldLayoutId id="2147483656" r:id="rId9"/>
-    <p:sldLayoutId id="2147483657" r:id="rId10"/>
-    <p:sldLayoutId id="2147483658" r:id="rId11"/>
-    <p:sldLayoutId id="2147483659" r:id="rId12"/>
-    <p:sldLayoutId id="2147483660" r:id="rId13"/>
+    <p:sldLayoutId id="2147483649" r:id="rId1"/>
+    <p:sldLayoutId id="2147483650" r:id="rId2"/>
+    <p:sldLayoutId id="2147483651" r:id="rId3"/>
+    <p:sldLayoutId id="2147483652" r:id="rId4"/>
+    <p:sldLayoutId id="2147483653" r:id="rId5"/>
+    <p:sldLayoutId id="2147483654" r:id="rId6"/>
+    <p:sldLayoutId id="2147483655" r:id="rId7"/>
+    <p:sldLayoutId id="2147483656" r:id="rId8"/>
+    <p:sldLayoutId id="2147483657" r:id="rId9"/>
+    <p:sldLayoutId id="2147483658" r:id="rId10"/>
+    <p:sldLayoutId id="2147483659" r:id="rId11"/>
+    <p:sldLayoutId id="2147483660" r:id="rId12"/>
   </p:sldLayoutIdLst>
+  <p:txStyles>
+    <p:titleStyle/>
+    <p:bodyStyle/>
+    <p:otherStyle/>
+  </p:txStyles>
 </p:sldMaster>
 </file>
 
 <file path=ppt/slideMasters/slideMaster2.xml><?xml version="1.0" encoding="utf-8"?>
-<p:sldMaster xmlns:a="http://schemas.openxmlformats.org/drawingml/2006/main" xmlns:p="http://schemas.openxmlformats.org/presentationml/2006/main" xmlns:r="http://schemas.openxmlformats.org/officeDocument/2006/relationships" xmlns:p14="http://schemas.microsoft.com/office/powerpoint/2010/main" xmlns:p15="http://schemas.microsoft.com/office/powerpoint/2012/main" xmlns:mc="http://schemas.openxmlformats.org/markup-compatibility/2006">
+<p:sldMaster xmlns:a="http://schemas.openxmlformats.org/drawingml/2006/main" xmlns:r="http://schemas.openxmlformats.org/officeDocument/2006/relationships" xmlns:p="http://schemas.openxmlformats.org/presentationml/2006/main">
   <p:cSld>
     <p:bg>
       <p:bgPr>
         <a:solidFill>
-          <a:srgbClr val="ffffff"/>
+          <a:srgbClr val="FFFFFF"/>
         </a:solidFill>
+        <a:effectLst/>
       </p:bgPr>
     </p:bg>
     <p:spTree>
@@ -3339,6 +3542,7 @@
         </p:spPr>
         <p:txBody>
           <a:bodyPr anchor="ctr"/>
+          <a:lstStyle/>
           <a:p>
             <a:pPr algn="ctr">
               <a:lnSpc>
@@ -3346,7 +3550,7 @@
               </a:lnSpc>
             </a:pPr>
             <a:r>
-              <a:rPr b="0" lang="ru-RU" sz="4400" spc="-1" strike="noStrike">
+              <a:rPr lang="ru-RU" sz="4400" b="0" strike="noStrike" spc="-1">
                 <a:solidFill>
                   <a:srgbClr val="000000"/>
                 </a:solidFill>
@@ -3354,12 +3558,6 @@
               </a:rPr>
               <a:t>Образец заголовка</a:t>
             </a:r>
-            <a:endParaRPr b="0" lang="ru-RU" sz="4400" spc="-1" strike="noStrike">
-              <a:solidFill>
-                <a:srgbClr val="000000"/>
-              </a:solidFill>
-              <a:latin typeface="Calibri"/>
-            </a:endParaRPr>
           </a:p>
         </p:txBody>
       </p:sp>
@@ -3384,6 +3582,7 @@
         </p:spPr>
         <p:txBody>
           <a:bodyPr/>
+          <a:lstStyle/>
           <a:p>
             <a:pPr marL="343080" indent="-342720">
               <a:lnSpc>
@@ -3399,7 +3598,7 @@
               <a:buChar char="•"/>
             </a:pPr>
             <a:r>
-              <a:rPr b="0" lang="ru-RU" sz="3200" spc="-1" strike="noStrike">
+              <a:rPr lang="ru-RU" sz="3200" b="0" strike="noStrike" spc="-1">
                 <a:solidFill>
                   <a:srgbClr val="000000"/>
                 </a:solidFill>
@@ -3407,15 +3606,9 @@
               </a:rPr>
               <a:t>Образец текста</a:t>
             </a:r>
-            <a:endParaRPr b="0" lang="ru-RU" sz="3200" spc="-1" strike="noStrike">
-              <a:solidFill>
-                <a:srgbClr val="000000"/>
-              </a:solidFill>
-              <a:latin typeface="Calibri"/>
-            </a:endParaRPr>
-          </a:p>
-          <a:p>
-            <a:pPr lvl="1" marL="743040" indent="-285480">
+          </a:p>
+          <a:p>
+            <a:pPr marL="743040" lvl="1" indent="-285480">
               <a:lnSpc>
                 <a:spcPct val="100000"/>
               </a:lnSpc>
@@ -3429,7 +3622,7 @@
               <a:buChar char="–"/>
             </a:pPr>
             <a:r>
-              <a:rPr b="0" lang="ru-RU" sz="2800" spc="-1" strike="noStrike">
+              <a:rPr lang="ru-RU" sz="2800" b="0" strike="noStrike" spc="-1">
                 <a:solidFill>
                   <a:srgbClr val="000000"/>
                 </a:solidFill>
@@ -3437,15 +3630,9 @@
               </a:rPr>
               <a:t>Второй уровень</a:t>
             </a:r>
-            <a:endParaRPr b="0" lang="ru-RU" sz="2800" spc="-1" strike="noStrike">
-              <a:solidFill>
-                <a:srgbClr val="000000"/>
-              </a:solidFill>
-              <a:latin typeface="Calibri"/>
-            </a:endParaRPr>
-          </a:p>
-          <a:p>
-            <a:pPr lvl="2" marL="1143000" indent="-228240">
+          </a:p>
+          <a:p>
+            <a:pPr marL="1143000" lvl="2" indent="-228240">
               <a:lnSpc>
                 <a:spcPct val="100000"/>
               </a:lnSpc>
@@ -3459,7 +3646,7 @@
               <a:buChar char="•"/>
             </a:pPr>
             <a:r>
-              <a:rPr b="0" lang="ru-RU" sz="2400" spc="-1" strike="noStrike">
+              <a:rPr lang="ru-RU" sz="2400" b="0" strike="noStrike" spc="-1">
                 <a:solidFill>
                   <a:srgbClr val="000000"/>
                 </a:solidFill>
@@ -3467,15 +3654,9 @@
               </a:rPr>
               <a:t>Третий уровень</a:t>
             </a:r>
-            <a:endParaRPr b="0" lang="ru-RU" sz="2400" spc="-1" strike="noStrike">
-              <a:solidFill>
-                <a:srgbClr val="000000"/>
-              </a:solidFill>
-              <a:latin typeface="Calibri"/>
-            </a:endParaRPr>
-          </a:p>
-          <a:p>
-            <a:pPr lvl="3" marL="1600200" indent="-228240">
+          </a:p>
+          <a:p>
+            <a:pPr marL="1600200" lvl="3" indent="-228240">
               <a:lnSpc>
                 <a:spcPct val="100000"/>
               </a:lnSpc>
@@ -3489,7 +3670,7 @@
               <a:buChar char="–"/>
             </a:pPr>
             <a:r>
-              <a:rPr b="0" lang="ru-RU" sz="2000" spc="-1" strike="noStrike">
+              <a:rPr lang="ru-RU" sz="2000" b="0" strike="noStrike" spc="-1">
                 <a:solidFill>
                   <a:srgbClr val="000000"/>
                 </a:solidFill>
@@ -3497,15 +3678,9 @@
               </a:rPr>
               <a:t>Четвертый уровень</a:t>
             </a:r>
-            <a:endParaRPr b="0" lang="ru-RU" sz="2000" spc="-1" strike="noStrike">
-              <a:solidFill>
-                <a:srgbClr val="000000"/>
-              </a:solidFill>
-              <a:latin typeface="Calibri"/>
-            </a:endParaRPr>
-          </a:p>
-          <a:p>
-            <a:pPr lvl="4" marL="2057400" indent="-228240">
+          </a:p>
+          <a:p>
+            <a:pPr marL="2057400" lvl="4" indent="-228240">
               <a:lnSpc>
                 <a:spcPct val="100000"/>
               </a:lnSpc>
@@ -3519,7 +3694,7 @@
               <a:buChar char="»"/>
             </a:pPr>
             <a:r>
-              <a:rPr b="0" lang="ru-RU" sz="2000" spc="-1" strike="noStrike">
+              <a:rPr lang="ru-RU" sz="2000" b="0" strike="noStrike" spc="-1">
                 <a:solidFill>
                   <a:srgbClr val="000000"/>
                 </a:solidFill>
@@ -3527,12 +3702,6 @@
               </a:rPr>
               <a:t>Пятый уровень</a:t>
             </a:r>
-            <a:endParaRPr b="0" lang="ru-RU" sz="2000" spc="-1" strike="noStrike">
-              <a:solidFill>
-                <a:srgbClr val="000000"/>
-              </a:solidFill>
-              <a:latin typeface="Calibri"/>
-            </a:endParaRPr>
           </a:p>
         </p:txBody>
       </p:sp>
@@ -3557,6 +3726,7 @@
         </p:spPr>
         <p:txBody>
           <a:bodyPr anchor="ctr"/>
+          <a:lstStyle/>
           <a:p>
             <a:pPr>
               <a:lnSpc>
@@ -3564,15 +3734,15 @@
               </a:lnSpc>
             </a:pPr>
             <a:fld id="{29ACAB8B-BDAE-4A60-B3D2-75980CE636CC}" type="datetime">
-              <a:rPr b="0" lang="ru-RU" sz="1200" spc="-1" strike="noStrike">
-                <a:solidFill>
-                  <a:srgbClr val="8b8b8b"/>
+              <a:rPr lang="ru-RU" sz="1200" b="0" strike="noStrike" spc="-1">
+                <a:solidFill>
+                  <a:srgbClr val="8B8B8B"/>
                 </a:solidFill>
                 <a:latin typeface="Calibri"/>
               </a:rPr>
-              <a:t>26.3.19</a:t>
+              <a:t>01.04.2019</a:t>
             </a:fld>
-            <a:endParaRPr b="0" lang="ru-RU" sz="1200" spc="-1" strike="noStrike">
+            <a:endParaRPr lang="ru-RU" sz="1200" b="0" strike="noStrike" spc="-1">
               <a:latin typeface="Times New Roman"/>
             </a:endParaRPr>
           </a:p>
@@ -3599,8 +3769,9 @@
         </p:spPr>
         <p:txBody>
           <a:bodyPr anchor="ctr"/>
-          <a:p>
-            <a:endParaRPr b="0" lang="ru-RU" sz="2400" spc="-1" strike="noStrike">
+          <a:lstStyle/>
+          <a:p>
+            <a:endParaRPr lang="ru-RU" sz="2400" b="0" strike="noStrike" spc="-1">
               <a:latin typeface="Times New Roman"/>
             </a:endParaRPr>
           </a:p>
@@ -3627,6 +3798,7 @@
         </p:spPr>
         <p:txBody>
           <a:bodyPr anchor="ctr"/>
+          <a:lstStyle/>
           <a:p>
             <a:pPr algn="r">
               <a:lnSpc>
@@ -3634,15 +3806,15 @@
               </a:lnSpc>
             </a:pPr>
             <a:fld id="{A15B6D54-10A8-4E6A-A952-F0844B9B00E4}" type="slidenum">
-              <a:rPr b="0" lang="ru-RU" sz="1200" spc="-1" strike="noStrike">
-                <a:solidFill>
-                  <a:srgbClr val="8b8b8b"/>
+              <a:rPr lang="ru-RU" sz="1200" b="0" strike="noStrike" spc="-1">
+                <a:solidFill>
+                  <a:srgbClr val="8B8B8B"/>
                 </a:solidFill>
                 <a:latin typeface="Calibri"/>
               </a:rPr>
-              <a:t>&lt;номер&gt;</a:t>
+              <a:t>‹#›</a:t>
             </a:fld>
-            <a:endParaRPr b="0" lang="ru-RU" sz="1200" spc="-1" strike="noStrike">
+            <a:endParaRPr lang="ru-RU" sz="1200" b="0" strike="noStrike" spc="-1">
               <a:latin typeface="Times New Roman"/>
             </a:endParaRPr>
           </a:p>
@@ -3650,26 +3822,31 @@
       </p:sp>
     </p:spTree>
   </p:cSld>
-  <p:clrMap bg1="lt1" bg2="lt2" tx1="dk1" tx2="dk2" accent1="accent1" accent2="accent2" accent3="accent3" accent4="accent4" accent5="accent5" accent6="accent6" hlink="hlink" folHlink="folHlink"/>
+  <p:clrMap bg1="lt1" tx1="dk1" bg2="lt2" tx2="dk2" accent1="accent1" accent2="accent2" accent3="accent3" accent4="accent4" accent5="accent5" accent6="accent6" hlink="hlink" folHlink="folHlink"/>
   <p:sldLayoutIdLst>
-    <p:sldLayoutId id="2147483662" r:id="rId2"/>
-    <p:sldLayoutId id="2147483663" r:id="rId3"/>
-    <p:sldLayoutId id="2147483664" r:id="rId4"/>
-    <p:sldLayoutId id="2147483665" r:id="rId5"/>
-    <p:sldLayoutId id="2147483666" r:id="rId6"/>
-    <p:sldLayoutId id="2147483667" r:id="rId7"/>
-    <p:sldLayoutId id="2147483668" r:id="rId8"/>
-    <p:sldLayoutId id="2147483669" r:id="rId9"/>
-    <p:sldLayoutId id="2147483670" r:id="rId10"/>
-    <p:sldLayoutId id="2147483671" r:id="rId11"/>
-    <p:sldLayoutId id="2147483672" r:id="rId12"/>
-    <p:sldLayoutId id="2147483673" r:id="rId13"/>
+    <p:sldLayoutId id="2147483662" r:id="rId1"/>
+    <p:sldLayoutId id="2147483663" r:id="rId2"/>
+    <p:sldLayoutId id="2147483664" r:id="rId3"/>
+    <p:sldLayoutId id="2147483665" r:id="rId4"/>
+    <p:sldLayoutId id="2147483666" r:id="rId5"/>
+    <p:sldLayoutId id="2147483667" r:id="rId6"/>
+    <p:sldLayoutId id="2147483668" r:id="rId7"/>
+    <p:sldLayoutId id="2147483669" r:id="rId8"/>
+    <p:sldLayoutId id="2147483670" r:id="rId9"/>
+    <p:sldLayoutId id="2147483671" r:id="rId10"/>
+    <p:sldLayoutId id="2147483672" r:id="rId11"/>
+    <p:sldLayoutId id="2147483673" r:id="rId12"/>
   </p:sldLayoutIdLst>
+  <p:txStyles>
+    <p:titleStyle/>
+    <p:bodyStyle/>
+    <p:otherStyle/>
+  </p:txStyles>
 </p:sldMaster>
 </file>
 
 <file path=ppt/slides/slide1.xml><?xml version="1.0" encoding="utf-8"?>
-<p:sld xmlns:a="http://schemas.openxmlformats.org/drawingml/2006/main" xmlns:p="http://schemas.openxmlformats.org/presentationml/2006/main" xmlns:r="http://schemas.openxmlformats.org/officeDocument/2006/relationships" xmlns:p14="http://schemas.microsoft.com/office/powerpoint/2010/main" xmlns:p15="http://schemas.microsoft.com/office/powerpoint/2012/main" xmlns:mc="http://schemas.openxmlformats.org/markup-compatibility/2006">
+<p:sld xmlns:a="http://schemas.openxmlformats.org/drawingml/2006/main" xmlns:r="http://schemas.openxmlformats.org/officeDocument/2006/relationships" xmlns:p="http://schemas.openxmlformats.org/presentationml/2006/main">
   <p:cSld>
     <p:spTree>
       <p:nvGrpSpPr>
@@ -3706,6 +3883,7 @@
         </p:spPr>
         <p:txBody>
           <a:bodyPr anchor="ctr"/>
+          <a:lstStyle/>
           <a:p>
             <a:pPr algn="ctr">
               <a:lnSpc>
@@ -3713,16 +3891,16 @@
               </a:lnSpc>
             </a:pPr>
             <a:r>
-              <a:rPr b="0" lang="ru-RU" sz="4400" spc="-1" strike="noStrike">
+              <a:rPr lang="ru-RU" sz="4400" b="0" strike="noStrike" spc="-1" dirty="0" smtClean="0">
                 <a:solidFill>
                   <a:srgbClr val="000000"/>
                 </a:solidFill>
                 <a:latin typeface="Times New Roman"/>
               </a:rPr>
-              <a:t>Светофор</a:t>
-            </a:r>
-            <a:r>
-              <a:rPr b="0" lang="ru-RU" sz="4400" spc="-1" strike="noStrike">
+              <a:t>Светофор </a:t>
+            </a:r>
+            <a:r>
+              <a:rPr lang="ru-RU" sz="4400" b="0" strike="noStrike" spc="-1" dirty="0" smtClean="0">
                 <a:solidFill>
                   <a:srgbClr val="000000"/>
                 </a:solidFill>
@@ -3730,7 +3908,7 @@
               </a:rPr>
               <a:t> </a:t>
             </a:r>
-            <a:endParaRPr b="0" lang="ru-RU" sz="4400" spc="-1" strike="noStrike">
+            <a:endParaRPr lang="ru-RU" sz="4400" b="0" strike="noStrike" spc="-1" dirty="0">
               <a:solidFill>
                 <a:srgbClr val="000000"/>
               </a:solidFill>
@@ -3762,6 +3940,7 @@
           <a:bodyPr>
             <a:normAutofit/>
           </a:bodyPr>
+          <a:lstStyle/>
           <a:p>
             <a:pPr>
               <a:lnSpc>
@@ -3772,7 +3951,7 @@
               </a:spcBef>
             </a:pPr>
             <a:r>
-              <a:rPr b="0" lang="ru-RU" sz="2400" spc="-1" strike="noStrike">
+              <a:rPr lang="ru-RU" sz="2400" b="0" strike="noStrike" spc="-1" dirty="0">
                 <a:solidFill>
                   <a:srgbClr val="000000"/>
                 </a:solidFill>
@@ -3781,16 +3960,16 @@
               <a:t>Лищенко Тимофей</a:t>
             </a:r>
             <a:r>
-              <a:rPr b="1" lang="ru-RU" sz="2400" spc="-1" strike="noStrike">
-                <a:solidFill>
-                  <a:srgbClr val="8b8b8b"/>
+              <a:rPr lang="ru-RU" sz="2400" b="1" strike="noStrike" spc="-1" dirty="0">
+                <a:solidFill>
+                  <a:srgbClr val="8B8B8B"/>
                 </a:solidFill>
                 <a:latin typeface="Times New Roman"/>
               </a:rPr>
               <a:t> </a:t>
             </a:r>
             <a:r>
-              <a:rPr b="0" lang="ru-RU" sz="2400" spc="-1" strike="noStrike">
+              <a:rPr lang="ru-RU" sz="2400" b="0" strike="noStrike" spc="-1" dirty="0" smtClean="0">
                 <a:solidFill>
                   <a:srgbClr val="000000"/>
                 </a:solidFill>
@@ -3798,7 +3977,86 @@
               </a:rPr>
               <a:t>Викторович</a:t>
             </a:r>
-            <a:endParaRPr b="0" lang="ru-RU" sz="2400" spc="-1" strike="noStrike">
+            <a:br>
+              <a:rPr lang="ru-RU" sz="2400" b="0" strike="noStrike" spc="-1" dirty="0" smtClean="0">
+                <a:solidFill>
+                  <a:srgbClr val="000000"/>
+                </a:solidFill>
+                <a:latin typeface="Times New Roman"/>
+              </a:rPr>
+            </a:br>
+            <a:r>
+              <a:rPr lang="ru-RU" sz="2400" b="0" strike="noStrike" spc="-1" dirty="0" smtClean="0">
+                <a:solidFill>
+                  <a:srgbClr val="000000"/>
+                </a:solidFill>
+                <a:latin typeface="Times New Roman"/>
+              </a:rPr>
+              <a:t>8</a:t>
+            </a:r>
+            <a:r>
+              <a:rPr lang="en-US" sz="2400" spc="-1" dirty="0" smtClean="0">
+                <a:solidFill>
+                  <a:srgbClr val="000000"/>
+                </a:solidFill>
+                <a:latin typeface="Times New Roman"/>
+              </a:rPr>
+              <a:t>«</a:t>
+            </a:r>
+            <a:r>
+              <a:rPr lang="ru-RU" sz="2400" spc="-1" dirty="0" smtClean="0">
+                <a:solidFill>
+                  <a:srgbClr val="000000"/>
+                </a:solidFill>
+                <a:latin typeface="Times New Roman"/>
+              </a:rPr>
+              <a:t>В</a:t>
+            </a:r>
+            <a:r>
+              <a:rPr lang="en-US" sz="2400" spc="-1" dirty="0" smtClean="0">
+                <a:solidFill>
+                  <a:srgbClr val="000000"/>
+                </a:solidFill>
+                <a:latin typeface="Times New Roman"/>
+              </a:rPr>
+              <a:t>»</a:t>
+            </a:r>
+            <a:r>
+              <a:rPr lang="ru-RU" sz="2400" spc="-1" dirty="0" smtClean="0">
+                <a:solidFill>
+                  <a:srgbClr val="000000"/>
+                </a:solidFill>
+                <a:latin typeface="Times New Roman"/>
+              </a:rPr>
+              <a:t> класс</a:t>
+            </a:r>
+            <a:br>
+              <a:rPr lang="ru-RU" sz="2400" spc="-1" dirty="0" smtClean="0">
+                <a:solidFill>
+                  <a:srgbClr val="000000"/>
+                </a:solidFill>
+                <a:latin typeface="Times New Roman"/>
+              </a:rPr>
+            </a:br>
+            <a:r>
+              <a:rPr lang="ru-RU" sz="2400" spc="-1" dirty="0" smtClean="0">
+                <a:solidFill>
+                  <a:srgbClr val="000000"/>
+                </a:solidFill>
+                <a:latin typeface="Times New Roman"/>
+              </a:rPr>
+              <a:t>А.Ю. </a:t>
+            </a:r>
+            <a:r>
+              <a:rPr lang="ru-RU" sz="2400" spc="-1" dirty="0" err="1" smtClean="0">
+                <a:solidFill>
+                  <a:srgbClr val="000000"/>
+                </a:solidFill>
+                <a:latin typeface="Times New Roman"/>
+              </a:rPr>
+              <a:t>Мангазеев</a:t>
+            </a:r>
+            <a:endParaRPr lang="ru-RU" sz="2400" b="0" strike="noStrike" spc="-1" dirty="0">
               <a:latin typeface="Arial"/>
             </a:endParaRPr>
           </a:p>
@@ -3806,6 +4064,9 @@
       </p:sp>
     </p:spTree>
   </p:cSld>
+  <p:clrMapOvr>
+    <a:masterClrMapping/>
+  </p:clrMapOvr>
   <p:timing>
     <p:tnLst>
       <p:par>
@@ -3814,14 +4075,14 @@
             <p:seq>
               <p:cTn id="2" dur="indefinite" nodeType="mainSeq"/>
               <p:prevCondLst>
-                <p:cond delay="0" evt="onPrev">
+                <p:cond evt="onPrev" delay="0">
                   <p:tgtEl>
                     <p:sldTgt/>
                   </p:tgtEl>
                 </p:cond>
               </p:prevCondLst>
               <p:nextCondLst>
-                <p:cond delay="0" evt="onNext">
+                <p:cond evt="onNext" delay="0">
                   <p:tgtEl>
                     <p:sldTgt/>
                   </p:tgtEl>
@@ -3837,7 +4098,7 @@
 </file>
 
 <file path=ppt/slides/slide10.xml><?xml version="1.0" encoding="utf-8"?>
-<p:sld xmlns:a="http://schemas.openxmlformats.org/drawingml/2006/main" xmlns:p="http://schemas.openxmlformats.org/presentationml/2006/main" xmlns:r="http://schemas.openxmlformats.org/officeDocument/2006/relationships" xmlns:p14="http://schemas.microsoft.com/office/powerpoint/2010/main" xmlns:p15="http://schemas.microsoft.com/office/powerpoint/2012/main" xmlns:mc="http://schemas.openxmlformats.org/markup-compatibility/2006">
+<p:sld xmlns:a="http://schemas.openxmlformats.org/drawingml/2006/main" xmlns:r="http://schemas.openxmlformats.org/officeDocument/2006/relationships" xmlns:p="http://schemas.openxmlformats.org/presentationml/2006/main">
   <p:cSld>
     <p:spTree>
       <p:nvGrpSpPr>
@@ -3855,7 +4116,7 @@
       </p:grpSpPr>
       <p:sp>
         <p:nvSpPr>
-          <p:cNvPr id="100" name="TextShape 1"/>
+          <p:cNvPr id="101" name="TextShape 1"/>
           <p:cNvSpPr txBox="1"/>
           <p:nvPr/>
         </p:nvSpPr>
@@ -3874,6 +4135,7 @@
         </p:spPr>
         <p:txBody>
           <a:bodyPr anchor="ctr"/>
+          <a:lstStyle/>
           <a:p>
             <a:pPr algn="ctr">
               <a:lnSpc>
@@ -3881,41 +4143,38 @@
               </a:lnSpc>
             </a:pPr>
             <a:r>
-              <a:rPr b="0" lang="ru-RU" sz="4400" spc="-1" strike="noStrike">
+              <a:rPr lang="ru-RU" sz="4400" b="0" strike="noStrike" spc="-1" dirty="0">
                 <a:solidFill>
                   <a:srgbClr val="000000"/>
                 </a:solidFill>
                 <a:latin typeface="Calibri"/>
               </a:rPr>
-              <a:t>Схема</a:t>
-            </a:r>
-            <a:endParaRPr b="0" lang="ru-RU" sz="4400" spc="-1" strike="noStrike">
-              <a:solidFill>
-                <a:srgbClr val="000000"/>
-              </a:solidFill>
-              <a:latin typeface="Calibri"/>
-            </a:endParaRPr>
+              <a:t>Проект</a:t>
+            </a:r>
           </a:p>
         </p:txBody>
       </p:sp>
     </p:spTree>
   </p:cSld>
+  <p:clrMapOvr>
+    <a:masterClrMapping/>
+  </p:clrMapOvr>
   <p:timing>
     <p:tnLst>
       <p:par>
-        <p:cTn id="19" dur="indefinite" restart="never" nodeType="tmRoot">
+        <p:cTn id="1" dur="indefinite" restart="never" nodeType="tmRoot">
           <p:childTnLst>
             <p:seq>
-              <p:cTn id="20" dur="indefinite" nodeType="mainSeq"/>
+              <p:cTn id="2" dur="indefinite" nodeType="mainSeq"/>
               <p:prevCondLst>
-                <p:cond delay="0" evt="onPrev">
+                <p:cond evt="onPrev" delay="0">
                   <p:tgtEl>
                     <p:sldTgt/>
                   </p:tgtEl>
                 </p:cond>
               </p:prevCondLst>
               <p:nextCondLst>
-                <p:cond delay="0" evt="onNext">
+                <p:cond evt="onNext" delay="0">
                   <p:tgtEl>
                     <p:sldTgt/>
                   </p:tgtEl>
@@ -3931,7 +4190,7 @@
 </file>
 
 <file path=ppt/slides/slide11.xml><?xml version="1.0" encoding="utf-8"?>
-<p:sld xmlns:a="http://schemas.openxmlformats.org/drawingml/2006/main" xmlns:p="http://schemas.openxmlformats.org/presentationml/2006/main" xmlns:r="http://schemas.openxmlformats.org/officeDocument/2006/relationships" xmlns:p14="http://schemas.microsoft.com/office/powerpoint/2010/main" xmlns:p15="http://schemas.microsoft.com/office/powerpoint/2012/main" xmlns:mc="http://schemas.openxmlformats.org/markup-compatibility/2006">
+<p:sld xmlns:a="http://schemas.openxmlformats.org/drawingml/2006/main" xmlns:r="http://schemas.openxmlformats.org/officeDocument/2006/relationships" xmlns:p="http://schemas.openxmlformats.org/presentationml/2006/main">
   <p:cSld>
     <p:spTree>
       <p:nvGrpSpPr>
@@ -3949,7 +4208,7 @@
       </p:grpSpPr>
       <p:sp>
         <p:nvSpPr>
-          <p:cNvPr id="101" name="TextShape 1"/>
+          <p:cNvPr id="102" name="TextShape 1"/>
           <p:cNvSpPr txBox="1"/>
           <p:nvPr/>
         </p:nvSpPr>
@@ -3968,6 +4227,7 @@
         </p:spPr>
         <p:txBody>
           <a:bodyPr anchor="ctr"/>
+          <a:lstStyle/>
           <a:p>
             <a:pPr algn="ctr">
               <a:lnSpc>
@@ -3975,41 +4235,86 @@
               </a:lnSpc>
             </a:pPr>
             <a:r>
-              <a:rPr b="0" lang="ru-RU" sz="4400" spc="-1" strike="noStrike">
+              <a:rPr lang="ru-RU" sz="4400" b="0" strike="noStrike" spc="-1">
                 <a:solidFill>
                   <a:srgbClr val="000000"/>
                 </a:solidFill>
                 <a:latin typeface="Calibri"/>
               </a:rPr>
-              <a:t>Проект</a:t>
-            </a:r>
-            <a:endParaRPr b="0" lang="ru-RU" sz="4400" spc="-1" strike="noStrike">
-              <a:solidFill>
-                <a:srgbClr val="000000"/>
-              </a:solidFill>
-              <a:latin typeface="Calibri"/>
-            </a:endParaRPr>
+              <a:t>Планы на будущие</a:t>
+            </a:r>
+          </a:p>
+        </p:txBody>
+      </p:sp>
+      <p:sp>
+        <p:nvSpPr>
+          <p:cNvPr id="103" name="TextShape 2"/>
+          <p:cNvSpPr txBox="1"/>
+          <p:nvPr/>
+        </p:nvSpPr>
+        <p:spPr>
+          <a:xfrm>
+            <a:off x="457200" y="1600200"/>
+            <a:ext cx="8229240" cy="4525560"/>
+          </a:xfrm>
+          <a:prstGeom prst="rect">
+            <a:avLst/>
+          </a:prstGeom>
+          <a:noFill/>
+          <a:ln>
+            <a:noFill/>
+          </a:ln>
+        </p:spPr>
+        <p:txBody>
+          <a:bodyPr/>
+          <a:lstStyle/>
+          <a:p>
+            <a:pPr marL="343080" indent="-342720">
+              <a:lnSpc>
+                <a:spcPct val="100000"/>
+              </a:lnSpc>
+              <a:spcBef>
+                <a:spcPts val="641"/>
+              </a:spcBef>
+              <a:buClr>
+                <a:srgbClr val="000000"/>
+              </a:buClr>
+              <a:buFont typeface="Arial"/>
+              <a:buChar char="•"/>
+            </a:pPr>
+            <a:r>
+              <a:rPr lang="ru-RU" sz="3200" b="0" strike="noStrike" spc="-1">
+                <a:solidFill>
+                  <a:srgbClr val="000000"/>
+                </a:solidFill>
+                <a:latin typeface="Calibri"/>
+              </a:rPr>
+              <a:t>Связать проект с сайтом диспетчера.</a:t>
+            </a:r>
           </a:p>
         </p:txBody>
       </p:sp>
     </p:spTree>
   </p:cSld>
+  <p:clrMapOvr>
+    <a:masterClrMapping/>
+  </p:clrMapOvr>
   <p:timing>
     <p:tnLst>
       <p:par>
-        <p:cTn id="21" dur="indefinite" restart="never" nodeType="tmRoot">
+        <p:cTn id="1" dur="indefinite" restart="never" nodeType="tmRoot">
           <p:childTnLst>
             <p:seq>
-              <p:cTn id="22" dur="indefinite" nodeType="mainSeq"/>
+              <p:cTn id="2" dur="indefinite" nodeType="mainSeq"/>
               <p:prevCondLst>
-                <p:cond delay="0" evt="onPrev">
+                <p:cond evt="onPrev" delay="0">
                   <p:tgtEl>
                     <p:sldTgt/>
                   </p:tgtEl>
                 </p:cond>
               </p:prevCondLst>
               <p:nextCondLst>
-                <p:cond delay="0" evt="onNext">
+                <p:cond evt="onNext" delay="0">
                   <p:tgtEl>
                     <p:sldTgt/>
                   </p:tgtEl>
@@ -4025,7 +4330,7 @@
 </file>
 
 <file path=ppt/slides/slide12.xml><?xml version="1.0" encoding="utf-8"?>
-<p:sld xmlns:a="http://schemas.openxmlformats.org/drawingml/2006/main" xmlns:p="http://schemas.openxmlformats.org/presentationml/2006/main" xmlns:r="http://schemas.openxmlformats.org/officeDocument/2006/relationships" xmlns:p14="http://schemas.microsoft.com/office/powerpoint/2010/main" xmlns:p15="http://schemas.microsoft.com/office/powerpoint/2012/main" xmlns:mc="http://schemas.openxmlformats.org/markup-compatibility/2006">
+<p:sld xmlns:a="http://schemas.openxmlformats.org/drawingml/2006/main" xmlns:r="http://schemas.openxmlformats.org/officeDocument/2006/relationships" xmlns:p="http://schemas.openxmlformats.org/presentationml/2006/main">
   <p:cSld>
     <p:spTree>
       <p:nvGrpSpPr>
@@ -4043,128 +4348,47 @@
       </p:grpSpPr>
       <p:sp>
         <p:nvSpPr>
-          <p:cNvPr id="102" name="TextShape 1"/>
-          <p:cNvSpPr txBox="1"/>
-          <p:nvPr/>
-        </p:nvSpPr>
-        <p:spPr>
-          <a:xfrm>
-            <a:off x="457200" y="274680"/>
+          <p:cNvPr id="2" name="Заголовок 1"/>
+          <p:cNvSpPr>
+            <a:spLocks noGrp="1"/>
+          </p:cNvSpPr>
+          <p:nvPr>
+            <p:ph type="title"/>
+          </p:nvPr>
+        </p:nvSpPr>
+        <p:spPr>
+          <a:xfrm>
+            <a:off x="611560" y="2420888"/>
             <a:ext cx="8229240" cy="1142640"/>
           </a:xfrm>
-          <a:prstGeom prst="rect">
-            <a:avLst/>
-          </a:prstGeom>
-          <a:noFill/>
-          <a:ln>
-            <a:noFill/>
-          </a:ln>
-        </p:spPr>
-        <p:txBody>
-          <a:bodyPr anchor="ctr"/>
-          <a:p>
-            <a:pPr algn="ctr">
-              <a:lnSpc>
-                <a:spcPct val="100000"/>
-              </a:lnSpc>
-            </a:pPr>
-            <a:r>
-              <a:rPr b="0" lang="ru-RU" sz="4400" spc="-1" strike="noStrike">
-                <a:solidFill>
-                  <a:srgbClr val="000000"/>
-                </a:solidFill>
-                <a:latin typeface="Calibri"/>
-              </a:rPr>
-              <a:t>Планы на будущие</a:t>
-            </a:r>
-            <a:endParaRPr b="0" lang="ru-RU" sz="4400" spc="-1" strike="noStrike">
-              <a:solidFill>
-                <a:srgbClr val="000000"/>
-              </a:solidFill>
-              <a:latin typeface="Calibri"/>
-            </a:endParaRPr>
-          </a:p>
-        </p:txBody>
-      </p:sp>
-      <p:sp>
-        <p:nvSpPr>
-          <p:cNvPr id="103" name="TextShape 2"/>
-          <p:cNvSpPr txBox="1"/>
-          <p:nvPr/>
-        </p:nvSpPr>
-        <p:spPr>
-          <a:xfrm>
-            <a:off x="457200" y="1600200"/>
-            <a:ext cx="8229240" cy="4525560"/>
-          </a:xfrm>
-          <a:prstGeom prst="rect">
-            <a:avLst/>
-          </a:prstGeom>
-          <a:noFill/>
-          <a:ln>
-            <a:noFill/>
-          </a:ln>
         </p:spPr>
         <p:txBody>
           <a:bodyPr/>
-          <a:p>
-            <a:pPr marL="343080" indent="-342720">
-              <a:lnSpc>
-                <a:spcPct val="100000"/>
-              </a:lnSpc>
-              <a:spcBef>
-                <a:spcPts val="641"/>
-              </a:spcBef>
-              <a:buClr>
-                <a:srgbClr val="000000"/>
-              </a:buClr>
-              <a:buFont typeface="Arial"/>
-              <a:buChar char="•"/>
-            </a:pPr>
-            <a:r>
-              <a:rPr b="0" lang="ru-RU" sz="3200" spc="-1" strike="noStrike">
-                <a:solidFill>
-                  <a:srgbClr val="000000"/>
-                </a:solidFill>
-                <a:latin typeface="Calibri"/>
-              </a:rPr>
-              <a:t>Связать проект с сайтом диспетчера.</a:t>
-            </a:r>
-            <a:endParaRPr b="0" lang="ru-RU" sz="3200" spc="-1" strike="noStrike">
-              <a:solidFill>
-                <a:srgbClr val="000000"/>
-              </a:solidFill>
-              <a:latin typeface="Calibri"/>
-            </a:endParaRPr>
+          <a:lstStyle/>
+          <a:p>
+            <a:pPr algn="just"/>
+            <a:r>
+              <a:rPr lang="ru-RU" sz="6000" dirty="0" smtClean="0"/>
+              <a:t>Спасибо за внимание!</a:t>
+            </a:r>
+            <a:endParaRPr lang="ru-RU" sz="6000" dirty="0"/>
           </a:p>
         </p:txBody>
       </p:sp>
     </p:spTree>
+    <p:extLst>
+      <p:ext uri="{BB962C8B-B14F-4D97-AF65-F5344CB8AC3E}">
+        <p14:creationId xmlns:p14="http://schemas.microsoft.com/office/powerpoint/2010/main" val="125793473"/>
+      </p:ext>
+    </p:extLst>
   </p:cSld>
+  <p:clrMapOvr>
+    <a:masterClrMapping/>
+  </p:clrMapOvr>
   <p:timing>
     <p:tnLst>
       <p:par>
-        <p:cTn id="23" dur="indefinite" restart="never" nodeType="tmRoot">
-          <p:childTnLst>
-            <p:seq>
-              <p:cTn id="24" dur="indefinite" nodeType="mainSeq"/>
-              <p:prevCondLst>
-                <p:cond delay="0" evt="onPrev">
-                  <p:tgtEl>
-                    <p:sldTgt/>
-                  </p:tgtEl>
-                </p:cond>
-              </p:prevCondLst>
-              <p:nextCondLst>
-                <p:cond delay="0" evt="onNext">
-                  <p:tgtEl>
-                    <p:sldTgt/>
-                  </p:tgtEl>
-                </p:cond>
-              </p:nextCondLst>
-            </p:seq>
-          </p:childTnLst>
-        </p:cTn>
+        <p:cTn id="1" dur="indefinite" restart="never" nodeType="tmRoot"/>
       </p:par>
     </p:tnLst>
   </p:timing>
@@ -4172,7 +4396,7 @@
 </file>
 
 <file path=ppt/slides/slide2.xml><?xml version="1.0" encoding="utf-8"?>
-<p:sld xmlns:a="http://schemas.openxmlformats.org/drawingml/2006/main" xmlns:p="http://schemas.openxmlformats.org/presentationml/2006/main" xmlns:r="http://schemas.openxmlformats.org/officeDocument/2006/relationships" xmlns:p14="http://schemas.microsoft.com/office/powerpoint/2010/main" xmlns:p15="http://schemas.microsoft.com/office/powerpoint/2012/main" xmlns:mc="http://schemas.openxmlformats.org/markup-compatibility/2006">
+<p:sld xmlns:a="http://schemas.openxmlformats.org/drawingml/2006/main" xmlns:r="http://schemas.openxmlformats.org/officeDocument/2006/relationships" xmlns:p="http://schemas.openxmlformats.org/presentationml/2006/main">
   <p:cSld>
     <p:spTree>
       <p:nvGrpSpPr>
@@ -4190,14 +4414,14 @@
       </p:grpSpPr>
       <p:sp>
         <p:nvSpPr>
-          <p:cNvPr id="84" name="TextShape 1"/>
-          <p:cNvSpPr txBox="1"/>
+          <p:cNvPr id="92" name="CustomShape 1"/>
+          <p:cNvSpPr/>
           <p:nvPr/>
         </p:nvSpPr>
         <p:spPr>
           <a:xfrm>
-            <a:off x="457200" y="274680"/>
-            <a:ext cx="8229240" cy="1142640"/>
+            <a:off x="1403640" y="73440"/>
+            <a:ext cx="7560360" cy="760680"/>
           </a:xfrm>
           <a:prstGeom prst="rect">
             <a:avLst/>
@@ -4207,103 +4431,86 @@
             <a:noFill/>
           </a:ln>
         </p:spPr>
-        <p:txBody>
-          <a:bodyPr anchor="ctr"/>
-          <a:p>
-            <a:pPr algn="ctr">
+        <p:style>
+          <a:lnRef idx="0">
+            <a:scrgbClr r="0" g="0" b="0"/>
+          </a:lnRef>
+          <a:fillRef idx="0">
+            <a:scrgbClr r="0" g="0" b="0"/>
+          </a:fillRef>
+          <a:effectRef idx="0">
+            <a:scrgbClr r="0" g="0" b="0"/>
+          </a:effectRef>
+          <a:fontRef idx="minor"/>
+        </p:style>
+        <p:txBody>
+          <a:bodyPr lIns="90000" tIns="45000" rIns="90000" bIns="45000"/>
+          <a:lstStyle/>
+          <a:p>
+            <a:pPr>
               <a:lnSpc>
                 <a:spcPct val="100000"/>
               </a:lnSpc>
             </a:pPr>
             <a:r>
-              <a:rPr b="0" lang="ru-RU" sz="4400" spc="-1" strike="noStrike">
+              <a:rPr lang="ru-RU" sz="4400" b="0" strike="noStrike" spc="-1">
                 <a:solidFill>
                   <a:srgbClr val="000000"/>
                 </a:solidFill>
                 <a:latin typeface="Times New Roman"/>
               </a:rPr>
-              <a:t>Цели и задачи</a:t>
-            </a:r>
-            <a:endParaRPr b="0" lang="ru-RU" sz="4400" spc="-1" strike="noStrike">
-              <a:solidFill>
-                <a:srgbClr val="000000"/>
-              </a:solidFill>
-              <a:latin typeface="Calibri"/>
-            </a:endParaRPr>
-          </a:p>
-        </p:txBody>
-      </p:sp>
-      <p:sp>
-        <p:nvSpPr>
-          <p:cNvPr id="85" name="TextShape 2"/>
-          <p:cNvSpPr txBox="1"/>
+              <a:t>Развитие технологий </a:t>
+            </a:r>
+            <a:endParaRPr lang="ru-RU" sz="4400" b="0" strike="noStrike" spc="-1">
+              <a:latin typeface="Arial"/>
+            </a:endParaRPr>
+          </a:p>
+        </p:txBody>
+      </p:sp>
+      <p:pic>
+        <p:nvPicPr>
+          <p:cNvPr id="93" name="Рисунок 5"/>
+          <p:cNvPicPr/>
           <p:nvPr/>
-        </p:nvSpPr>
-        <p:spPr>
-          <a:xfrm>
-            <a:off x="457200" y="1600200"/>
-            <a:ext cx="8229240" cy="4525560"/>
-          </a:xfrm>
-          <a:prstGeom prst="rect">
-            <a:avLst/>
-          </a:prstGeom>
-          <a:noFill/>
+        </p:nvPicPr>
+        <p:blipFill>
+          <a:blip r:embed="rId2"/>
+          <a:stretch/>
+        </p:blipFill>
+        <p:spPr>
+          <a:xfrm>
+            <a:off x="-1800" y="763200"/>
+            <a:ext cx="9145440" cy="6093000"/>
+          </a:xfrm>
+          <a:prstGeom prst="rect">
+            <a:avLst/>
+          </a:prstGeom>
           <a:ln>
             <a:noFill/>
           </a:ln>
         </p:spPr>
-        <p:txBody>
-          <a:bodyPr/>
-          <a:p>
-            <a:pPr marL="343080" indent="-342720">
-              <a:lnSpc>
-                <a:spcPct val="100000"/>
-              </a:lnSpc>
-              <a:spcBef>
-                <a:spcPts val="641"/>
-              </a:spcBef>
-              <a:buClr>
-                <a:srgbClr val="000000"/>
-              </a:buClr>
-              <a:buFont typeface="Arial"/>
-              <a:buChar char="•"/>
-            </a:pPr>
-            <a:r>
-              <a:rPr b="0" lang="ru-RU" sz="3200" spc="-1" strike="noStrike">
-                <a:solidFill>
-                  <a:srgbClr val="000000"/>
-                </a:solidFill>
-                <a:latin typeface="Times New Roman"/>
-              </a:rPr>
-              <a:t>Цель: сделать перекресток светофоров, которые будет связан с датчиками движения. Вскоре связать с сайтом главного диспетчера, который сможет контролировать светофоры.</a:t>
-            </a:r>
-            <a:endParaRPr b="0" lang="ru-RU" sz="3200" spc="-1" strike="noStrike">
-              <a:solidFill>
-                <a:srgbClr val="000000"/>
-              </a:solidFill>
-              <a:latin typeface="Calibri"/>
-            </a:endParaRPr>
-          </a:p>
-        </p:txBody>
-      </p:sp>
+      </p:pic>
     </p:spTree>
   </p:cSld>
+  <p:clrMapOvr>
+    <a:masterClrMapping/>
+  </p:clrMapOvr>
   <p:timing>
     <p:tnLst>
       <p:par>
-        <p:cTn id="3" dur="indefinite" restart="never" nodeType="tmRoot">
+        <p:cTn id="1" dur="indefinite" restart="never" nodeType="tmRoot">
           <p:childTnLst>
             <p:seq>
-              <p:cTn id="4" dur="indefinite" nodeType="mainSeq"/>
+              <p:cTn id="2" dur="indefinite" nodeType="mainSeq"/>
               <p:prevCondLst>
-                <p:cond delay="0" evt="onPrev">
+                <p:cond evt="onPrev" delay="0">
                   <p:tgtEl>
                     <p:sldTgt/>
                   </p:tgtEl>
                 </p:cond>
               </p:prevCondLst>
               <p:nextCondLst>
-                <p:cond delay="0" evt="onNext">
+                <p:cond evt="onNext" delay="0">
                   <p:tgtEl>
                     <p:sldTgt/>
                   </p:tgtEl>
@@ -4319,7 +4526,7 @@
 </file>
 
 <file path=ppt/slides/slide3.xml><?xml version="1.0" encoding="utf-8"?>
-<p:sld xmlns:a="http://schemas.openxmlformats.org/drawingml/2006/main" xmlns:p="http://schemas.openxmlformats.org/presentationml/2006/main" xmlns:r="http://schemas.openxmlformats.org/officeDocument/2006/relationships" xmlns:p14="http://schemas.microsoft.com/office/powerpoint/2010/main" xmlns:p15="http://schemas.microsoft.com/office/powerpoint/2012/main" xmlns:mc="http://schemas.openxmlformats.org/markup-compatibility/2006">
+<p:sld xmlns:a="http://schemas.openxmlformats.org/drawingml/2006/main" xmlns:r="http://schemas.openxmlformats.org/officeDocument/2006/relationships" xmlns:p="http://schemas.openxmlformats.org/presentationml/2006/main">
   <p:cSld>
     <p:spTree>
       <p:nvGrpSpPr>
@@ -4337,14 +4544,14 @@
       </p:grpSpPr>
       <p:sp>
         <p:nvSpPr>
-          <p:cNvPr id="86" name="TextShape 1"/>
+          <p:cNvPr id="84" name="TextShape 1"/>
           <p:cNvSpPr txBox="1"/>
           <p:nvPr/>
         </p:nvSpPr>
         <p:spPr>
           <a:xfrm>
-            <a:off x="457200" y="260640"/>
-            <a:ext cx="8229240" cy="6336360"/>
+            <a:off x="457200" y="274680"/>
+            <a:ext cx="8229240" cy="1142640"/>
           </a:xfrm>
           <a:prstGeom prst="rect">
             <a:avLst/>
@@ -4355,9 +4562,56 @@
           </a:ln>
         </p:spPr>
         <p:txBody>
+          <a:bodyPr anchor="ctr"/>
+          <a:lstStyle/>
+          <a:p>
+            <a:pPr algn="ctr">
+              <a:lnSpc>
+                <a:spcPct val="100000"/>
+              </a:lnSpc>
+            </a:pPr>
+            <a:r>
+              <a:rPr lang="ru-RU" sz="4400" b="0" strike="noStrike" spc="-1" dirty="0" smtClean="0">
+                <a:solidFill>
+                  <a:srgbClr val="000000"/>
+                </a:solidFill>
+                <a:latin typeface="Times New Roman"/>
+              </a:rPr>
+              <a:t>Цель</a:t>
+            </a:r>
+            <a:endParaRPr lang="ru-RU" sz="4400" b="0" strike="noStrike" spc="-1" dirty="0">
+              <a:solidFill>
+                <a:srgbClr val="000000"/>
+              </a:solidFill>
+              <a:latin typeface="Calibri"/>
+            </a:endParaRPr>
+          </a:p>
+        </p:txBody>
+      </p:sp>
+      <p:sp>
+        <p:nvSpPr>
+          <p:cNvPr id="85" name="TextShape 2"/>
+          <p:cNvSpPr txBox="1"/>
+          <p:nvPr/>
+        </p:nvSpPr>
+        <p:spPr>
+          <a:xfrm>
+            <a:off x="457200" y="1600200"/>
+            <a:ext cx="8229240" cy="4525560"/>
+          </a:xfrm>
+          <a:prstGeom prst="rect">
+            <a:avLst/>
+          </a:prstGeom>
+          <a:noFill/>
+          <a:ln>
+            <a:noFill/>
+          </a:ln>
+        </p:spPr>
+        <p:txBody>
           <a:bodyPr/>
-          <a:p>
-            <a:pPr marL="343080" indent="-342720">
+          <a:lstStyle/>
+          <a:p>
+            <a:pPr marL="343080" indent="-342720" algn="just">
               <a:lnSpc>
                 <a:spcPct val="100000"/>
               </a:lnSpc>
@@ -4371,202 +4625,24 @@
               <a:buChar char="•"/>
             </a:pPr>
             <a:r>
-              <a:rPr b="0" lang="ru-RU" sz="3200" spc="-1" strike="noStrike">
+              <a:rPr lang="ru-RU" sz="3200" b="0" strike="noStrike" spc="-1" dirty="0" smtClean="0">
                 <a:solidFill>
                   <a:srgbClr val="000000"/>
                 </a:solidFill>
                 <a:latin typeface="Times New Roman"/>
               </a:rPr>
-              <a:t>Задачи: </a:t>
-            </a:r>
-            <a:endParaRPr b="0" lang="ru-RU" sz="3200" spc="-1" strike="noStrike">
-              <a:solidFill>
-                <a:srgbClr val="000000"/>
-              </a:solidFill>
-              <a:latin typeface="Calibri"/>
-            </a:endParaRPr>
-          </a:p>
-          <a:p>
-            <a:pPr lvl="1" marL="743040" indent="-285480">
-              <a:lnSpc>
-                <a:spcPct val="100000"/>
-              </a:lnSpc>
-              <a:spcBef>
-                <a:spcPts val="561"/>
-              </a:spcBef>
-              <a:buClr>
-                <a:srgbClr val="000000"/>
-              </a:buClr>
-              <a:buFont typeface="Arial"/>
-              <a:buChar char="–"/>
-            </a:pPr>
-            <a:r>
-              <a:rPr b="0" lang="ru-RU" sz="2800" spc="-1" strike="noStrike">
+              <a:t>Цель: Рассмотреть работу различных светофоров в больших городах и представить это в проекте на микроконтроллере </a:t>
+            </a:r>
+            <a:r>
+              <a:rPr lang="en-US" sz="3200" b="0" strike="noStrike" spc="-1" dirty="0" smtClean="0">
                 <a:solidFill>
                   <a:srgbClr val="000000"/>
                 </a:solidFill>
                 <a:latin typeface="Times New Roman"/>
               </a:rPr>
-              <a:t> </a:t>
-            </a:r>
-            <a:r>
-              <a:rPr b="0" lang="ru-RU" sz="2800" spc="-1" strike="noStrike">
-                <a:solidFill>
-                  <a:srgbClr val="000000"/>
-                </a:solidFill>
-                <a:latin typeface="Times New Roman"/>
-              </a:rPr>
-              <a:t>Прочитать необходимую литературу.</a:t>
-            </a:r>
-            <a:endParaRPr b="0" lang="ru-RU" sz="2800" spc="-1" strike="noStrike">
-              <a:solidFill>
-                <a:srgbClr val="000000"/>
-              </a:solidFill>
-              <a:latin typeface="Calibri"/>
-            </a:endParaRPr>
-          </a:p>
-          <a:p>
-            <a:pPr lvl="1" marL="743040" indent="-285480">
-              <a:lnSpc>
-                <a:spcPct val="100000"/>
-              </a:lnSpc>
-              <a:spcBef>
-                <a:spcPts val="561"/>
-              </a:spcBef>
-              <a:buClr>
-                <a:srgbClr val="000000"/>
-              </a:buClr>
-              <a:buFont typeface="Arial"/>
-              <a:buChar char="–"/>
-            </a:pPr>
-            <a:r>
-              <a:rPr b="0" lang="ru-RU" sz="2800" spc="-1" strike="noStrike">
-                <a:solidFill>
-                  <a:srgbClr val="000000"/>
-                </a:solidFill>
-                <a:latin typeface="Times New Roman"/>
-              </a:rPr>
-              <a:t>Прокачать свой скилл программирования и работы с Arduino.</a:t>
-            </a:r>
-            <a:endParaRPr b="0" lang="ru-RU" sz="2800" spc="-1" strike="noStrike">
-              <a:solidFill>
-                <a:srgbClr val="000000"/>
-              </a:solidFill>
-              <a:latin typeface="Calibri"/>
-            </a:endParaRPr>
-          </a:p>
-          <a:p>
-            <a:pPr lvl="1" marL="743040" indent="-285480">
-              <a:lnSpc>
-                <a:spcPct val="100000"/>
-              </a:lnSpc>
-              <a:spcBef>
-                <a:spcPts val="561"/>
-              </a:spcBef>
-              <a:buClr>
-                <a:srgbClr val="000000"/>
-              </a:buClr>
-              <a:buFont typeface="Arial"/>
-              <a:buChar char="–"/>
-            </a:pPr>
-            <a:r>
-              <a:rPr b="0" lang="ru-RU" sz="2800" spc="-1" strike="noStrike">
-                <a:solidFill>
-                  <a:srgbClr val="000000"/>
-                </a:solidFill>
-                <a:latin typeface="Times New Roman"/>
-              </a:rPr>
-              <a:t> </a:t>
-            </a:r>
-            <a:r>
-              <a:rPr b="0" lang="ru-RU" sz="2800" spc="-1" strike="noStrike">
-                <a:solidFill>
-                  <a:srgbClr val="000000"/>
-                </a:solidFill>
-                <a:latin typeface="Times New Roman"/>
-              </a:rPr>
-              <a:t>Собрать схему и по схеме проект.</a:t>
-            </a:r>
-            <a:endParaRPr b="0" lang="ru-RU" sz="2800" spc="-1" strike="noStrike">
-              <a:solidFill>
-                <a:srgbClr val="000000"/>
-              </a:solidFill>
-              <a:latin typeface="Calibri"/>
-            </a:endParaRPr>
-          </a:p>
-          <a:p>
-            <a:pPr lvl="1" marL="743040" indent="-285480">
-              <a:lnSpc>
-                <a:spcPct val="100000"/>
-              </a:lnSpc>
-              <a:spcBef>
-                <a:spcPts val="561"/>
-              </a:spcBef>
-              <a:buClr>
-                <a:srgbClr val="000000"/>
-              </a:buClr>
-              <a:buFont typeface="Arial"/>
-              <a:buChar char="–"/>
-            </a:pPr>
-            <a:r>
-              <a:rPr b="0" lang="ru-RU" sz="2800" spc="-1" strike="noStrike">
-                <a:solidFill>
-                  <a:srgbClr val="000000"/>
-                </a:solidFill>
-                <a:latin typeface="Times New Roman"/>
-              </a:rPr>
-              <a:t>Написать прошивку.</a:t>
-            </a:r>
-            <a:endParaRPr b="0" lang="ru-RU" sz="2800" spc="-1" strike="noStrike">
-              <a:solidFill>
-                <a:srgbClr val="000000"/>
-              </a:solidFill>
-              <a:latin typeface="Calibri"/>
-            </a:endParaRPr>
-          </a:p>
-          <a:p>
-            <a:pPr lvl="1" marL="743040" indent="-285480">
-              <a:lnSpc>
-                <a:spcPct val="100000"/>
-              </a:lnSpc>
-              <a:spcBef>
-                <a:spcPts val="561"/>
-              </a:spcBef>
-              <a:buClr>
-                <a:srgbClr val="000000"/>
-              </a:buClr>
-              <a:buFont typeface="Arial"/>
-              <a:buChar char="–"/>
-            </a:pPr>
-            <a:r>
-              <a:rPr b="0" lang="ru-RU" sz="2800" spc="-1" strike="noStrike">
-                <a:solidFill>
-                  <a:srgbClr val="000000"/>
-                </a:solidFill>
-                <a:latin typeface="Times New Roman"/>
-              </a:rPr>
-              <a:t> </a:t>
-            </a:r>
-            <a:r>
-              <a:rPr b="0" lang="ru-RU" sz="2800" spc="-1" strike="noStrike">
-                <a:solidFill>
-                  <a:srgbClr val="000000"/>
-                </a:solidFill>
-                <a:latin typeface="Times New Roman"/>
-              </a:rPr>
-              <a:t>Написать сайт диспетчера и связать его с проектом.</a:t>
-            </a:r>
-            <a:br/>
-            <a:r>
-              <a:rPr b="0" lang="ru-RU" sz="2800" spc="-1" strike="noStrike">
-                <a:solidFill>
-                  <a:srgbClr val="000000"/>
-                </a:solidFill>
-                <a:latin typeface="Calibri"/>
-              </a:rPr>
-              <a:t> </a:t>
-            </a:r>
-            <a:endParaRPr b="0" lang="ru-RU" sz="2800" spc="-1" strike="noStrike">
+              <a:t>Arduino Uno.</a:t>
+            </a:r>
+            <a:endParaRPr lang="ru-RU" sz="3200" b="0" strike="noStrike" spc="-1" dirty="0">
               <a:solidFill>
                 <a:srgbClr val="000000"/>
               </a:solidFill>
@@ -4577,22 +4653,25 @@
       </p:sp>
     </p:spTree>
   </p:cSld>
+  <p:clrMapOvr>
+    <a:masterClrMapping/>
+  </p:clrMapOvr>
   <p:timing>
     <p:tnLst>
       <p:par>
-        <p:cTn id="5" dur="indefinite" restart="never" nodeType="tmRoot">
+        <p:cTn id="1" dur="indefinite" restart="never" nodeType="tmRoot">
           <p:childTnLst>
             <p:seq>
-              <p:cTn id="6" dur="indefinite" nodeType="mainSeq"/>
+              <p:cTn id="2" dur="indefinite" nodeType="mainSeq"/>
               <p:prevCondLst>
-                <p:cond delay="0" evt="onPrev">
+                <p:cond evt="onPrev" delay="0">
                   <p:tgtEl>
                     <p:sldTgt/>
                   </p:tgtEl>
                 </p:cond>
               </p:prevCondLst>
               <p:nextCondLst>
-                <p:cond delay="0" evt="onNext">
+                <p:cond evt="onNext" delay="0">
                   <p:tgtEl>
                     <p:sldTgt/>
                   </p:tgtEl>
@@ -4608,7 +4687,7 @@
 </file>
 
 <file path=ppt/slides/slide4.xml><?xml version="1.0" encoding="utf-8"?>
-<p:sld xmlns:a="http://schemas.openxmlformats.org/drawingml/2006/main" xmlns:p="http://schemas.openxmlformats.org/presentationml/2006/main" xmlns:r="http://schemas.openxmlformats.org/officeDocument/2006/relationships" xmlns:p14="http://schemas.microsoft.com/office/powerpoint/2010/main" xmlns:p15="http://schemas.microsoft.com/office/powerpoint/2012/main" xmlns:mc="http://schemas.openxmlformats.org/markup-compatibility/2006">
+<p:sld xmlns:a="http://schemas.openxmlformats.org/drawingml/2006/main" xmlns:r="http://schemas.openxmlformats.org/officeDocument/2006/relationships" xmlns:p="http://schemas.openxmlformats.org/presentationml/2006/main">
   <p:cSld>
     <p:spTree>
       <p:nvGrpSpPr>
@@ -4626,14 +4705,14 @@
       </p:grpSpPr>
       <p:sp>
         <p:nvSpPr>
-          <p:cNvPr id="87" name="TextShape 1"/>
+          <p:cNvPr id="86" name="TextShape 1"/>
           <p:cNvSpPr txBox="1"/>
           <p:nvPr/>
         </p:nvSpPr>
         <p:spPr>
           <a:xfrm>
-            <a:off x="457200" y="274680"/>
-            <a:ext cx="8229240" cy="1142640"/>
+            <a:off x="457200" y="260640"/>
+            <a:ext cx="8229240" cy="6336360"/>
           </a:xfrm>
           <a:prstGeom prst="rect">
             <a:avLst/>
@@ -4644,118 +4723,275 @@
           </a:ln>
         </p:spPr>
         <p:txBody>
-          <a:bodyPr anchor="ctr">
-            <a:normAutofit/>
-          </a:bodyPr>
-          <a:p>
-            <a:pPr algn="ctr">
+          <a:bodyPr/>
+          <a:lstStyle/>
+          <a:p>
+            <a:pPr marL="343080" indent="-342720">
               <a:lnSpc>
                 <a:spcPct val="100000"/>
               </a:lnSpc>
+              <a:spcBef>
+                <a:spcPts val="641"/>
+              </a:spcBef>
+              <a:buClr>
+                <a:srgbClr val="000000"/>
+              </a:buClr>
+              <a:buFont typeface="Arial"/>
+              <a:buChar char="•"/>
             </a:pPr>
             <a:r>
-              <a:rPr b="0" lang="ru-RU" sz="4400" spc="-1" strike="noStrike">
+              <a:rPr lang="ru-RU" sz="3200" b="0" strike="noStrike" spc="-1" dirty="0">
                 <a:solidFill>
                   <a:srgbClr val="000000"/>
                 </a:solidFill>
                 <a:latin typeface="Times New Roman"/>
               </a:rPr>
-              <a:t>Микроконтроллеры </a:t>
-            </a:r>
-            <a:br/>
-            <a:r>
-              <a:rPr b="0" lang="ru-RU" sz="4400" spc="-1" strike="noStrike">
-                <a:solidFill>
-                  <a:srgbClr val="000000"/>
-                </a:solidFill>
-                <a:latin typeface="Times New Roman"/>
-              </a:rPr>
-              <a:t>Arduino</a:t>
-            </a:r>
-            <a:endParaRPr b="0" lang="ru-RU" sz="4400" spc="-1" strike="noStrike">
-              <a:solidFill>
-                <a:srgbClr val="000000"/>
-              </a:solidFill>
-              <a:latin typeface="Calibri"/>
-            </a:endParaRPr>
-          </a:p>
-        </p:txBody>
-      </p:sp>
-      <p:sp>
-        <p:nvSpPr>
-          <p:cNvPr id="88" name="CustomShape 2"/>
-          <p:cNvSpPr/>
-          <p:nvPr/>
-        </p:nvSpPr>
-        <p:spPr>
-          <a:xfrm>
-            <a:off x="107640" y="1484640"/>
-            <a:ext cx="8856720" cy="3198600"/>
-          </a:xfrm>
-          <a:prstGeom prst="rect">
-            <a:avLst/>
-          </a:prstGeom>
-          <a:noFill/>
-          <a:ln>
-            <a:noFill/>
-          </a:ln>
-        </p:spPr>
-        <p:style>
-          <a:lnRef idx="0"/>
-          <a:fillRef idx="0"/>
-          <a:effectRef idx="0"/>
-          <a:fontRef idx="minor"/>
-        </p:style>
-        <p:txBody>
-          <a:bodyPr lIns="90000" rIns="90000" tIns="45000" bIns="45000"/>
-          <a:p>
-            <a:pPr>
+              <a:t>Задачи: </a:t>
+            </a:r>
+            <a:endParaRPr lang="ru-RU" sz="3200" b="0" strike="noStrike" spc="-1" dirty="0">
+              <a:solidFill>
+                <a:srgbClr val="000000"/>
+              </a:solidFill>
+              <a:latin typeface="Calibri"/>
+            </a:endParaRPr>
+          </a:p>
+          <a:p>
+            <a:pPr marL="743040" lvl="1" indent="-285480">
               <a:lnSpc>
                 <a:spcPct val="100000"/>
               </a:lnSpc>
+              <a:spcBef>
+                <a:spcPts val="561"/>
+              </a:spcBef>
+              <a:buClr>
+                <a:srgbClr val="000000"/>
+              </a:buClr>
+              <a:buFont typeface="Arial"/>
+              <a:buChar char="–"/>
             </a:pPr>
             <a:r>
-              <a:rPr b="0" lang="ru-RU" sz="3600" spc="-1" strike="noStrike">
+              <a:rPr lang="ru-RU" sz="2800" b="0" strike="noStrike" spc="-1" dirty="0" smtClean="0">
                 <a:solidFill>
                   <a:srgbClr val="000000"/>
                 </a:solidFill>
                 <a:latin typeface="Times New Roman"/>
               </a:rPr>
-              <a:t>Микроконтроллер Arduino </a:t>
-            </a:r>
-            <a:r>
-              <a:rPr b="0" lang="ru-RU" sz="2800" spc="-1" strike="noStrike">
+              <a:t>Прочитать </a:t>
+            </a:r>
+            <a:r>
+              <a:rPr lang="ru-RU" sz="2800" b="0" strike="noStrike" spc="-1" dirty="0">
                 <a:solidFill>
                   <a:srgbClr val="000000"/>
                 </a:solidFill>
                 <a:latin typeface="Times New Roman"/>
               </a:rPr>
-              <a:t>- торговая марка аппаратно-программных средств для построения простых систем автоматики и робототехники ориентированная на непрофессиональных пользователей. в мире существуем множество разнообразных Arduino микроконтролерров такие как: Arduino Uno, Arduino Nano, Arduino Micro  и т.д.</a:t>
-            </a:r>
-            <a:endParaRPr b="0" lang="ru-RU" sz="2800" spc="-1" strike="noStrike">
-              <a:latin typeface="Arial"/>
-            </a:endParaRPr>
+              <a:t>необходимую литературу.</a:t>
+            </a:r>
+            <a:endParaRPr lang="ru-RU" sz="2800" b="0" strike="noStrike" spc="-1" dirty="0">
+              <a:solidFill>
+                <a:srgbClr val="000000"/>
+              </a:solidFill>
+              <a:latin typeface="Calibri"/>
+            </a:endParaRPr>
+          </a:p>
+          <a:p>
+            <a:pPr marL="743040" lvl="1" indent="-285480">
+              <a:lnSpc>
+                <a:spcPct val="100000"/>
+              </a:lnSpc>
+              <a:spcBef>
+                <a:spcPts val="561"/>
+              </a:spcBef>
+              <a:buClr>
+                <a:srgbClr val="000000"/>
+              </a:buClr>
+              <a:buFont typeface="Arial"/>
+              <a:buChar char="–"/>
+            </a:pPr>
+            <a:r>
+              <a:rPr lang="ru-RU" sz="2800" b="0" strike="noStrike" spc="-1" dirty="0" smtClean="0">
+                <a:solidFill>
+                  <a:srgbClr val="000000"/>
+                </a:solidFill>
+                <a:latin typeface="Times New Roman"/>
+              </a:rPr>
+              <a:t>Изучить основы программирования </a:t>
+            </a:r>
+            <a:r>
+              <a:rPr lang="ru-RU" sz="2800" b="0" strike="noStrike" spc="-1" dirty="0">
+                <a:solidFill>
+                  <a:srgbClr val="000000"/>
+                </a:solidFill>
+                <a:latin typeface="Times New Roman"/>
+              </a:rPr>
+              <a:t>и работы с </a:t>
+            </a:r>
+            <a:r>
+              <a:rPr lang="ru-RU" sz="2800" b="0" strike="noStrike" spc="-1" dirty="0" err="1">
+                <a:solidFill>
+                  <a:srgbClr val="000000"/>
+                </a:solidFill>
+                <a:latin typeface="Times New Roman"/>
+              </a:rPr>
+              <a:t>Arduino</a:t>
+            </a:r>
+            <a:r>
+              <a:rPr lang="ru-RU" sz="2800" b="0" strike="noStrike" spc="-1" dirty="0">
+                <a:solidFill>
+                  <a:srgbClr val="000000"/>
+                </a:solidFill>
+                <a:latin typeface="Times New Roman"/>
+              </a:rPr>
+              <a:t>.</a:t>
+            </a:r>
+            <a:endParaRPr lang="ru-RU" sz="2800" b="0" strike="noStrike" spc="-1" dirty="0">
+              <a:solidFill>
+                <a:srgbClr val="000000"/>
+              </a:solidFill>
+              <a:latin typeface="Calibri"/>
+            </a:endParaRPr>
+          </a:p>
+          <a:p>
+            <a:pPr marL="743040" lvl="1" indent="-285480">
+              <a:lnSpc>
+                <a:spcPct val="100000"/>
+              </a:lnSpc>
+              <a:spcBef>
+                <a:spcPts val="561"/>
+              </a:spcBef>
+              <a:buClr>
+                <a:srgbClr val="000000"/>
+              </a:buClr>
+              <a:buFont typeface="Arial"/>
+              <a:buChar char="–"/>
+            </a:pPr>
+            <a:r>
+              <a:rPr lang="ru-RU" sz="2800" b="0" strike="noStrike" spc="-1" dirty="0" smtClean="0">
+                <a:solidFill>
+                  <a:srgbClr val="000000"/>
+                </a:solidFill>
+                <a:latin typeface="Times New Roman"/>
+              </a:rPr>
+              <a:t>Собрать </a:t>
+            </a:r>
+            <a:r>
+              <a:rPr lang="ru-RU" sz="2800" b="0" strike="noStrike" spc="-1" dirty="0">
+                <a:solidFill>
+                  <a:srgbClr val="000000"/>
+                </a:solidFill>
+                <a:latin typeface="Times New Roman"/>
+              </a:rPr>
+              <a:t>схему и по схеме проект.</a:t>
+            </a:r>
+            <a:endParaRPr lang="ru-RU" sz="2800" b="0" strike="noStrike" spc="-1" dirty="0">
+              <a:solidFill>
+                <a:srgbClr val="000000"/>
+              </a:solidFill>
+              <a:latin typeface="Calibri"/>
+            </a:endParaRPr>
+          </a:p>
+          <a:p>
+            <a:pPr marL="743040" lvl="1" indent="-285480">
+              <a:lnSpc>
+                <a:spcPct val="100000"/>
+              </a:lnSpc>
+              <a:spcBef>
+                <a:spcPts val="561"/>
+              </a:spcBef>
+              <a:buClr>
+                <a:srgbClr val="000000"/>
+              </a:buClr>
+              <a:buFont typeface="Arial"/>
+              <a:buChar char="–"/>
+            </a:pPr>
+            <a:r>
+              <a:rPr lang="ru-RU" sz="2800" b="0" strike="noStrike" spc="-1" dirty="0">
+                <a:solidFill>
+                  <a:srgbClr val="000000"/>
+                </a:solidFill>
+                <a:latin typeface="Times New Roman"/>
+              </a:rPr>
+              <a:t>Написать прошивку.</a:t>
+            </a:r>
+            <a:endParaRPr lang="ru-RU" sz="2800" b="0" strike="noStrike" spc="-1" dirty="0">
+              <a:solidFill>
+                <a:srgbClr val="000000"/>
+              </a:solidFill>
+              <a:latin typeface="Calibri"/>
+            </a:endParaRPr>
+          </a:p>
+          <a:p>
+            <a:pPr marL="743040" lvl="1" indent="-285480">
+              <a:lnSpc>
+                <a:spcPct val="100000"/>
+              </a:lnSpc>
+              <a:spcBef>
+                <a:spcPts val="561"/>
+              </a:spcBef>
+              <a:buClr>
+                <a:srgbClr val="000000"/>
+              </a:buClr>
+              <a:buFont typeface="Arial"/>
+              <a:buChar char="–"/>
+            </a:pPr>
+            <a:r>
+              <a:rPr lang="ru-RU" sz="2800" b="0" strike="noStrike" spc="-1" dirty="0" smtClean="0">
+                <a:solidFill>
+                  <a:srgbClr val="000000"/>
+                </a:solidFill>
+                <a:latin typeface="Times New Roman"/>
+              </a:rPr>
+              <a:t>Написать </a:t>
+            </a:r>
+            <a:r>
+              <a:rPr lang="ru-RU" sz="2800" b="0" strike="noStrike" spc="-1" dirty="0">
+                <a:solidFill>
+                  <a:srgbClr val="000000"/>
+                </a:solidFill>
+                <a:latin typeface="Times New Roman"/>
+              </a:rPr>
+              <a:t>сайт диспетчера и связать его с проектом.</a:t>
+            </a:r>
+            <a:r>
+              <a:rPr dirty="0"/>
+              <a:t/>
+            </a:r>
+            <a:br>
+              <a:rPr dirty="0"/>
+            </a:br>
+            <a:r>
+              <a:rPr lang="ru-RU" sz="2800" b="0" strike="noStrike" spc="-1" dirty="0">
+                <a:solidFill>
+                  <a:srgbClr val="000000"/>
+                </a:solidFill>
+                <a:latin typeface="Calibri"/>
+              </a:rPr>
+              <a:t> </a:t>
+            </a:r>
           </a:p>
         </p:txBody>
       </p:sp>
     </p:spTree>
   </p:cSld>
+  <p:clrMapOvr>
+    <a:masterClrMapping/>
+  </p:clrMapOvr>
   <p:timing>
     <p:tnLst>
       <p:par>
-        <p:cTn id="7" dur="indefinite" restart="never" nodeType="tmRoot">
+        <p:cTn id="1" dur="indefinite" restart="never" nodeType="tmRoot">
           <p:childTnLst>
             <p:seq>
-              <p:cTn id="8" dur="indefinite" nodeType="mainSeq"/>
+              <p:cTn id="2" dur="indefinite" nodeType="mainSeq"/>
               <p:prevCondLst>
-                <p:cond delay="0" evt="onPrev">
+                <p:cond evt="onPrev" delay="0">
                   <p:tgtEl>
                     <p:sldTgt/>
                   </p:tgtEl>
                 </p:cond>
               </p:prevCondLst>
               <p:nextCondLst>
-                <p:cond delay="0" evt="onNext">
+                <p:cond evt="onNext" delay="0">
                   <p:tgtEl>
                     <p:sldTgt/>
                   </p:tgtEl>
@@ -4771,7 +5007,7 @@
 </file>
 
 <file path=ppt/slides/slide5.xml><?xml version="1.0" encoding="utf-8"?>
-<p:sld xmlns:a="http://schemas.openxmlformats.org/drawingml/2006/main" xmlns:p="http://schemas.openxmlformats.org/presentationml/2006/main" xmlns:r="http://schemas.openxmlformats.org/officeDocument/2006/relationships" xmlns:p14="http://schemas.microsoft.com/office/powerpoint/2010/main" xmlns:p15="http://schemas.microsoft.com/office/powerpoint/2012/main" xmlns:mc="http://schemas.openxmlformats.org/markup-compatibility/2006">
+<p:sld xmlns:a="http://schemas.openxmlformats.org/drawingml/2006/main" xmlns:r="http://schemas.openxmlformats.org/officeDocument/2006/relationships" xmlns:p="http://schemas.openxmlformats.org/presentationml/2006/main">
   <p:cSld>
     <p:spTree>
       <p:nvGrpSpPr>
@@ -4795,7 +5031,7 @@
         </p:nvSpPr>
         <p:spPr>
           <a:xfrm>
-            <a:off x="457200" y="274680"/>
+            <a:off x="457200" y="-99392"/>
             <a:ext cx="8229240" cy="1142640"/>
           </a:xfrm>
           <a:prstGeom prst="rect">
@@ -4808,6 +5044,7 @@
         </p:spPr>
         <p:txBody>
           <a:bodyPr anchor="ctr"/>
+          <a:lstStyle/>
           <a:p>
             <a:pPr algn="ctr">
               <a:lnSpc>
@@ -4815,7 +5052,7 @@
               </a:lnSpc>
             </a:pPr>
             <a:r>
-              <a:rPr b="0" lang="ru-RU" sz="4400" spc="-1" strike="noStrike">
+              <a:rPr lang="ru-RU" sz="4400" b="0" strike="noStrike" spc="-1">
                 <a:solidFill>
                   <a:srgbClr val="000000"/>
                 </a:solidFill>
@@ -4823,282 +5060,23 @@
               </a:rPr>
               <a:t>Микроконтроллер Arduino Uno</a:t>
             </a:r>
-            <a:endParaRPr b="0" lang="ru-RU" sz="4400" spc="-1" strike="noStrike">
-              <a:solidFill>
-                <a:srgbClr val="000000"/>
-              </a:solidFill>
-              <a:latin typeface="Calibri"/>
-            </a:endParaRPr>
-          </a:p>
-        </p:txBody>
-      </p:sp>
-      <p:sp>
-        <p:nvSpPr>
-          <p:cNvPr id="90" name="TextShape 2"/>
-          <p:cNvSpPr txBox="1"/>
-          <p:nvPr/>
-        </p:nvSpPr>
-        <p:spPr>
-          <a:xfrm>
-            <a:off x="0" y="1600200"/>
-            <a:ext cx="3923640" cy="4525560"/>
-          </a:xfrm>
-          <a:prstGeom prst="rect">
-            <a:avLst/>
-          </a:prstGeom>
-          <a:noFill/>
-          <a:ln>
-            <a:noFill/>
-          </a:ln>
-        </p:spPr>
-        <p:txBody>
-          <a:bodyPr>
-            <a:normAutofit/>
-          </a:bodyPr>
-          <a:p>
-            <a:pPr marL="343080" indent="-342720">
-              <a:lnSpc>
-                <a:spcPct val="100000"/>
-              </a:lnSpc>
-              <a:spcBef>
-                <a:spcPts val="1400"/>
-              </a:spcBef>
-              <a:buClr>
-                <a:srgbClr val="000000"/>
-              </a:buClr>
-              <a:buFont typeface="Arial"/>
-              <a:buChar char="•"/>
-            </a:pPr>
-            <a:r>
-              <a:rPr b="0" lang="ru-RU" sz="7000" spc="-1" strike="noStrike">
-                <a:solidFill>
-                  <a:srgbClr val="000000"/>
-                </a:solidFill>
-                <a:latin typeface="Times New Roman"/>
-              </a:rPr>
-              <a:t>Преимущества Arduino:</a:t>
-            </a:r>
-            <a:endParaRPr b="0" lang="ru-RU" sz="7000" spc="-1" strike="noStrike">
-              <a:solidFill>
-                <a:srgbClr val="000000"/>
-              </a:solidFill>
-              <a:latin typeface="Calibri"/>
-            </a:endParaRPr>
-          </a:p>
-          <a:p>
-            <a:pPr lvl="1" marL="743040" indent="-285480">
-              <a:lnSpc>
-                <a:spcPct val="100000"/>
-              </a:lnSpc>
-              <a:spcBef>
-                <a:spcPts val="1199"/>
-              </a:spcBef>
-              <a:buClr>
-                <a:srgbClr val="000000"/>
-              </a:buClr>
-              <a:buFont typeface="Arial"/>
-              <a:buChar char="–"/>
-            </a:pPr>
-            <a:r>
-              <a:rPr b="0" lang="ru-RU" sz="6000" spc="-1" strike="noStrike">
-                <a:solidFill>
-                  <a:srgbClr val="000000"/>
-                </a:solidFill>
-                <a:latin typeface="Times New Roman"/>
-              </a:rPr>
-              <a:t> </a:t>
-            </a:r>
-            <a:r>
-              <a:rPr b="0" lang="ru-RU" sz="6000" spc="-1" strike="noStrike">
-                <a:solidFill>
-                  <a:srgbClr val="000000"/>
-                </a:solidFill>
-                <a:latin typeface="Times New Roman"/>
-              </a:rPr>
-              <a:t>Открытый код</a:t>
-            </a:r>
-            <a:endParaRPr b="0" lang="ru-RU" sz="6000" spc="-1" strike="noStrike">
-              <a:solidFill>
-                <a:srgbClr val="000000"/>
-              </a:solidFill>
-              <a:latin typeface="Calibri"/>
-            </a:endParaRPr>
-          </a:p>
-          <a:p>
-            <a:pPr lvl="1" marL="743040" indent="-285480">
-              <a:lnSpc>
-                <a:spcPct val="100000"/>
-              </a:lnSpc>
-              <a:spcBef>
-                <a:spcPts val="1199"/>
-              </a:spcBef>
-              <a:buClr>
-                <a:srgbClr val="000000"/>
-              </a:buClr>
-              <a:buFont typeface="Arial"/>
-              <a:buChar char="–"/>
-            </a:pPr>
-            <a:r>
-              <a:rPr b="0" lang="ru-RU" sz="6000" spc="-1" strike="noStrike">
-                <a:solidFill>
-                  <a:srgbClr val="000000"/>
-                </a:solidFill>
-                <a:latin typeface="Times New Roman"/>
-              </a:rPr>
-              <a:t> </a:t>
-            </a:r>
-            <a:r>
-              <a:rPr b="0" lang="ru-RU" sz="6000" spc="-1" strike="noStrike">
-                <a:solidFill>
-                  <a:srgbClr val="000000"/>
-                </a:solidFill>
-                <a:latin typeface="Times New Roman"/>
-              </a:rPr>
-              <a:t>Среда программирования.</a:t>
-            </a:r>
-            <a:endParaRPr b="0" lang="ru-RU" sz="6000" spc="-1" strike="noStrike">
-              <a:solidFill>
-                <a:srgbClr val="000000"/>
-              </a:solidFill>
-              <a:latin typeface="Calibri"/>
-            </a:endParaRPr>
-          </a:p>
-          <a:p>
-            <a:pPr lvl="1" marL="743040" indent="-285480">
-              <a:lnSpc>
-                <a:spcPct val="100000"/>
-              </a:lnSpc>
-              <a:spcBef>
-                <a:spcPts val="1199"/>
-              </a:spcBef>
-              <a:buClr>
-                <a:srgbClr val="000000"/>
-              </a:buClr>
-              <a:buFont typeface="Arial"/>
-              <a:buChar char="–"/>
-            </a:pPr>
-            <a:r>
-              <a:rPr b="0" lang="ru-RU" sz="6000" spc="-1" strike="noStrike">
-                <a:solidFill>
-                  <a:srgbClr val="000000"/>
-                </a:solidFill>
-                <a:latin typeface="Times New Roman"/>
-              </a:rPr>
-              <a:t> </a:t>
-            </a:r>
-            <a:r>
-              <a:rPr b="0" lang="ru-RU" sz="6000" spc="-1" strike="noStrike">
-                <a:solidFill>
-                  <a:srgbClr val="000000"/>
-                </a:solidFill>
-                <a:latin typeface="Times New Roman"/>
-              </a:rPr>
-              <a:t>Удобство программирования и подключение питания.</a:t>
-            </a:r>
-            <a:endParaRPr b="0" lang="ru-RU" sz="6000" spc="-1" strike="noStrike">
-              <a:solidFill>
-                <a:srgbClr val="000000"/>
-              </a:solidFill>
-              <a:latin typeface="Calibri"/>
-            </a:endParaRPr>
-          </a:p>
-          <a:p>
-            <a:pPr lvl="1" marL="743040" indent="-285480">
-              <a:lnSpc>
-                <a:spcPct val="100000"/>
-              </a:lnSpc>
-              <a:spcBef>
-                <a:spcPts val="1199"/>
-              </a:spcBef>
-              <a:buClr>
-                <a:srgbClr val="000000"/>
-              </a:buClr>
-              <a:buFont typeface="Arial"/>
-              <a:buChar char="–"/>
-            </a:pPr>
-            <a:r>
-              <a:rPr b="0" lang="ru-RU" sz="6000" spc="-1" strike="noStrike">
-                <a:solidFill>
-                  <a:srgbClr val="000000"/>
-                </a:solidFill>
-                <a:latin typeface="Times New Roman"/>
-              </a:rPr>
-              <a:t> </a:t>
-            </a:r>
-            <a:r>
-              <a:rPr b="0" lang="ru-RU" sz="6000" spc="-1" strike="noStrike">
-                <a:solidFill>
-                  <a:srgbClr val="000000"/>
-                </a:solidFill>
-                <a:latin typeface="Times New Roman"/>
-              </a:rPr>
-              <a:t>Приемлемая цена.</a:t>
-            </a:r>
-            <a:endParaRPr b="0" lang="ru-RU" sz="6000" spc="-1" strike="noStrike">
-              <a:solidFill>
-                <a:srgbClr val="000000"/>
-              </a:solidFill>
-              <a:latin typeface="Calibri"/>
-            </a:endParaRPr>
-          </a:p>
-          <a:p>
-            <a:endParaRPr b="0" lang="ru-RU" sz="6000" spc="-1" strike="noStrike">
-              <a:solidFill>
-                <a:srgbClr val="000000"/>
-              </a:solidFill>
-              <a:latin typeface="Calibri"/>
-            </a:endParaRPr>
-          </a:p>
-          <a:p>
-            <a:endParaRPr b="0" lang="ru-RU" sz="6000" spc="-1" strike="noStrike">
-              <a:solidFill>
-                <a:srgbClr val="000000"/>
-              </a:solidFill>
-              <a:latin typeface="Calibri"/>
-            </a:endParaRPr>
-          </a:p>
-          <a:p>
-            <a:endParaRPr b="0" lang="ru-RU" sz="6000" spc="-1" strike="noStrike">
-              <a:solidFill>
-                <a:srgbClr val="000000"/>
-              </a:solidFill>
-              <a:latin typeface="Calibri"/>
-            </a:endParaRPr>
-          </a:p>
-          <a:p>
-            <a:pPr>
-              <a:lnSpc>
-                <a:spcPct val="100000"/>
-              </a:lnSpc>
-              <a:spcBef>
-                <a:spcPts val="641"/>
-              </a:spcBef>
-            </a:pPr>
-            <a:br/>
-            <a:br/>
-            <a:endParaRPr b="0" lang="ru-RU" sz="6000" spc="-1" strike="noStrike">
-              <a:solidFill>
-                <a:srgbClr val="000000"/>
-              </a:solidFill>
-              <a:latin typeface="Calibri"/>
-            </a:endParaRPr>
           </a:p>
         </p:txBody>
       </p:sp>
       <p:pic>
         <p:nvPicPr>
-          <p:cNvPr id="91" name="Picture 2" descr=""/>
+          <p:cNvPr id="91" name="Picture 2"/>
           <p:cNvPicPr/>
           <p:nvPr/>
         </p:nvPicPr>
         <p:blipFill>
-          <a:blip r:embed="rId1"/>
+          <a:blip r:embed="rId2"/>
           <a:stretch/>
         </p:blipFill>
         <p:spPr>
           <a:xfrm>
-            <a:off x="3456000" y="2918520"/>
-            <a:ext cx="5687640" cy="3943800"/>
+            <a:off x="0" y="1124744"/>
+            <a:ext cx="9143640" cy="5737576"/>
           </a:xfrm>
           <a:prstGeom prst="rect">
             <a:avLst/>
@@ -5110,22 +5088,25 @@
       </p:pic>
     </p:spTree>
   </p:cSld>
+  <p:clrMapOvr>
+    <a:masterClrMapping/>
+  </p:clrMapOvr>
   <p:timing>
     <p:tnLst>
       <p:par>
-        <p:cTn id="9" dur="indefinite" restart="never" nodeType="tmRoot">
+        <p:cTn id="1" dur="indefinite" restart="never" nodeType="tmRoot">
           <p:childTnLst>
             <p:seq>
-              <p:cTn id="10" dur="indefinite" nodeType="mainSeq"/>
+              <p:cTn id="2" dur="indefinite" nodeType="mainSeq"/>
               <p:prevCondLst>
-                <p:cond delay="0" evt="onPrev">
+                <p:cond evt="onPrev" delay="0">
                   <p:tgtEl>
                     <p:sldTgt/>
                   </p:tgtEl>
                 </p:cond>
               </p:prevCondLst>
               <p:nextCondLst>
-                <p:cond delay="0" evt="onNext">
+                <p:cond evt="onNext" delay="0">
                   <p:tgtEl>
                     <p:sldTgt/>
                   </p:tgtEl>
@@ -5141,7 +5122,7 @@
 </file>
 
 <file path=ppt/slides/slide6.xml><?xml version="1.0" encoding="utf-8"?>
-<p:sld xmlns:a="http://schemas.openxmlformats.org/drawingml/2006/main" xmlns:p="http://schemas.openxmlformats.org/presentationml/2006/main" xmlns:r="http://schemas.openxmlformats.org/officeDocument/2006/relationships" xmlns:p14="http://schemas.microsoft.com/office/powerpoint/2010/main" xmlns:p15="http://schemas.microsoft.com/office/powerpoint/2012/main" xmlns:mc="http://schemas.openxmlformats.org/markup-compatibility/2006">
+<p:sld xmlns:a="http://schemas.openxmlformats.org/drawingml/2006/main" xmlns:r="http://schemas.openxmlformats.org/officeDocument/2006/relationships" xmlns:p="http://schemas.openxmlformats.org/presentationml/2006/main">
   <p:cSld>
     <p:spTree>
       <p:nvGrpSpPr>
@@ -5159,14 +5140,14 @@
       </p:grpSpPr>
       <p:sp>
         <p:nvSpPr>
-          <p:cNvPr id="92" name="CustomShape 1"/>
-          <p:cNvSpPr/>
+          <p:cNvPr id="94" name="TextShape 1"/>
+          <p:cNvSpPr txBox="1"/>
           <p:nvPr/>
         </p:nvSpPr>
         <p:spPr>
           <a:xfrm>
-            <a:off x="1403640" y="73440"/>
-            <a:ext cx="7560360" cy="760680"/>
+            <a:off x="457200" y="274680"/>
+            <a:ext cx="8229240" cy="1142640"/>
           </a:xfrm>
           <a:prstGeom prst="rect">
             <a:avLst/>
@@ -5176,76 +5157,117 @@
             <a:noFill/>
           </a:ln>
         </p:spPr>
-        <p:style>
-          <a:lnRef idx="0"/>
-          <a:fillRef idx="0"/>
-          <a:effectRef idx="0"/>
-          <a:fontRef idx="minor"/>
-        </p:style>
-        <p:txBody>
-          <a:bodyPr lIns="90000" rIns="90000" tIns="45000" bIns="45000"/>
-          <a:p>
-            <a:pPr>
+        <p:txBody>
+          <a:bodyPr anchor="ctr"/>
+          <a:lstStyle/>
+          <a:p>
+            <a:pPr algn="ctr">
               <a:lnSpc>
                 <a:spcPct val="100000"/>
               </a:lnSpc>
             </a:pPr>
             <a:r>
-              <a:rPr b="0" lang="ru-RU" sz="4400" spc="-1" strike="noStrike">
+              <a:rPr lang="ru-RU" sz="4400" b="0" strike="noStrike" spc="-1">
                 <a:solidFill>
                   <a:srgbClr val="000000"/>
                 </a:solidFill>
                 <a:latin typeface="Times New Roman"/>
               </a:rPr>
-              <a:t>Развитие технологий </a:t>
-            </a:r>
-            <a:endParaRPr b="0" lang="ru-RU" sz="4400" spc="-1" strike="noStrike">
-              <a:latin typeface="Arial"/>
-            </a:endParaRPr>
-          </a:p>
-        </p:txBody>
-      </p:sp>
-      <p:pic>
-        <p:nvPicPr>
-          <p:cNvPr id="93" name="Рисунок 5" descr=""/>
-          <p:cNvPicPr/>
+              <a:t>Идея Проекта</a:t>
+            </a:r>
+            <a:endParaRPr lang="ru-RU" sz="4400" b="0" strike="noStrike" spc="-1">
+              <a:solidFill>
+                <a:srgbClr val="000000"/>
+              </a:solidFill>
+              <a:latin typeface="Calibri"/>
+            </a:endParaRPr>
+          </a:p>
+        </p:txBody>
+      </p:sp>
+      <p:sp>
+        <p:nvSpPr>
+          <p:cNvPr id="95" name="TextShape 2"/>
+          <p:cNvSpPr txBox="1"/>
           <p:nvPr/>
-        </p:nvPicPr>
-        <p:blipFill>
-          <a:blip r:embed="rId1"/>
-          <a:stretch/>
-        </p:blipFill>
-        <p:spPr>
-          <a:xfrm>
-            <a:off x="-1800" y="763200"/>
-            <a:ext cx="9145440" cy="6093000"/>
-          </a:xfrm>
-          <a:prstGeom prst="rect">
-            <a:avLst/>
-          </a:prstGeom>
+        </p:nvSpPr>
+        <p:spPr>
+          <a:xfrm>
+            <a:off x="457200" y="1600200"/>
+            <a:ext cx="8229240" cy="4525560"/>
+          </a:xfrm>
+          <a:prstGeom prst="rect">
+            <a:avLst/>
+          </a:prstGeom>
+          <a:noFill/>
           <a:ln>
             <a:noFill/>
           </a:ln>
         </p:spPr>
-      </p:pic>
+        <p:txBody>
+          <a:bodyPr/>
+          <a:lstStyle/>
+          <a:p>
+            <a:pPr marL="343080" indent="-342720">
+              <a:lnSpc>
+                <a:spcPct val="100000"/>
+              </a:lnSpc>
+              <a:spcBef>
+                <a:spcPts val="641"/>
+              </a:spcBef>
+              <a:buClr>
+                <a:srgbClr val="000000"/>
+              </a:buClr>
+              <a:buFont typeface="Arial"/>
+              <a:buChar char="•"/>
+            </a:pPr>
+            <a:r>
+              <a:rPr lang="ru-RU" sz="3200" b="0" strike="noStrike" spc="-1" dirty="0">
+                <a:solidFill>
+                  <a:srgbClr val="000000"/>
+                </a:solidFill>
+                <a:latin typeface="Calibri"/>
+              </a:rPr>
+              <a:t>Основной идеей проекта </a:t>
+            </a:r>
+            <a:r>
+              <a:rPr lang="ru-RU" sz="3200" b="0" strike="noStrike" spc="-1" dirty="0" smtClean="0">
+                <a:solidFill>
+                  <a:srgbClr val="000000"/>
+                </a:solidFill>
+                <a:latin typeface="Calibri"/>
+              </a:rPr>
+              <a:t>была: Сделать систему светофоров, у которого несколько режимов работы : первый- на одной дороге трафик больше, следовательно и время на зеленый цвет  больше, чем на второй, второй- это ночной, третий- для важных мероприятий, и режим с кнопкой на одной дороге.</a:t>
+            </a:r>
+            <a:endParaRPr lang="ru-RU" sz="3200" b="0" strike="noStrike" spc="-1" dirty="0">
+              <a:solidFill>
+                <a:srgbClr val="000000"/>
+              </a:solidFill>
+              <a:latin typeface="Calibri"/>
+            </a:endParaRPr>
+          </a:p>
+        </p:txBody>
+      </p:sp>
     </p:spTree>
   </p:cSld>
+  <p:clrMapOvr>
+    <a:masterClrMapping/>
+  </p:clrMapOvr>
   <p:timing>
     <p:tnLst>
       <p:par>
-        <p:cTn id="11" dur="indefinite" restart="never" nodeType="tmRoot">
+        <p:cTn id="1" dur="indefinite" restart="never" nodeType="tmRoot">
           <p:childTnLst>
             <p:seq>
-              <p:cTn id="12" dur="indefinite" nodeType="mainSeq"/>
+              <p:cTn id="2" dur="indefinite" nodeType="mainSeq"/>
               <p:prevCondLst>
-                <p:cond delay="0" evt="onPrev">
+                <p:cond evt="onPrev" delay="0">
                   <p:tgtEl>
                     <p:sldTgt/>
                   </p:tgtEl>
                 </p:cond>
               </p:prevCondLst>
               <p:nextCondLst>
-                <p:cond delay="0" evt="onNext">
+                <p:cond evt="onNext" delay="0">
                   <p:tgtEl>
                     <p:sldTgt/>
                   </p:tgtEl>
@@ -5261,7 +5283,7 @@
 </file>
 
 <file path=ppt/slides/slide7.xml><?xml version="1.0" encoding="utf-8"?>
-<p:sld xmlns:a="http://schemas.openxmlformats.org/drawingml/2006/main" xmlns:p="http://schemas.openxmlformats.org/presentationml/2006/main" xmlns:r="http://schemas.openxmlformats.org/officeDocument/2006/relationships" xmlns:p14="http://schemas.microsoft.com/office/powerpoint/2010/main" xmlns:p15="http://schemas.microsoft.com/office/powerpoint/2012/main" xmlns:mc="http://schemas.openxmlformats.org/markup-compatibility/2006">
+<p:sld xmlns:a="http://schemas.openxmlformats.org/drawingml/2006/main" xmlns:r="http://schemas.openxmlformats.org/officeDocument/2006/relationships" xmlns:p="http://schemas.openxmlformats.org/presentationml/2006/main">
   <p:cSld>
     <p:spTree>
       <p:nvGrpSpPr>
@@ -5279,7 +5301,7 @@
       </p:grpSpPr>
       <p:sp>
         <p:nvSpPr>
-          <p:cNvPr id="94" name="TextShape 1"/>
+          <p:cNvPr id="96" name="TextShape 1"/>
           <p:cNvSpPr txBox="1"/>
           <p:nvPr/>
         </p:nvSpPr>
@@ -5298,6 +5320,7 @@
         </p:spPr>
         <p:txBody>
           <a:bodyPr anchor="ctr"/>
+          <a:lstStyle/>
           <a:p>
             <a:pPr algn="ctr">
               <a:lnSpc>
@@ -5305,26 +5328,20 @@
               </a:lnSpc>
             </a:pPr>
             <a:r>
-              <a:rPr b="0" lang="ru-RU" sz="4400" spc="-1" strike="noStrike">
-                <a:solidFill>
-                  <a:srgbClr val="000000"/>
-                </a:solidFill>
-                <a:latin typeface="Times New Roman"/>
-              </a:rPr>
-              <a:t>Идея Проекта</a:t>
-            </a:r>
-            <a:endParaRPr b="0" lang="ru-RU" sz="4400" spc="-1" strike="noStrike">
-              <a:solidFill>
-                <a:srgbClr val="000000"/>
-              </a:solidFill>
-              <a:latin typeface="Calibri"/>
-            </a:endParaRPr>
-          </a:p>
-        </p:txBody>
-      </p:sp>
-      <p:sp>
-        <p:nvSpPr>
-          <p:cNvPr id="95" name="TextShape 2"/>
+              <a:rPr lang="ru-RU" sz="4400" b="0" strike="noStrike" spc="-1">
+                <a:solidFill>
+                  <a:srgbClr val="000000"/>
+                </a:solidFill>
+                <a:latin typeface="Calibri"/>
+              </a:rPr>
+              <a:t>Перечень оборудования</a:t>
+            </a:r>
+          </a:p>
+        </p:txBody>
+      </p:sp>
+      <p:sp>
+        <p:nvSpPr>
+          <p:cNvPr id="97" name="TextShape 2"/>
           <p:cNvSpPr txBox="1"/>
           <p:nvPr/>
         </p:nvSpPr>
@@ -5343,6 +5360,7 @@
         </p:spPr>
         <p:txBody>
           <a:bodyPr/>
+          <a:lstStyle/>
           <a:p>
             <a:pPr marL="343080" indent="-342720">
               <a:lnSpc>
@@ -5358,41 +5376,275 @@
               <a:buChar char="•"/>
             </a:pPr>
             <a:r>
-              <a:rPr b="0" lang="ru-RU" sz="3200" spc="-1" strike="noStrike">
+              <a:rPr lang="ru-RU" sz="3200" b="0" strike="noStrike" spc="-1" dirty="0" err="1">
                 <a:solidFill>
                   <a:srgbClr val="000000"/>
                 </a:solidFill>
                 <a:latin typeface="Calibri"/>
               </a:rPr>
-              <a:t>Основной идеей проекта была: обеспечить безопасность движения на дорогах. При помощи датчиков датчиков движения управляемые Arduino.</a:t>
-            </a:r>
-            <a:endParaRPr b="0" lang="ru-RU" sz="3200" spc="-1" strike="noStrike">
-              <a:solidFill>
-                <a:srgbClr val="000000"/>
-              </a:solidFill>
-              <a:latin typeface="Calibri"/>
-            </a:endParaRPr>
+              <a:t>Arduino</a:t>
+            </a:r>
+            <a:r>
+              <a:rPr lang="ru-RU" sz="3200" b="0" strike="noStrike" spc="-1" dirty="0">
+                <a:solidFill>
+                  <a:srgbClr val="000000"/>
+                </a:solidFill>
+                <a:latin typeface="Calibri"/>
+              </a:rPr>
+              <a:t> </a:t>
+            </a:r>
+            <a:r>
+              <a:rPr lang="ru-RU" sz="3200" b="0" strike="noStrike" spc="-1" dirty="0" err="1">
+                <a:solidFill>
+                  <a:srgbClr val="000000"/>
+                </a:solidFill>
+                <a:latin typeface="Calibri"/>
+              </a:rPr>
+              <a:t>Uno</a:t>
+            </a:r>
+            <a:r>
+              <a:rPr lang="ru-RU" sz="3200" b="0" strike="noStrike" spc="-1" dirty="0">
+                <a:solidFill>
+                  <a:srgbClr val="000000"/>
+                </a:solidFill>
+                <a:latin typeface="Calibri"/>
+              </a:rPr>
+              <a:t>;</a:t>
+            </a:r>
+          </a:p>
+          <a:p>
+            <a:pPr marL="343080" indent="-342720">
+              <a:lnSpc>
+                <a:spcPct val="100000"/>
+              </a:lnSpc>
+              <a:spcBef>
+                <a:spcPts val="641"/>
+              </a:spcBef>
+              <a:buClr>
+                <a:srgbClr val="000000"/>
+              </a:buClr>
+              <a:buFont typeface="Arial"/>
+              <a:buChar char="•"/>
+            </a:pPr>
+            <a:r>
+              <a:rPr lang="ru-RU" sz="3200" spc="-1" dirty="0" smtClean="0">
+                <a:solidFill>
+                  <a:srgbClr val="000000"/>
+                </a:solidFill>
+                <a:latin typeface="Calibri"/>
+              </a:rPr>
+              <a:t>Фоторезистор</a:t>
+            </a:r>
+            <a:r>
+              <a:rPr lang="ru-RU" sz="3200" b="0" strike="noStrike" spc="-1" dirty="0" smtClean="0">
+                <a:solidFill>
+                  <a:srgbClr val="000000"/>
+                </a:solidFill>
+                <a:latin typeface="Calibri"/>
+              </a:rPr>
+              <a:t>;</a:t>
+            </a:r>
+          </a:p>
+          <a:p>
+            <a:pPr marL="343080" indent="-342720">
+              <a:lnSpc>
+                <a:spcPct val="100000"/>
+              </a:lnSpc>
+              <a:spcBef>
+                <a:spcPts val="641"/>
+              </a:spcBef>
+              <a:buClr>
+                <a:srgbClr val="000000"/>
+              </a:buClr>
+              <a:buFont typeface="Arial"/>
+              <a:buChar char="•"/>
+            </a:pPr>
+            <a:r>
+              <a:rPr lang="ru-RU" sz="3200" spc="-1" dirty="0" smtClean="0">
+                <a:solidFill>
+                  <a:srgbClr val="000000"/>
+                </a:solidFill>
+                <a:latin typeface="Calibri"/>
+              </a:rPr>
+              <a:t>Кнопка</a:t>
+            </a:r>
+            <a:r>
+              <a:rPr lang="en-US" sz="3200" spc="-1" dirty="0" smtClean="0">
+                <a:solidFill>
+                  <a:srgbClr val="000000"/>
+                </a:solidFill>
+                <a:latin typeface="Calibri"/>
+              </a:rPr>
+              <a:t>;</a:t>
+            </a:r>
+          </a:p>
+          <a:p>
+            <a:pPr marL="343080" indent="-342720">
+              <a:lnSpc>
+                <a:spcPct val="100000"/>
+              </a:lnSpc>
+              <a:spcBef>
+                <a:spcPts val="641"/>
+              </a:spcBef>
+              <a:buClr>
+                <a:srgbClr val="000000"/>
+              </a:buClr>
+              <a:buFont typeface="Arial"/>
+              <a:buChar char="•"/>
+            </a:pPr>
+            <a:r>
+              <a:rPr lang="ru-RU" sz="3200" b="0" strike="noStrike" spc="-1" dirty="0" smtClean="0">
+                <a:solidFill>
+                  <a:srgbClr val="000000"/>
+                </a:solidFill>
+                <a:latin typeface="Calibri"/>
+              </a:rPr>
+              <a:t>Резисторы</a:t>
+            </a:r>
+            <a:r>
+              <a:rPr lang="en-US" sz="3200" spc="-1" dirty="0" smtClean="0">
+                <a:solidFill>
+                  <a:srgbClr val="000000"/>
+                </a:solidFill>
+                <a:latin typeface="Calibri"/>
+              </a:rPr>
+              <a:t>;</a:t>
+            </a:r>
+          </a:p>
+          <a:p>
+            <a:pPr marL="343080" indent="-342720">
+              <a:lnSpc>
+                <a:spcPct val="100000"/>
+              </a:lnSpc>
+              <a:spcBef>
+                <a:spcPts val="641"/>
+              </a:spcBef>
+              <a:buClr>
+                <a:srgbClr val="000000"/>
+              </a:buClr>
+              <a:buFont typeface="Arial"/>
+              <a:buChar char="•"/>
+            </a:pPr>
+            <a:r>
+              <a:rPr lang="ru-RU" sz="3200" spc="-1" dirty="0" smtClean="0">
+                <a:solidFill>
+                  <a:srgbClr val="000000"/>
+                </a:solidFill>
+                <a:latin typeface="Calibri"/>
+              </a:rPr>
+              <a:t>Ик-контроллер, ИК-пульт</a:t>
+            </a:r>
+            <a:r>
+              <a:rPr lang="en-US" sz="3200" spc="-1" dirty="0">
+                <a:solidFill>
+                  <a:srgbClr val="000000"/>
+                </a:solidFill>
+                <a:latin typeface="Calibri"/>
+              </a:rPr>
+              <a:t>;</a:t>
+            </a:r>
+            <a:endParaRPr lang="ru-RU" sz="3200" b="0" strike="noStrike" spc="-1" dirty="0">
+              <a:solidFill>
+                <a:srgbClr val="000000"/>
+              </a:solidFill>
+              <a:latin typeface="Calibri"/>
+            </a:endParaRPr>
+          </a:p>
+          <a:p>
+            <a:pPr marL="343080" indent="-342720">
+              <a:lnSpc>
+                <a:spcPct val="100000"/>
+              </a:lnSpc>
+              <a:spcBef>
+                <a:spcPts val="641"/>
+              </a:spcBef>
+              <a:buClr>
+                <a:srgbClr val="000000"/>
+              </a:buClr>
+              <a:buFont typeface="Arial"/>
+              <a:buChar char="•"/>
+            </a:pPr>
+            <a:r>
+              <a:rPr lang="ru-RU" sz="3200" b="0" strike="noStrike" spc="-1" dirty="0">
+                <a:solidFill>
+                  <a:srgbClr val="000000"/>
+                </a:solidFill>
+                <a:latin typeface="Calibri"/>
+              </a:rPr>
+              <a:t>Светодиоды;</a:t>
+            </a:r>
+          </a:p>
+          <a:p>
+            <a:pPr marL="343080" indent="-342720">
+              <a:lnSpc>
+                <a:spcPct val="100000"/>
+              </a:lnSpc>
+              <a:spcBef>
+                <a:spcPts val="641"/>
+              </a:spcBef>
+              <a:buClr>
+                <a:srgbClr val="000000"/>
+              </a:buClr>
+              <a:buFont typeface="Arial"/>
+              <a:buChar char="•"/>
+            </a:pPr>
+            <a:r>
+              <a:rPr lang="ru-RU" sz="3200" b="0" strike="noStrike" spc="-1" dirty="0">
+                <a:solidFill>
+                  <a:srgbClr val="000000"/>
+                </a:solidFill>
+                <a:latin typeface="Calibri"/>
+              </a:rPr>
+              <a:t>Провода;</a:t>
+            </a:r>
+          </a:p>
+          <a:p>
+            <a:pPr marL="343080" indent="-342720">
+              <a:lnSpc>
+                <a:spcPct val="100000"/>
+              </a:lnSpc>
+              <a:spcBef>
+                <a:spcPts val="641"/>
+              </a:spcBef>
+              <a:buClr>
+                <a:srgbClr val="000000"/>
+              </a:buClr>
+              <a:buFont typeface="Arial"/>
+              <a:buChar char="•"/>
+            </a:pPr>
+            <a:r>
+              <a:rPr lang="ru-RU" sz="3200" b="0" strike="noStrike" spc="-1" dirty="0">
+                <a:solidFill>
+                  <a:srgbClr val="000000"/>
+                </a:solidFill>
+                <a:latin typeface="Calibri"/>
+              </a:rPr>
+              <a:t>Основа, имитирующая перекресток.</a:t>
+            </a:r>
           </a:p>
         </p:txBody>
       </p:sp>
     </p:spTree>
   </p:cSld>
+  <p:clrMapOvr>
+    <a:masterClrMapping/>
+  </p:clrMapOvr>
   <p:timing>
     <p:tnLst>
       <p:par>
-        <p:cTn id="13" dur="indefinite" restart="never" nodeType="tmRoot">
+        <p:cTn id="1" dur="indefinite" restart="never" nodeType="tmRoot">
           <p:childTnLst>
             <p:seq>
-              <p:cTn id="14" dur="indefinite" nodeType="mainSeq"/>
+              <p:cTn id="2" dur="indefinite" nodeType="mainSeq"/>
               <p:prevCondLst>
-                <p:cond delay="0" evt="onPrev">
+                <p:cond evt="onPrev" delay="0">
                   <p:tgtEl>
                     <p:sldTgt/>
                   </p:tgtEl>
                 </p:cond>
               </p:prevCondLst>
               <p:nextCondLst>
-                <p:cond delay="0" evt="onNext">
+                <p:cond evt="onNext" delay="0">
                   <p:tgtEl>
                     <p:sldTgt/>
                   </p:tgtEl>
@@ -5408,7 +5660,7 @@
 </file>
 
 <file path=ppt/slides/slide8.xml><?xml version="1.0" encoding="utf-8"?>
-<p:sld xmlns:a="http://schemas.openxmlformats.org/drawingml/2006/main" xmlns:p="http://schemas.openxmlformats.org/presentationml/2006/main" xmlns:r="http://schemas.openxmlformats.org/officeDocument/2006/relationships" xmlns:p14="http://schemas.microsoft.com/office/powerpoint/2010/main" xmlns:p15="http://schemas.microsoft.com/office/powerpoint/2012/main" xmlns:mc="http://schemas.openxmlformats.org/markup-compatibility/2006">
+<p:sld xmlns:a="http://schemas.openxmlformats.org/drawingml/2006/main" xmlns:r="http://schemas.openxmlformats.org/officeDocument/2006/relationships" xmlns:p="http://schemas.openxmlformats.org/presentationml/2006/main">
   <p:cSld>
     <p:spTree>
       <p:nvGrpSpPr>
@@ -5426,7 +5678,7 @@
       </p:grpSpPr>
       <p:sp>
         <p:nvSpPr>
-          <p:cNvPr id="96" name="TextShape 1"/>
+          <p:cNvPr id="98" name="TextShape 1"/>
           <p:cNvSpPr txBox="1"/>
           <p:nvPr/>
         </p:nvSpPr>
@@ -5445,6 +5697,7 @@
         </p:spPr>
         <p:txBody>
           <a:bodyPr anchor="ctr"/>
+          <a:lstStyle/>
           <a:p>
             <a:pPr algn="ctr">
               <a:lnSpc>
@@ -5452,26 +5705,20 @@
               </a:lnSpc>
             </a:pPr>
             <a:r>
-              <a:rPr b="0" lang="ru-RU" sz="4400" spc="-1" strike="noStrike">
+              <a:rPr lang="ru-RU" sz="4400" b="0" strike="noStrike" spc="-1">
                 <a:solidFill>
                   <a:srgbClr val="000000"/>
                 </a:solidFill>
                 <a:latin typeface="Calibri"/>
               </a:rPr>
-              <a:t>Перечень оборудования</a:t>
-            </a:r>
-            <a:endParaRPr b="0" lang="ru-RU" sz="4400" spc="-1" strike="noStrike">
-              <a:solidFill>
-                <a:srgbClr val="000000"/>
-              </a:solidFill>
-              <a:latin typeface="Calibri"/>
-            </a:endParaRPr>
-          </a:p>
-        </p:txBody>
-      </p:sp>
-      <p:sp>
-        <p:nvSpPr>
-          <p:cNvPr id="97" name="TextShape 2"/>
+              <a:t>Смета</a:t>
+            </a:r>
+          </a:p>
+        </p:txBody>
+      </p:sp>
+      <p:sp>
+        <p:nvSpPr>
+          <p:cNvPr id="99" name="TextShape 2"/>
           <p:cNvSpPr txBox="1"/>
           <p:nvPr/>
         </p:nvSpPr>
@@ -5490,6 +5737,7 @@
         </p:spPr>
         <p:txBody>
           <a:bodyPr/>
+          <a:lstStyle/>
           <a:p>
             <a:pPr marL="343080" indent="-342720">
               <a:lnSpc>
@@ -5505,20 +5753,41 @@
               <a:buChar char="•"/>
             </a:pPr>
             <a:r>
-              <a:rPr b="0" lang="ru-RU" sz="3200" spc="-1" strike="noStrike">
+              <a:rPr lang="ru-RU" sz="3200" b="0" strike="noStrike" spc="-1" dirty="0" err="1">
                 <a:solidFill>
                   <a:srgbClr val="000000"/>
                 </a:solidFill>
                 <a:latin typeface="Calibri"/>
               </a:rPr>
-              <a:t>Arduino Uno;</a:t>
-            </a:r>
-            <a:endParaRPr b="0" lang="ru-RU" sz="3200" spc="-1" strike="noStrike">
-              <a:solidFill>
-                <a:srgbClr val="000000"/>
-              </a:solidFill>
-              <a:latin typeface="Calibri"/>
-            </a:endParaRPr>
+              <a:t>Arduino</a:t>
+            </a:r>
+            <a:r>
+              <a:rPr lang="ru-RU" sz="3200" b="0" strike="noStrike" spc="-1" dirty="0">
+                <a:solidFill>
+                  <a:srgbClr val="000000"/>
+                </a:solidFill>
+                <a:latin typeface="Calibri"/>
+              </a:rPr>
+              <a:t> </a:t>
+            </a:r>
+            <a:r>
+              <a:rPr lang="ru-RU" sz="3200" b="0" strike="noStrike" spc="-1" dirty="0" err="1">
+                <a:solidFill>
+                  <a:srgbClr val="000000"/>
+                </a:solidFill>
+                <a:latin typeface="Calibri"/>
+              </a:rPr>
+              <a:t>Uno</a:t>
+            </a:r>
+            <a:r>
+              <a:rPr lang="ru-RU" sz="3200" b="0" strike="noStrike" spc="-1" dirty="0">
+                <a:solidFill>
+                  <a:srgbClr val="000000"/>
+                </a:solidFill>
+                <a:latin typeface="Calibri"/>
+              </a:rPr>
+              <a:t>- 1700р (1шт)</a:t>
+            </a:r>
           </a:p>
           <a:p>
             <a:pPr marL="343080" indent="-342720">
@@ -5535,20 +5804,59 @@
               <a:buChar char="•"/>
             </a:pPr>
             <a:r>
-              <a:rPr b="0" lang="ru-RU" sz="3200" spc="-1" strike="noStrike">
+              <a:rPr lang="ru-RU" sz="3200" b="0" strike="noStrike" spc="-1" dirty="0">
                 <a:solidFill>
                   <a:srgbClr val="000000"/>
                 </a:solidFill>
                 <a:latin typeface="Calibri"/>
               </a:rPr>
-              <a:t>Датчики движения;</a:t>
-            </a:r>
-            <a:endParaRPr b="0" lang="ru-RU" sz="3200" spc="-1" strike="noStrike">
-              <a:solidFill>
-                <a:srgbClr val="000000"/>
-              </a:solidFill>
-              <a:latin typeface="Calibri"/>
-            </a:endParaRPr>
+              <a:t>Светодиоды- </a:t>
+            </a:r>
+            <a:r>
+              <a:rPr lang="en-US" sz="3200" b="0" strike="noStrike" spc="-1" dirty="0" smtClean="0">
+                <a:solidFill>
+                  <a:srgbClr val="000000"/>
+                </a:solidFill>
+                <a:latin typeface="Calibri"/>
+              </a:rPr>
+              <a:t>10</a:t>
+            </a:r>
+            <a:r>
+              <a:rPr lang="ru-RU" sz="3200" b="0" strike="noStrike" spc="-1" dirty="0" smtClean="0">
+                <a:solidFill>
+                  <a:srgbClr val="000000"/>
+                </a:solidFill>
+                <a:latin typeface="Calibri"/>
+              </a:rPr>
+              <a:t>0р (</a:t>
+            </a:r>
+            <a:r>
+              <a:rPr lang="en-US" sz="3200" b="0" strike="noStrike" spc="-1" dirty="0" smtClean="0">
+                <a:solidFill>
+                  <a:srgbClr val="000000"/>
+                </a:solidFill>
+                <a:latin typeface="Calibri"/>
+              </a:rPr>
+              <a:t>10</a:t>
+            </a:r>
+            <a:r>
+              <a:rPr lang="ru-RU" sz="3200" b="0" strike="noStrike" spc="-1" dirty="0" err="1" smtClean="0">
+                <a:solidFill>
+                  <a:srgbClr val="000000"/>
+                </a:solidFill>
+                <a:latin typeface="Calibri"/>
+              </a:rPr>
+              <a:t>шт</a:t>
+            </a:r>
+            <a:r>
+              <a:rPr lang="ru-RU" sz="3200" b="0" strike="noStrike" spc="-1" dirty="0">
+                <a:solidFill>
+                  <a:srgbClr val="000000"/>
+                </a:solidFill>
+                <a:latin typeface="Calibri"/>
+              </a:rPr>
+              <a:t>)</a:t>
+            </a:r>
           </a:p>
           <a:p>
             <a:pPr marL="343080" indent="-342720">
@@ -5565,20 +5873,14 @@
               <a:buChar char="•"/>
             </a:pPr>
             <a:r>
-              <a:rPr b="0" lang="ru-RU" sz="3200" spc="-1" strike="noStrike">
+              <a:rPr lang="ru-RU" sz="3200" b="0" strike="noStrike" spc="-1" dirty="0">
                 <a:solidFill>
                   <a:srgbClr val="000000"/>
                 </a:solidFill>
                 <a:latin typeface="Calibri"/>
               </a:rPr>
-              <a:t>Светодиоды;</a:t>
-            </a:r>
-            <a:endParaRPr b="0" lang="ru-RU" sz="3200" spc="-1" strike="noStrike">
-              <a:solidFill>
-                <a:srgbClr val="000000"/>
-              </a:solidFill>
-              <a:latin typeface="Calibri"/>
-            </a:endParaRPr>
+              <a:t>Провода- 290р (65шт)</a:t>
+            </a:r>
           </a:p>
           <a:p>
             <a:pPr marL="343080" indent="-342720">
@@ -5595,20 +5897,50 @@
               <a:buChar char="•"/>
             </a:pPr>
             <a:r>
-              <a:rPr b="0" lang="ru-RU" sz="3200" spc="-1" strike="noStrike">
+              <a:rPr lang="ru-RU" sz="3200" spc="-1" dirty="0" smtClean="0">
                 <a:solidFill>
                   <a:srgbClr val="000000"/>
                 </a:solidFill>
                 <a:latin typeface="Calibri"/>
               </a:rPr>
-              <a:t>Провода;</a:t>
-            </a:r>
-            <a:endParaRPr b="0" lang="ru-RU" sz="3200" spc="-1" strike="noStrike">
-              <a:solidFill>
-                <a:srgbClr val="000000"/>
-              </a:solidFill>
-              <a:latin typeface="Calibri"/>
-            </a:endParaRPr>
+              <a:t>Фоторезистор</a:t>
+            </a:r>
+            <a:r>
+              <a:rPr lang="en-US" sz="3200" b="0" strike="noStrike" spc="-1" dirty="0" smtClean="0">
+                <a:solidFill>
+                  <a:srgbClr val="000000"/>
+                </a:solidFill>
+                <a:latin typeface="Calibri"/>
+              </a:rPr>
+              <a:t>- </a:t>
+            </a:r>
+            <a:r>
+              <a:rPr lang="ru-RU" sz="3200" b="0" strike="noStrike" spc="-1" dirty="0" smtClean="0">
+                <a:solidFill>
+                  <a:srgbClr val="000000"/>
+                </a:solidFill>
+                <a:latin typeface="Calibri"/>
+              </a:rPr>
+              <a:t>680р </a:t>
+            </a:r>
+            <a:r>
+              <a:rPr lang="ru-RU" sz="3200" b="0" strike="noStrike" spc="-1" dirty="0">
+                <a:solidFill>
+                  <a:srgbClr val="000000"/>
+                </a:solidFill>
+                <a:latin typeface="Calibri"/>
+              </a:rPr>
+              <a:t>(2шт</a:t>
+            </a:r>
+            <a:r>
+              <a:rPr lang="ru-RU" sz="3200" b="0" strike="noStrike" spc="-1" dirty="0" smtClean="0">
+                <a:solidFill>
+                  <a:srgbClr val="000000"/>
+                </a:solidFill>
+                <a:latin typeface="Calibri"/>
+              </a:rPr>
+              <a:t>)</a:t>
+            </a:r>
           </a:p>
           <a:p>
             <a:pPr marL="343080" indent="-342720">
@@ -5625,15 +5957,133 @@
               <a:buChar char="•"/>
             </a:pPr>
             <a:r>
-              <a:rPr b="0" lang="ru-RU" sz="3200" spc="-1" strike="noStrike">
+              <a:rPr lang="ru-RU" sz="3200" spc="-1" dirty="0" smtClean="0">
                 <a:solidFill>
                   <a:srgbClr val="000000"/>
                 </a:solidFill>
                 <a:latin typeface="Calibri"/>
               </a:rPr>
-              <a:t>Основа, имитирующая перекресток.</a:t>
-            </a:r>
-            <a:endParaRPr b="0" lang="ru-RU" sz="3200" spc="-1" strike="noStrike">
+              <a:t>Кнопка – 10р (1шт)</a:t>
+            </a:r>
+          </a:p>
+          <a:p>
+            <a:pPr marL="343080" indent="-342720">
+              <a:lnSpc>
+                <a:spcPct val="100000"/>
+              </a:lnSpc>
+              <a:spcBef>
+                <a:spcPts val="641"/>
+              </a:spcBef>
+              <a:buClr>
+                <a:srgbClr val="000000"/>
+              </a:buClr>
+              <a:buFont typeface="Arial"/>
+              <a:buChar char="•"/>
+            </a:pPr>
+            <a:r>
+              <a:rPr lang="ru-RU" sz="3200" b="0" strike="noStrike" spc="-1" dirty="0" smtClean="0">
+                <a:solidFill>
+                  <a:srgbClr val="000000"/>
+                </a:solidFill>
+                <a:latin typeface="Calibri"/>
+              </a:rPr>
+              <a:t>Резисторы – 350р(набор)</a:t>
+            </a:r>
+          </a:p>
+          <a:p>
+            <a:pPr marL="343080" indent="-342720">
+              <a:lnSpc>
+                <a:spcPct val="100000"/>
+              </a:lnSpc>
+              <a:spcBef>
+                <a:spcPts val="641"/>
+              </a:spcBef>
+              <a:buClr>
+                <a:srgbClr val="000000"/>
+              </a:buClr>
+              <a:buFont typeface="Arial"/>
+              <a:buChar char="•"/>
+            </a:pPr>
+            <a:r>
+              <a:rPr lang="ru-RU" sz="3200" spc="-1" dirty="0" smtClean="0">
+                <a:solidFill>
+                  <a:srgbClr val="000000"/>
+                </a:solidFill>
+                <a:latin typeface="Calibri"/>
+              </a:rPr>
+              <a:t>Ик-пульт, ИК-приемник – 200р(1шт)</a:t>
+            </a:r>
+            <a:endParaRPr lang="ru-RU" sz="3200" b="0" strike="noStrike" spc="-1" dirty="0">
+              <a:solidFill>
+                <a:srgbClr val="000000"/>
+              </a:solidFill>
+              <a:latin typeface="Calibri"/>
+            </a:endParaRPr>
+          </a:p>
+          <a:p>
+            <a:pPr marL="343080" indent="-342720">
+              <a:lnSpc>
+                <a:spcPct val="100000"/>
+              </a:lnSpc>
+              <a:spcBef>
+                <a:spcPts val="641"/>
+              </a:spcBef>
+              <a:buClr>
+                <a:srgbClr val="000000"/>
+              </a:buClr>
+              <a:buFont typeface="Arial"/>
+              <a:buChar char="•"/>
+            </a:pPr>
+            <a:r>
+              <a:rPr lang="ru-RU" sz="3200" b="0" strike="noStrike" spc="-1" dirty="0">
+                <a:solidFill>
+                  <a:srgbClr val="000000"/>
+                </a:solidFill>
+                <a:latin typeface="Calibri"/>
+              </a:rPr>
+              <a:t>Основа- 500р (1шт</a:t>
+            </a:r>
+            <a:r>
+              <a:rPr lang="ru-RU" sz="3200" b="0" strike="noStrike" spc="-1" dirty="0" smtClean="0">
+                <a:solidFill>
+                  <a:srgbClr val="000000"/>
+                </a:solidFill>
+                <a:latin typeface="Calibri"/>
+              </a:rPr>
+              <a:t>)</a:t>
+            </a:r>
+          </a:p>
+          <a:p>
+            <a:pPr marL="343080" indent="-342720">
+              <a:lnSpc>
+                <a:spcPct val="100000"/>
+              </a:lnSpc>
+              <a:spcBef>
+                <a:spcPts val="641"/>
+              </a:spcBef>
+              <a:buClr>
+                <a:srgbClr val="000000"/>
+              </a:buClr>
+              <a:buFont typeface="Arial"/>
+              <a:buChar char="•"/>
+            </a:pPr>
+            <a:endParaRPr lang="ru-RU" sz="3200" b="0" strike="noStrike" spc="-1" dirty="0">
+              <a:solidFill>
+                <a:srgbClr val="000000"/>
+              </a:solidFill>
+              <a:latin typeface="Calibri"/>
+            </a:endParaRPr>
+          </a:p>
+          <a:p>
+            <a:pPr>
+              <a:lnSpc>
+                <a:spcPct val="100000"/>
+              </a:lnSpc>
+              <a:spcBef>
+                <a:spcPts val="641"/>
+              </a:spcBef>
+            </a:pPr>
+            <a:endParaRPr lang="ru-RU" sz="3200" b="0" strike="noStrike" spc="-1" dirty="0">
               <a:solidFill>
                 <a:srgbClr val="000000"/>
               </a:solidFill>
@@ -5644,22 +6094,25 @@
       </p:sp>
     </p:spTree>
   </p:cSld>
+  <p:clrMapOvr>
+    <a:masterClrMapping/>
+  </p:clrMapOvr>
   <p:timing>
     <p:tnLst>
       <p:par>
-        <p:cTn id="15" dur="indefinite" restart="never" nodeType="tmRoot">
+        <p:cTn id="1" dur="indefinite" restart="never" nodeType="tmRoot">
           <p:childTnLst>
             <p:seq>
-              <p:cTn id="16" dur="indefinite" nodeType="mainSeq"/>
+              <p:cTn id="2" dur="indefinite" nodeType="mainSeq"/>
               <p:prevCondLst>
-                <p:cond delay="0" evt="onPrev">
+                <p:cond evt="onPrev" delay="0">
                   <p:tgtEl>
                     <p:sldTgt/>
                   </p:tgtEl>
                 </p:cond>
               </p:prevCondLst>
               <p:nextCondLst>
-                <p:cond delay="0" evt="onNext">
+                <p:cond evt="onNext" delay="0">
                   <p:tgtEl>
                     <p:sldTgt/>
                   </p:tgtEl>
@@ -5675,7 +6128,7 @@
 </file>
 
 <file path=ppt/slides/slide9.xml><?xml version="1.0" encoding="utf-8"?>
-<p:sld xmlns:a="http://schemas.openxmlformats.org/drawingml/2006/main" xmlns:p="http://schemas.openxmlformats.org/presentationml/2006/main" xmlns:r="http://schemas.openxmlformats.org/officeDocument/2006/relationships" xmlns:p14="http://schemas.microsoft.com/office/powerpoint/2010/main" xmlns:p15="http://schemas.microsoft.com/office/powerpoint/2012/main" xmlns:mc="http://schemas.openxmlformats.org/markup-compatibility/2006">
+<p:sld xmlns:a="http://schemas.openxmlformats.org/drawingml/2006/main" xmlns:r="http://schemas.openxmlformats.org/officeDocument/2006/relationships" xmlns:p="http://schemas.openxmlformats.org/presentationml/2006/main">
   <p:cSld>
     <p:spTree>
       <p:nvGrpSpPr>
@@ -5693,13 +6146,13 @@
       </p:grpSpPr>
       <p:sp>
         <p:nvSpPr>
-          <p:cNvPr id="98" name="TextShape 1"/>
+          <p:cNvPr id="100" name="TextShape 1"/>
           <p:cNvSpPr txBox="1"/>
           <p:nvPr/>
         </p:nvSpPr>
         <p:spPr>
           <a:xfrm>
-            <a:off x="457200" y="274680"/>
+            <a:off x="439523" y="-171400"/>
             <a:ext cx="8229240" cy="1142640"/>
           </a:xfrm>
           <a:prstGeom prst="rect">
@@ -5712,6 +6165,7 @@
         </p:spPr>
         <p:txBody>
           <a:bodyPr anchor="ctr"/>
+          <a:lstStyle/>
           <a:p>
             <a:pPr algn="ctr">
               <a:lnSpc>
@@ -5719,230 +6173,68 @@
               </a:lnSpc>
             </a:pPr>
             <a:r>
-              <a:rPr b="0" lang="ru-RU" sz="4400" spc="-1" strike="noStrike">
+              <a:rPr lang="ru-RU" sz="4400" b="0" strike="noStrike" spc="-1" dirty="0">
                 <a:solidFill>
                   <a:srgbClr val="000000"/>
                 </a:solidFill>
                 <a:latin typeface="Calibri"/>
               </a:rPr>
-              <a:t>Смета</a:t>
-            </a:r>
-            <a:endParaRPr b="0" lang="ru-RU" sz="4400" spc="-1" strike="noStrike">
-              <a:solidFill>
-                <a:srgbClr val="000000"/>
-              </a:solidFill>
-              <a:latin typeface="Calibri"/>
-            </a:endParaRPr>
-          </a:p>
-        </p:txBody>
-      </p:sp>
-      <p:sp>
-        <p:nvSpPr>
-          <p:cNvPr id="99" name="TextShape 2"/>
-          <p:cNvSpPr txBox="1"/>
+              <a:t>Схема</a:t>
+            </a:r>
+          </a:p>
+        </p:txBody>
+      </p:sp>
+      <p:pic>
+        <p:nvPicPr>
+          <p:cNvPr id="2" name="Рисунок 1"/>
+          <p:cNvPicPr>
+            <a:picLocks noChangeAspect="1"/>
+          </p:cNvPicPr>
           <p:nvPr/>
-        </p:nvSpPr>
-        <p:spPr>
-          <a:xfrm>
-            <a:off x="457200" y="1600200"/>
-            <a:ext cx="8229240" cy="4525560"/>
-          </a:xfrm>
-          <a:prstGeom prst="rect">
-            <a:avLst/>
-          </a:prstGeom>
-          <a:noFill/>
-          <a:ln>
-            <a:noFill/>
-          </a:ln>
-        </p:spPr>
-        <p:txBody>
-          <a:bodyPr/>
-          <a:p>
-            <a:pPr marL="343080" indent="-342720">
-              <a:lnSpc>
-                <a:spcPct val="100000"/>
-              </a:lnSpc>
-              <a:spcBef>
-                <a:spcPts val="641"/>
-              </a:spcBef>
-              <a:buClr>
-                <a:srgbClr val="000000"/>
-              </a:buClr>
-              <a:buFont typeface="Arial"/>
-              <a:buChar char="•"/>
-            </a:pPr>
-            <a:r>
-              <a:rPr b="0" lang="ru-RU" sz="3200" spc="-1" strike="noStrike">
-                <a:solidFill>
-                  <a:srgbClr val="000000"/>
-                </a:solidFill>
-                <a:latin typeface="Calibri"/>
-              </a:rPr>
-              <a:t>Arduino Uno- 1700р (1шт)</a:t>
-            </a:r>
-            <a:endParaRPr b="0" lang="ru-RU" sz="3200" spc="-1" strike="noStrike">
-              <a:solidFill>
-                <a:srgbClr val="000000"/>
-              </a:solidFill>
-              <a:latin typeface="Calibri"/>
-            </a:endParaRPr>
-          </a:p>
-          <a:p>
-            <a:pPr marL="343080" indent="-342720">
-              <a:lnSpc>
-                <a:spcPct val="100000"/>
-              </a:lnSpc>
-              <a:spcBef>
-                <a:spcPts val="641"/>
-              </a:spcBef>
-              <a:buClr>
-                <a:srgbClr val="000000"/>
-              </a:buClr>
-              <a:buFont typeface="Arial"/>
-              <a:buChar char="•"/>
-            </a:pPr>
-            <a:r>
-              <a:rPr b="0" lang="ru-RU" sz="3200" spc="-1" strike="noStrike">
-                <a:solidFill>
-                  <a:srgbClr val="000000"/>
-                </a:solidFill>
-                <a:latin typeface="Calibri"/>
-              </a:rPr>
-              <a:t>Светодиоды- 60р (6шт)</a:t>
-            </a:r>
-            <a:endParaRPr b="0" lang="ru-RU" sz="3200" spc="-1" strike="noStrike">
-              <a:solidFill>
-                <a:srgbClr val="000000"/>
-              </a:solidFill>
-              <a:latin typeface="Calibri"/>
-            </a:endParaRPr>
-          </a:p>
-          <a:p>
-            <a:pPr marL="343080" indent="-342720">
-              <a:lnSpc>
-                <a:spcPct val="100000"/>
-              </a:lnSpc>
-              <a:spcBef>
-                <a:spcPts val="641"/>
-              </a:spcBef>
-              <a:buClr>
-                <a:srgbClr val="000000"/>
-              </a:buClr>
-              <a:buFont typeface="Arial"/>
-              <a:buChar char="•"/>
-            </a:pPr>
-            <a:r>
-              <a:rPr b="0" lang="ru-RU" sz="3200" spc="-1" strike="noStrike">
-                <a:solidFill>
-                  <a:srgbClr val="000000"/>
-                </a:solidFill>
-                <a:latin typeface="Calibri"/>
-              </a:rPr>
-              <a:t>Провода- 290р (65шт)</a:t>
-            </a:r>
-            <a:endParaRPr b="0" lang="ru-RU" sz="3200" spc="-1" strike="noStrike">
-              <a:solidFill>
-                <a:srgbClr val="000000"/>
-              </a:solidFill>
-              <a:latin typeface="Calibri"/>
-            </a:endParaRPr>
-          </a:p>
-          <a:p>
-            <a:pPr marL="343080" indent="-342720">
-              <a:lnSpc>
-                <a:spcPct val="100000"/>
-              </a:lnSpc>
-              <a:spcBef>
-                <a:spcPts val="641"/>
-              </a:spcBef>
-              <a:buClr>
-                <a:srgbClr val="000000"/>
-              </a:buClr>
-              <a:buFont typeface="Arial"/>
-              <a:buChar char="•"/>
-            </a:pPr>
-            <a:r>
-              <a:rPr b="0" lang="ru-RU" sz="3200" spc="-1" strike="noStrike">
-                <a:solidFill>
-                  <a:srgbClr val="000000"/>
-                </a:solidFill>
-                <a:latin typeface="Calibri"/>
-              </a:rPr>
-              <a:t>Датчики движения- 680р (2шт)</a:t>
-            </a:r>
-            <a:endParaRPr b="0" lang="ru-RU" sz="3200" spc="-1" strike="noStrike">
-              <a:solidFill>
-                <a:srgbClr val="000000"/>
-              </a:solidFill>
-              <a:latin typeface="Calibri"/>
-            </a:endParaRPr>
-          </a:p>
-          <a:p>
-            <a:pPr marL="343080" indent="-342720">
-              <a:lnSpc>
-                <a:spcPct val="100000"/>
-              </a:lnSpc>
-              <a:spcBef>
-                <a:spcPts val="641"/>
-              </a:spcBef>
-              <a:buClr>
-                <a:srgbClr val="000000"/>
-              </a:buClr>
-              <a:buFont typeface="Arial"/>
-              <a:buChar char="•"/>
-            </a:pPr>
-            <a:r>
-              <a:rPr b="0" lang="ru-RU" sz="3200" spc="-1" strike="noStrike">
-                <a:solidFill>
-                  <a:srgbClr val="000000"/>
-                </a:solidFill>
-                <a:latin typeface="Calibri"/>
-              </a:rPr>
-              <a:t>Основа- 500р (1шт)</a:t>
-            </a:r>
-            <a:endParaRPr b="0" lang="ru-RU" sz="3200" spc="-1" strike="noStrike">
-              <a:solidFill>
-                <a:srgbClr val="000000"/>
-              </a:solidFill>
-              <a:latin typeface="Calibri"/>
-            </a:endParaRPr>
-          </a:p>
-          <a:p>
-            <a:pPr>
-              <a:lnSpc>
-                <a:spcPct val="100000"/>
-              </a:lnSpc>
-              <a:spcBef>
-                <a:spcPts val="641"/>
-              </a:spcBef>
-            </a:pPr>
-            <a:endParaRPr b="0" lang="ru-RU" sz="3200" spc="-1" strike="noStrike">
-              <a:solidFill>
-                <a:srgbClr val="000000"/>
-              </a:solidFill>
-              <a:latin typeface="Calibri"/>
-            </a:endParaRPr>
-          </a:p>
-        </p:txBody>
-      </p:sp>
+        </p:nvPicPr>
+        <p:blipFill>
+          <a:blip r:embed="rId2">
+            <a:extLst>
+              <a:ext uri="{28A0092B-C50C-407E-A947-70E740481C1C}">
+                <a14:useLocalDpi xmlns:a14="http://schemas.microsoft.com/office/drawing/2010/main" val="0"/>
+              </a:ext>
+            </a:extLst>
+          </a:blip>
+          <a:stretch>
+            <a:fillRect/>
+          </a:stretch>
+        </p:blipFill>
+        <p:spPr>
+          <a:xfrm>
+            <a:off x="143907" y="846088"/>
+            <a:ext cx="8820472" cy="5993710"/>
+          </a:xfrm>
+          <a:prstGeom prst="rect">
+            <a:avLst/>
+          </a:prstGeom>
+        </p:spPr>
+      </p:pic>
     </p:spTree>
   </p:cSld>
+  <p:clrMapOvr>
+    <a:masterClrMapping/>
+  </p:clrMapOvr>
   <p:timing>
     <p:tnLst>
       <p:par>
-        <p:cTn id="17" dur="indefinite" restart="never" nodeType="tmRoot">
+        <p:cTn id="1" dur="indefinite" restart="never" nodeType="tmRoot">
           <p:childTnLst>
             <p:seq>
-              <p:cTn id="18" dur="indefinite" nodeType="mainSeq"/>
+              <p:cTn id="2" dur="indefinite" nodeType="mainSeq"/>
               <p:prevCondLst>
-                <p:cond delay="0" evt="onPrev">
+                <p:cond evt="onPrev" delay="0">
                   <p:tgtEl>
                     <p:sldTgt/>
                   </p:tgtEl>
                 </p:cond>
               </p:prevCondLst>
               <p:nextCondLst>
-                <p:cond delay="0" evt="onNext">
+                <p:cond evt="onNext" delay="0">
                   <p:tgtEl>
                     <p:sldTgt/>
                   </p:tgtEl>
@@ -5968,31 +6260,31 @@
         <a:sysClr val="window" lastClr="FFFFFF"/>
       </a:lt1>
       <a:dk2>
-        <a:srgbClr val="1f497d"/>
+        <a:srgbClr val="1F497D"/>
       </a:dk2>
       <a:lt2>
-        <a:srgbClr val="eeece1"/>
+        <a:srgbClr val="EEECE1"/>
       </a:lt2>
       <a:accent1>
-        <a:srgbClr val="4f81bd"/>
+        <a:srgbClr val="4F81BD"/>
       </a:accent1>
       <a:accent2>
-        <a:srgbClr val="c0504d"/>
+        <a:srgbClr val="C0504D"/>
       </a:accent2>
       <a:accent3>
-        <a:srgbClr val="9bbb59"/>
+        <a:srgbClr val="9BBB59"/>
       </a:accent3>
       <a:accent4>
-        <a:srgbClr val="8064a2"/>
+        <a:srgbClr val="8064A2"/>
       </a:accent4>
       <a:accent5>
-        <a:srgbClr val="4bacc6"/>
+        <a:srgbClr val="4BACC6"/>
       </a:accent5>
       <a:accent6>
-        <a:srgbClr val="f79646"/>
+        <a:srgbClr val="F79646"/>
       </a:accent6>
       <a:hlink>
-        <a:srgbClr val="0000ff"/>
+        <a:srgbClr val="0000FF"/>
       </a:hlink>
       <a:folHlink>
         <a:srgbClr val="800080"/>
@@ -6177,6 +6469,8 @@
       </a:bgFillStyleLst>
     </a:fmtScheme>
   </a:themeElements>
+  <a:objectDefaults/>
+  <a:extraClrSchemeLst/>
 </a:theme>
 </file>
 
@@ -6191,31 +6485,31 @@
         <a:sysClr val="window" lastClr="FFFFFF"/>
       </a:lt1>
       <a:dk2>
-        <a:srgbClr val="1f497d"/>
+        <a:srgbClr val="1F497D"/>
       </a:dk2>
       <a:lt2>
-        <a:srgbClr val="eeece1"/>
+        <a:srgbClr val="EEECE1"/>
       </a:lt2>
       <a:accent1>
-        <a:srgbClr val="4f81bd"/>
+        <a:srgbClr val="4F81BD"/>
       </a:accent1>
       <a:accent2>
-        <a:srgbClr val="c0504d"/>
+        <a:srgbClr val="C0504D"/>
       </a:accent2>
       <a:accent3>
-        <a:srgbClr val="9bbb59"/>
+        <a:srgbClr val="9BBB59"/>
       </a:accent3>
       <a:accent4>
-        <a:srgbClr val="8064a2"/>
+        <a:srgbClr val="8064A2"/>
       </a:accent4>
       <a:accent5>
-        <a:srgbClr val="4bacc6"/>
+        <a:srgbClr val="4BACC6"/>
       </a:accent5>
       <a:accent6>
-        <a:srgbClr val="f79646"/>
+        <a:srgbClr val="F79646"/>
       </a:accent6>
       <a:hlink>
-        <a:srgbClr val="0000ff"/>
+        <a:srgbClr val="0000FF"/>
       </a:hlink>
       <a:folHlink>
         <a:srgbClr val="800080"/>
@@ -6400,5 +6694,7 @@
       </a:bgFillStyleLst>
     </a:fmtScheme>
   </a:themeElements>
+  <a:objectDefaults/>
+  <a:extraClrSchemeLst/>
 </a:theme>
 </file>
--- a/Presitation/TLPresintation.pptx
+++ b/Presitation/TLPresintation.pptx
@@ -12,12 +12,16 @@
     <p:sldId id="258" r:id="rId6"/>
     <p:sldId id="260" r:id="rId7"/>
     <p:sldId id="262" r:id="rId8"/>
-    <p:sldId id="263" r:id="rId9"/>
-    <p:sldId id="264" r:id="rId10"/>
-    <p:sldId id="265" r:id="rId11"/>
-    <p:sldId id="266" r:id="rId12"/>
-    <p:sldId id="267" r:id="rId13"/>
-    <p:sldId id="268" r:id="rId14"/>
+    <p:sldId id="271" r:id="rId9"/>
+    <p:sldId id="269" r:id="rId10"/>
+    <p:sldId id="270" r:id="rId11"/>
+    <p:sldId id="272" r:id="rId12"/>
+    <p:sldId id="263" r:id="rId13"/>
+    <p:sldId id="264" r:id="rId14"/>
+    <p:sldId id="265" r:id="rId15"/>
+    <p:sldId id="266" r:id="rId16"/>
+    <p:sldId id="267" r:id="rId17"/>
+    <p:sldId id="268" r:id="rId18"/>
   </p:sldIdLst>
   <p:sldSz cx="9144000" cy="6858000" type="screen4x3"/>
   <p:notesSz cx="7559675" cy="10691813"/>
@@ -3211,7 +3215,7 @@
                 </a:solidFill>
                 <a:latin typeface="Calibri"/>
               </a:rPr>
-              <a:t>01.04.2019</a:t>
+              <a:t>02.04.2019</a:t>
             </a:fld>
             <a:endParaRPr lang="ru-RU" sz="1200" b="0" strike="noStrike" spc="-1">
               <a:latin typeface="Times New Roman"/>
@@ -3740,7 +3744,7 @@
                 </a:solidFill>
                 <a:latin typeface="Calibri"/>
               </a:rPr>
-              <a:t>01.04.2019</a:t>
+              <a:t>02.04.2019</a:t>
             </a:fld>
             <a:endParaRPr lang="ru-RU" sz="1200" b="0" strike="noStrike" spc="-1">
               <a:latin typeface="Times New Roman"/>
@@ -3897,7 +3901,7 @@
                 </a:solidFill>
                 <a:latin typeface="Times New Roman"/>
               </a:rPr>
-              <a:t>Светофор </a:t>
+              <a:t>Умные светофоры</a:t>
             </a:r>
             <a:r>
               <a:rPr lang="ru-RU" sz="4400" b="0" strike="noStrike" spc="-1" dirty="0" smtClean="0">
@@ -3925,8 +3929,8 @@
         </p:nvSpPr>
         <p:spPr>
           <a:xfrm>
-            <a:off x="4716000" y="2781000"/>
-            <a:ext cx="6400440" cy="1752120"/>
+            <a:off x="6300192" y="2806963"/>
+            <a:ext cx="6400440" cy="1296072"/>
           </a:xfrm>
           <a:prstGeom prst="rect">
             <a:avLst/>
@@ -3943,9 +3947,6 @@
           <a:lstStyle/>
           <a:p>
             <a:pPr>
-              <a:lnSpc>
-                <a:spcPct val="100000"/>
-              </a:lnSpc>
               <a:spcBef>
                 <a:spcPts val="479"/>
               </a:spcBef>
@@ -3957,16 +3958,16 @@
                 </a:solidFill>
                 <a:latin typeface="Times New Roman"/>
               </a:rPr>
-              <a:t>Лищенко Тимофей</a:t>
-            </a:r>
-            <a:r>
-              <a:rPr lang="ru-RU" sz="2400" b="1" strike="noStrike" spc="-1" dirty="0">
-                <a:solidFill>
-                  <a:srgbClr val="8B8B8B"/>
+              <a:t>Лищенко </a:t>
+            </a:r>
+            <a:r>
+              <a:rPr lang="ru-RU" sz="2400" b="0" strike="noStrike" spc="-1" dirty="0" smtClean="0">
+                <a:solidFill>
+                  <a:srgbClr val="000000"/>
                 </a:solidFill>
                 <a:latin typeface="Times New Roman"/>
               </a:rPr>
-              <a:t> </a:t>
+              <a:t>Тимофей</a:t>
             </a:r>
             <a:r>
               <a:rPr lang="ru-RU" sz="2400" b="0" strike="noStrike" spc="-1" dirty="0" smtClean="0">
@@ -3975,7 +3976,7 @@
                 </a:solidFill>
                 <a:latin typeface="Times New Roman"/>
               </a:rPr>
-              <a:t>Викторович</a:t>
+              <a:t/>
             </a:r>
             <a:br>
               <a:rPr lang="ru-RU" sz="2400" b="0" strike="noStrike" spc="-1" dirty="0" smtClean="0">
@@ -3992,7 +3993,7 @@
                 </a:solidFill>
                 <a:latin typeface="Times New Roman"/>
               </a:rPr>
-              <a:t>8</a:t>
+              <a:t>8 </a:t>
             </a:r>
             <a:r>
               <a:rPr lang="en-US" sz="2400" spc="-1" dirty="0" smtClean="0">
@@ -4039,26 +4040,41 @@
               </a:rPr>
             </a:br>
             <a:r>
+              <a:rPr lang="ru-RU" sz="2400" spc="-1" dirty="0" err="1" smtClean="0">
+                <a:solidFill>
+                  <a:srgbClr val="000000"/>
+                </a:solidFill>
+                <a:latin typeface="Times New Roman"/>
+              </a:rPr>
+              <a:t>Мангазеев</a:t>
+            </a:r>
+            <a:r>
               <a:rPr lang="ru-RU" sz="2400" spc="-1" dirty="0" smtClean="0">
                 <a:solidFill>
                   <a:srgbClr val="000000"/>
                 </a:solidFill>
                 <a:latin typeface="Times New Roman"/>
               </a:rPr>
+              <a:t> </a:t>
+            </a:r>
+            <a:r>
+              <a:rPr lang="ru-RU" sz="2400" spc="-1" dirty="0">
+                <a:solidFill>
+                  <a:srgbClr val="000000"/>
+                </a:solidFill>
+                <a:latin typeface="Times New Roman"/>
+              </a:rPr>
               <a:t>А.Ю. </a:t>
             </a:r>
-            <a:r>
-              <a:rPr lang="ru-RU" sz="2400" spc="-1" dirty="0" err="1" smtClean="0">
-                <a:solidFill>
-                  <a:srgbClr val="000000"/>
-                </a:solidFill>
-                <a:latin typeface="Times New Roman"/>
-              </a:rPr>
-              <a:t>Мангазеев</a:t>
-            </a:r>
-            <a:endParaRPr lang="ru-RU" sz="2400" b="0" strike="noStrike" spc="-1" dirty="0">
-              <a:latin typeface="Arial"/>
-            </a:endParaRPr>
+            <a:endParaRPr lang="ru-RU" sz="2400" spc="-1" dirty="0"/>
+          </a:p>
+          <a:p>
+            <a:pPr>
+              <a:spcBef>
+                <a:spcPts val="479"/>
+              </a:spcBef>
+            </a:pPr>
+            <a:endParaRPr lang="ru-RU" sz="2400" spc="-1" dirty="0"/>
           </a:p>
         </p:txBody>
       </p:sp>
@@ -4116,45 +4132,74 @@
       </p:grpSpPr>
       <p:sp>
         <p:nvSpPr>
-          <p:cNvPr id="101" name="TextShape 1"/>
-          <p:cNvSpPr txBox="1"/>
+          <p:cNvPr id="2" name="Заголовок 1"/>
+          <p:cNvSpPr>
+            <a:spLocks noGrp="1"/>
+          </p:cNvSpPr>
+          <p:nvPr>
+            <p:ph type="title"/>
+          </p:nvPr>
+        </p:nvSpPr>
+        <p:spPr>
+          <a:xfrm>
+            <a:off x="107504" y="-18690"/>
+            <a:ext cx="9144000" cy="1142640"/>
+          </a:xfrm>
+        </p:spPr>
+        <p:txBody>
+          <a:bodyPr/>
+          <a:lstStyle/>
+          <a:p>
+            <a:r>
+              <a:rPr lang="ru-RU" sz="4400" b="1" dirty="0" smtClean="0">
+                <a:latin typeface="Times New Roman" panose="02020603050405020304" pitchFamily="18" charset="0"/>
+                <a:cs typeface="Times New Roman" panose="02020603050405020304" pitchFamily="18" charset="0"/>
+              </a:rPr>
+              <a:t>Режим для одной дороги с кнопкой</a:t>
+            </a:r>
+            <a:endParaRPr lang="ru-RU" sz="4400" b="1" dirty="0">
+              <a:latin typeface="Times New Roman" panose="02020603050405020304" pitchFamily="18" charset="0"/>
+              <a:cs typeface="Times New Roman" panose="02020603050405020304" pitchFamily="18" charset="0"/>
+            </a:endParaRPr>
+          </a:p>
+        </p:txBody>
+      </p:sp>
+      <p:pic>
+        <p:nvPicPr>
+          <p:cNvPr id="4" name="Рисунок 3"/>
+          <p:cNvPicPr>
+            <a:picLocks noChangeAspect="1"/>
+          </p:cNvPicPr>
           <p:nvPr/>
-        </p:nvSpPr>
-        <p:spPr>
-          <a:xfrm>
-            <a:off x="457200" y="274680"/>
-            <a:ext cx="8229240" cy="1142640"/>
-          </a:xfrm>
-          <a:prstGeom prst="rect">
-            <a:avLst/>
-          </a:prstGeom>
-          <a:noFill/>
-          <a:ln>
-            <a:noFill/>
-          </a:ln>
-        </p:spPr>
-        <p:txBody>
-          <a:bodyPr anchor="ctr"/>
-          <a:lstStyle/>
-          <a:p>
-            <a:pPr algn="ctr">
-              <a:lnSpc>
-                <a:spcPct val="100000"/>
-              </a:lnSpc>
-            </a:pPr>
-            <a:r>
-              <a:rPr lang="ru-RU" sz="4400" b="0" strike="noStrike" spc="-1" dirty="0">
-                <a:solidFill>
-                  <a:srgbClr val="000000"/>
-                </a:solidFill>
-                <a:latin typeface="Calibri"/>
-              </a:rPr>
-              <a:t>Проект</a:t>
-            </a:r>
-          </a:p>
-        </p:txBody>
-      </p:sp>
+        </p:nvPicPr>
+        <p:blipFill>
+          <a:blip r:embed="rId2">
+            <a:extLst>
+              <a:ext uri="{28A0092B-C50C-407E-A947-70E740481C1C}">
+                <a14:useLocalDpi xmlns:a14="http://schemas.microsoft.com/office/drawing/2010/main" val="0"/>
+              </a:ext>
+            </a:extLst>
+          </a:blip>
+          <a:stretch>
+            <a:fillRect/>
+          </a:stretch>
+        </p:blipFill>
+        <p:spPr>
+          <a:xfrm>
+            <a:off x="0" y="1123950"/>
+            <a:ext cx="9144000" cy="4610100"/>
+          </a:xfrm>
+          <a:prstGeom prst="rect">
+            <a:avLst/>
+          </a:prstGeom>
+        </p:spPr>
+      </p:pic>
     </p:spTree>
+    <p:extLst>
+      <p:ext uri="{BB962C8B-B14F-4D97-AF65-F5344CB8AC3E}">
+        <p14:creationId xmlns:p14="http://schemas.microsoft.com/office/powerpoint/2010/main" val="1345038890"/>
+      </p:ext>
+    </p:extLst>
   </p:cSld>
   <p:clrMapOvr>
     <a:masterClrMapping/>
@@ -4162,27 +4207,7 @@
   <p:timing>
     <p:tnLst>
       <p:par>
-        <p:cTn id="1" dur="indefinite" restart="never" nodeType="tmRoot">
-          <p:childTnLst>
-            <p:seq>
-              <p:cTn id="2" dur="indefinite" nodeType="mainSeq"/>
-              <p:prevCondLst>
-                <p:cond evt="onPrev" delay="0">
-                  <p:tgtEl>
-                    <p:sldTgt/>
-                  </p:tgtEl>
-                </p:cond>
-              </p:prevCondLst>
-              <p:nextCondLst>
-                <p:cond evt="onNext" delay="0">
-                  <p:tgtEl>
-                    <p:sldTgt/>
-                  </p:tgtEl>
-                </p:cond>
-              </p:nextCondLst>
-            </p:seq>
-          </p:childTnLst>
-        </p:cTn>
+        <p:cTn id="1" dur="indefinite" restart="never" nodeType="tmRoot"/>
       </p:par>
     </p:tnLst>
   </p:timing>
@@ -4208,7 +4233,7 @@
       </p:grpSpPr>
       <p:sp>
         <p:nvSpPr>
-          <p:cNvPr id="102" name="TextShape 1"/>
+          <p:cNvPr id="96" name="TextShape 1"/>
           <p:cNvSpPr txBox="1"/>
           <p:nvPr/>
         </p:nvSpPr>
@@ -4235,20 +4260,21 @@
               </a:lnSpc>
             </a:pPr>
             <a:r>
-              <a:rPr lang="ru-RU" sz="4400" b="0" strike="noStrike" spc="-1">
-                <a:solidFill>
-                  <a:srgbClr val="000000"/>
-                </a:solidFill>
-                <a:latin typeface="Calibri"/>
-              </a:rPr>
-              <a:t>Планы на будущие</a:t>
-            </a:r>
-          </a:p>
-        </p:txBody>
-      </p:sp>
-      <p:sp>
-        <p:nvSpPr>
-          <p:cNvPr id="103" name="TextShape 2"/>
+              <a:rPr lang="ru-RU" sz="4400" b="0" strike="noStrike" spc="-1" dirty="0">
+                <a:solidFill>
+                  <a:srgbClr val="000000"/>
+                </a:solidFill>
+                <a:latin typeface="Times New Roman" panose="02020603050405020304" pitchFamily="18" charset="0"/>
+                <a:cs typeface="Times New Roman" panose="02020603050405020304" pitchFamily="18" charset="0"/>
+              </a:rPr>
+              <a:t>Перечень оборудования</a:t>
+            </a:r>
+          </a:p>
+        </p:txBody>
+      </p:sp>
+      <p:sp>
+        <p:nvSpPr>
+          <p:cNvPr id="97" name="TextShape 2"/>
           <p:cNvSpPr txBox="1"/>
           <p:nvPr/>
         </p:nvSpPr>
@@ -4283,13 +4309,266 @@
               <a:buChar char="•"/>
             </a:pPr>
             <a:r>
-              <a:rPr lang="ru-RU" sz="3200" b="0" strike="noStrike" spc="-1">
-                <a:solidFill>
-                  <a:srgbClr val="000000"/>
-                </a:solidFill>
-                <a:latin typeface="Calibri"/>
-              </a:rPr>
-              <a:t>Связать проект с сайтом диспетчера.</a:t>
+              <a:rPr lang="ru-RU" sz="3200" b="0" strike="noStrike" spc="-1" dirty="0" err="1">
+                <a:solidFill>
+                  <a:srgbClr val="000000"/>
+                </a:solidFill>
+                <a:latin typeface="Times New Roman" panose="02020603050405020304" pitchFamily="18" charset="0"/>
+                <a:cs typeface="Times New Roman" panose="02020603050405020304" pitchFamily="18" charset="0"/>
+              </a:rPr>
+              <a:t>Arduino</a:t>
+            </a:r>
+            <a:r>
+              <a:rPr lang="ru-RU" sz="3200" b="0" strike="noStrike" spc="-1" dirty="0">
+                <a:solidFill>
+                  <a:srgbClr val="000000"/>
+                </a:solidFill>
+                <a:latin typeface="Times New Roman" panose="02020603050405020304" pitchFamily="18" charset="0"/>
+                <a:cs typeface="Times New Roman" panose="02020603050405020304" pitchFamily="18" charset="0"/>
+              </a:rPr>
+              <a:t> </a:t>
+            </a:r>
+            <a:r>
+              <a:rPr lang="ru-RU" sz="3200" b="0" strike="noStrike" spc="-1" dirty="0" err="1">
+                <a:solidFill>
+                  <a:srgbClr val="000000"/>
+                </a:solidFill>
+                <a:latin typeface="Times New Roman" panose="02020603050405020304" pitchFamily="18" charset="0"/>
+                <a:cs typeface="Times New Roman" panose="02020603050405020304" pitchFamily="18" charset="0"/>
+              </a:rPr>
+              <a:t>Uno</a:t>
+            </a:r>
+            <a:r>
+              <a:rPr lang="ru-RU" sz="3200" b="0" strike="noStrike" spc="-1" dirty="0">
+                <a:solidFill>
+                  <a:srgbClr val="000000"/>
+                </a:solidFill>
+                <a:latin typeface="Times New Roman" panose="02020603050405020304" pitchFamily="18" charset="0"/>
+                <a:cs typeface="Times New Roman" panose="02020603050405020304" pitchFamily="18" charset="0"/>
+              </a:rPr>
+              <a:t>;</a:t>
+            </a:r>
+          </a:p>
+          <a:p>
+            <a:pPr marL="343080" indent="-342720">
+              <a:lnSpc>
+                <a:spcPct val="100000"/>
+              </a:lnSpc>
+              <a:spcBef>
+                <a:spcPts val="641"/>
+              </a:spcBef>
+              <a:buClr>
+                <a:srgbClr val="000000"/>
+              </a:buClr>
+              <a:buFont typeface="Arial"/>
+              <a:buChar char="•"/>
+            </a:pPr>
+            <a:r>
+              <a:rPr lang="ru-RU" sz="3200" spc="-1" dirty="0" smtClean="0">
+                <a:solidFill>
+                  <a:srgbClr val="000000"/>
+                </a:solidFill>
+                <a:latin typeface="Times New Roman" panose="02020603050405020304" pitchFamily="18" charset="0"/>
+                <a:cs typeface="Times New Roman" panose="02020603050405020304" pitchFamily="18" charset="0"/>
+              </a:rPr>
+              <a:t>Фоторезистор</a:t>
+            </a:r>
+            <a:r>
+              <a:rPr lang="ru-RU" sz="3200" b="0" strike="noStrike" spc="-1" dirty="0" smtClean="0">
+                <a:solidFill>
+                  <a:srgbClr val="000000"/>
+                </a:solidFill>
+                <a:latin typeface="Times New Roman" panose="02020603050405020304" pitchFamily="18" charset="0"/>
+                <a:cs typeface="Times New Roman" panose="02020603050405020304" pitchFamily="18" charset="0"/>
+              </a:rPr>
+              <a:t>;</a:t>
+            </a:r>
+          </a:p>
+          <a:p>
+            <a:pPr marL="343080" indent="-342720">
+              <a:lnSpc>
+                <a:spcPct val="100000"/>
+              </a:lnSpc>
+              <a:spcBef>
+                <a:spcPts val="641"/>
+              </a:spcBef>
+              <a:buClr>
+                <a:srgbClr val="000000"/>
+              </a:buClr>
+              <a:buFont typeface="Arial"/>
+              <a:buChar char="•"/>
+            </a:pPr>
+            <a:r>
+              <a:rPr lang="ru-RU" sz="3200" spc="-1" dirty="0" smtClean="0">
+                <a:solidFill>
+                  <a:srgbClr val="000000"/>
+                </a:solidFill>
+                <a:latin typeface="Times New Roman" panose="02020603050405020304" pitchFamily="18" charset="0"/>
+                <a:cs typeface="Times New Roman" panose="02020603050405020304" pitchFamily="18" charset="0"/>
+              </a:rPr>
+              <a:t>Кнопка</a:t>
+            </a:r>
+            <a:r>
+              <a:rPr lang="en-US" sz="3200" spc="-1" dirty="0" smtClean="0">
+                <a:solidFill>
+                  <a:srgbClr val="000000"/>
+                </a:solidFill>
+                <a:latin typeface="Times New Roman" panose="02020603050405020304" pitchFamily="18" charset="0"/>
+                <a:cs typeface="Times New Roman" panose="02020603050405020304" pitchFamily="18" charset="0"/>
+              </a:rPr>
+              <a:t>;</a:t>
+            </a:r>
+          </a:p>
+          <a:p>
+            <a:pPr marL="343080" indent="-342720">
+              <a:lnSpc>
+                <a:spcPct val="100000"/>
+              </a:lnSpc>
+              <a:spcBef>
+                <a:spcPts val="641"/>
+              </a:spcBef>
+              <a:buClr>
+                <a:srgbClr val="000000"/>
+              </a:buClr>
+              <a:buFont typeface="Arial"/>
+              <a:buChar char="•"/>
+            </a:pPr>
+            <a:r>
+              <a:rPr lang="ru-RU" sz="3200" b="0" strike="noStrike" spc="-1" dirty="0" smtClean="0">
+                <a:solidFill>
+                  <a:srgbClr val="000000"/>
+                </a:solidFill>
+                <a:latin typeface="Times New Roman" panose="02020603050405020304" pitchFamily="18" charset="0"/>
+                <a:cs typeface="Times New Roman" panose="02020603050405020304" pitchFamily="18" charset="0"/>
+              </a:rPr>
+              <a:t>Резисторы</a:t>
+            </a:r>
+            <a:r>
+              <a:rPr lang="en-US" sz="3200" spc="-1" dirty="0" smtClean="0">
+                <a:solidFill>
+                  <a:srgbClr val="000000"/>
+                </a:solidFill>
+                <a:latin typeface="Times New Roman" panose="02020603050405020304" pitchFamily="18" charset="0"/>
+                <a:cs typeface="Times New Roman" panose="02020603050405020304" pitchFamily="18" charset="0"/>
+              </a:rPr>
+              <a:t>;</a:t>
+            </a:r>
+          </a:p>
+          <a:p>
+            <a:pPr marL="343080" indent="-342720">
+              <a:lnSpc>
+                <a:spcPct val="100000"/>
+              </a:lnSpc>
+              <a:spcBef>
+                <a:spcPts val="641"/>
+              </a:spcBef>
+              <a:buClr>
+                <a:srgbClr val="000000"/>
+              </a:buClr>
+              <a:buFont typeface="Arial"/>
+              <a:buChar char="•"/>
+            </a:pPr>
+            <a:r>
+              <a:rPr lang="ru-RU" sz="3200" spc="-1" dirty="0" smtClean="0">
+                <a:solidFill>
+                  <a:srgbClr val="000000"/>
+                </a:solidFill>
+                <a:latin typeface="Times New Roman" panose="02020603050405020304" pitchFamily="18" charset="0"/>
+                <a:cs typeface="Times New Roman" panose="02020603050405020304" pitchFamily="18" charset="0"/>
+              </a:rPr>
+              <a:t>Ик-контроллер, ИК-пульт</a:t>
+            </a:r>
+            <a:r>
+              <a:rPr lang="en-US" sz="3200" spc="-1" dirty="0">
+                <a:solidFill>
+                  <a:srgbClr val="000000"/>
+                </a:solidFill>
+                <a:latin typeface="Times New Roman" panose="02020603050405020304" pitchFamily="18" charset="0"/>
+                <a:cs typeface="Times New Roman" panose="02020603050405020304" pitchFamily="18" charset="0"/>
+              </a:rPr>
+              <a:t>;</a:t>
+            </a:r>
+            <a:endParaRPr lang="ru-RU" sz="3200" b="0" strike="noStrike" spc="-1" dirty="0">
+              <a:solidFill>
+                <a:srgbClr val="000000"/>
+              </a:solidFill>
+              <a:latin typeface="Times New Roman" panose="02020603050405020304" pitchFamily="18" charset="0"/>
+              <a:cs typeface="Times New Roman" panose="02020603050405020304" pitchFamily="18" charset="0"/>
+            </a:endParaRPr>
+          </a:p>
+          <a:p>
+            <a:pPr marL="343080" indent="-342720">
+              <a:lnSpc>
+                <a:spcPct val="100000"/>
+              </a:lnSpc>
+              <a:spcBef>
+                <a:spcPts val="641"/>
+              </a:spcBef>
+              <a:buClr>
+                <a:srgbClr val="000000"/>
+              </a:buClr>
+              <a:buFont typeface="Arial"/>
+              <a:buChar char="•"/>
+            </a:pPr>
+            <a:r>
+              <a:rPr lang="ru-RU" sz="3200" b="0" strike="noStrike" spc="-1" dirty="0">
+                <a:solidFill>
+                  <a:srgbClr val="000000"/>
+                </a:solidFill>
+                <a:latin typeface="Times New Roman" panose="02020603050405020304" pitchFamily="18" charset="0"/>
+                <a:cs typeface="Times New Roman" panose="02020603050405020304" pitchFamily="18" charset="0"/>
+              </a:rPr>
+              <a:t>Светодиоды;</a:t>
+            </a:r>
+          </a:p>
+          <a:p>
+            <a:pPr marL="343080" indent="-342720">
+              <a:lnSpc>
+                <a:spcPct val="100000"/>
+              </a:lnSpc>
+              <a:spcBef>
+                <a:spcPts val="641"/>
+              </a:spcBef>
+              <a:buClr>
+                <a:srgbClr val="000000"/>
+              </a:buClr>
+              <a:buFont typeface="Arial"/>
+              <a:buChar char="•"/>
+            </a:pPr>
+            <a:r>
+              <a:rPr lang="ru-RU" sz="3200" b="0" strike="noStrike" spc="-1" dirty="0">
+                <a:solidFill>
+                  <a:srgbClr val="000000"/>
+                </a:solidFill>
+                <a:latin typeface="Times New Roman" panose="02020603050405020304" pitchFamily="18" charset="0"/>
+                <a:cs typeface="Times New Roman" panose="02020603050405020304" pitchFamily="18" charset="0"/>
+              </a:rPr>
+              <a:t>Провода;</a:t>
+            </a:r>
+          </a:p>
+          <a:p>
+            <a:pPr marL="343080" indent="-342720">
+              <a:lnSpc>
+                <a:spcPct val="100000"/>
+              </a:lnSpc>
+              <a:spcBef>
+                <a:spcPts val="641"/>
+              </a:spcBef>
+              <a:buClr>
+                <a:srgbClr val="000000"/>
+              </a:buClr>
+              <a:buFont typeface="Arial"/>
+              <a:buChar char="•"/>
+            </a:pPr>
+            <a:r>
+              <a:rPr lang="ru-RU" sz="3200" b="0" strike="noStrike" spc="-1" dirty="0">
+                <a:solidFill>
+                  <a:srgbClr val="000000"/>
+                </a:solidFill>
+                <a:latin typeface="Times New Roman" panose="02020603050405020304" pitchFamily="18" charset="0"/>
+                <a:cs typeface="Times New Roman" panose="02020603050405020304" pitchFamily="18" charset="0"/>
+              </a:rPr>
+              <a:t>Основа, имитирующая перекресток.</a:t>
             </a:r>
           </a:p>
         </p:txBody>
@@ -4348,6 +4627,940 @@
       </p:grpSpPr>
       <p:sp>
         <p:nvSpPr>
+          <p:cNvPr id="98" name="TextShape 1"/>
+          <p:cNvSpPr txBox="1"/>
+          <p:nvPr/>
+        </p:nvSpPr>
+        <p:spPr>
+          <a:xfrm>
+            <a:off x="457200" y="277164"/>
+            <a:ext cx="8229240" cy="1142640"/>
+          </a:xfrm>
+          <a:prstGeom prst="rect">
+            <a:avLst/>
+          </a:prstGeom>
+          <a:noFill/>
+          <a:ln>
+            <a:noFill/>
+          </a:ln>
+        </p:spPr>
+        <p:txBody>
+          <a:bodyPr anchor="ctr"/>
+          <a:lstStyle/>
+          <a:p>
+            <a:pPr algn="ctr">
+              <a:lnSpc>
+                <a:spcPct val="100000"/>
+              </a:lnSpc>
+            </a:pPr>
+            <a:r>
+              <a:rPr lang="ru-RU" sz="4400" b="0" strike="noStrike" spc="-1" dirty="0">
+                <a:solidFill>
+                  <a:srgbClr val="000000"/>
+                </a:solidFill>
+                <a:latin typeface="Times New Roman" panose="02020603050405020304" pitchFamily="18" charset="0"/>
+                <a:cs typeface="Times New Roman" panose="02020603050405020304" pitchFamily="18" charset="0"/>
+              </a:rPr>
+              <a:t>Смета</a:t>
+            </a:r>
+          </a:p>
+        </p:txBody>
+      </p:sp>
+      <p:sp>
+        <p:nvSpPr>
+          <p:cNvPr id="99" name="TextShape 2"/>
+          <p:cNvSpPr txBox="1"/>
+          <p:nvPr/>
+        </p:nvSpPr>
+        <p:spPr>
+          <a:xfrm>
+            <a:off x="457200" y="1600200"/>
+            <a:ext cx="8229240" cy="4525560"/>
+          </a:xfrm>
+          <a:prstGeom prst="rect">
+            <a:avLst/>
+          </a:prstGeom>
+          <a:noFill/>
+          <a:ln>
+            <a:noFill/>
+          </a:ln>
+        </p:spPr>
+        <p:txBody>
+          <a:bodyPr/>
+          <a:lstStyle/>
+          <a:p>
+            <a:pPr marL="343080" indent="-342720">
+              <a:spcBef>
+                <a:spcPts val="641"/>
+              </a:spcBef>
+              <a:buClr>
+                <a:srgbClr val="000000"/>
+              </a:buClr>
+              <a:buFont typeface="Arial"/>
+              <a:buChar char="•"/>
+            </a:pPr>
+            <a:r>
+              <a:rPr lang="ru-RU" sz="3200" b="0" strike="noStrike" spc="-1" dirty="0" err="1">
+                <a:solidFill>
+                  <a:srgbClr val="000000"/>
+                </a:solidFill>
+                <a:latin typeface="Times New Roman" panose="02020603050405020304" pitchFamily="18" charset="0"/>
+                <a:cs typeface="Times New Roman" panose="02020603050405020304" pitchFamily="18" charset="0"/>
+              </a:rPr>
+              <a:t>Arduino</a:t>
+            </a:r>
+            <a:r>
+              <a:rPr lang="ru-RU" sz="3200" b="0" strike="noStrike" spc="-1" dirty="0">
+                <a:solidFill>
+                  <a:srgbClr val="000000"/>
+                </a:solidFill>
+                <a:latin typeface="Times New Roman" panose="02020603050405020304" pitchFamily="18" charset="0"/>
+                <a:cs typeface="Times New Roman" panose="02020603050405020304" pitchFamily="18" charset="0"/>
+              </a:rPr>
+              <a:t> </a:t>
+            </a:r>
+            <a:r>
+              <a:rPr lang="ru-RU" sz="3200" b="0" strike="noStrike" spc="-1" dirty="0" err="1" smtClean="0">
+                <a:solidFill>
+                  <a:srgbClr val="000000"/>
+                </a:solidFill>
+                <a:latin typeface="Times New Roman" panose="02020603050405020304" pitchFamily="18" charset="0"/>
+                <a:cs typeface="Times New Roman" panose="02020603050405020304" pitchFamily="18" charset="0"/>
+              </a:rPr>
+              <a:t>Uno</a:t>
+            </a:r>
+            <a:r>
+              <a:rPr lang="ru-RU" sz="3200" b="0" strike="noStrike" spc="-1" dirty="0" smtClean="0">
+                <a:solidFill>
+                  <a:srgbClr val="000000"/>
+                </a:solidFill>
+                <a:latin typeface="Times New Roman" panose="02020603050405020304" pitchFamily="18" charset="0"/>
+                <a:cs typeface="Times New Roman" panose="02020603050405020304" pitchFamily="18" charset="0"/>
+              </a:rPr>
+              <a:t> </a:t>
+            </a:r>
+            <a:r>
+              <a:rPr lang="ru-RU" sz="3200" spc="-1" dirty="0" smtClean="0">
+                <a:solidFill>
+                  <a:srgbClr val="000000"/>
+                </a:solidFill>
+                <a:latin typeface="Times New Roman" panose="02020603050405020304" pitchFamily="18" charset="0"/>
+                <a:cs typeface="Times New Roman" panose="02020603050405020304" pitchFamily="18" charset="0"/>
+              </a:rPr>
+              <a:t>–1700р </a:t>
+            </a:r>
+            <a:r>
+              <a:rPr lang="ru-RU" sz="3200" spc="-1" dirty="0">
+                <a:solidFill>
+                  <a:srgbClr val="000000"/>
+                </a:solidFill>
+                <a:latin typeface="Times New Roman" panose="02020603050405020304" pitchFamily="18" charset="0"/>
+                <a:cs typeface="Times New Roman" panose="02020603050405020304" pitchFamily="18" charset="0"/>
+              </a:rPr>
+              <a:t>(</a:t>
+            </a:r>
+            <a:r>
+              <a:rPr lang="ru-RU" sz="3200" spc="-1" dirty="0" smtClean="0">
+                <a:solidFill>
+                  <a:srgbClr val="000000"/>
+                </a:solidFill>
+                <a:latin typeface="Times New Roman" panose="02020603050405020304" pitchFamily="18" charset="0"/>
+                <a:cs typeface="Times New Roman" panose="02020603050405020304" pitchFamily="18" charset="0"/>
+              </a:rPr>
+              <a:t>1шт)</a:t>
+            </a:r>
+          </a:p>
+          <a:p>
+            <a:pPr marL="343080" indent="-342720">
+              <a:spcBef>
+                <a:spcPts val="641"/>
+              </a:spcBef>
+              <a:buClr>
+                <a:srgbClr val="000000"/>
+              </a:buClr>
+              <a:buFont typeface="Arial"/>
+              <a:buChar char="•"/>
+            </a:pPr>
+            <a:r>
+              <a:rPr lang="ru-RU" sz="3200" b="0" strike="noStrike" spc="-1" dirty="0" smtClean="0">
+                <a:solidFill>
+                  <a:srgbClr val="000000"/>
+                </a:solidFill>
+                <a:latin typeface="Times New Roman" panose="02020603050405020304" pitchFamily="18" charset="0"/>
+                <a:cs typeface="Times New Roman" panose="02020603050405020304" pitchFamily="18" charset="0"/>
+              </a:rPr>
+              <a:t>Светодиоды </a:t>
+            </a:r>
+            <a:r>
+              <a:rPr lang="ru-RU" sz="3200" spc="-1" dirty="0">
+                <a:solidFill>
+                  <a:srgbClr val="000000"/>
+                </a:solidFill>
+                <a:latin typeface="Times New Roman" panose="02020603050405020304" pitchFamily="18" charset="0"/>
+                <a:cs typeface="Times New Roman" panose="02020603050405020304" pitchFamily="18" charset="0"/>
+              </a:rPr>
+              <a:t>– </a:t>
+            </a:r>
+            <a:r>
+              <a:rPr lang="ru-RU" sz="3200" spc="-1" dirty="0" smtClean="0">
+                <a:solidFill>
+                  <a:srgbClr val="000000"/>
+                </a:solidFill>
+                <a:latin typeface="Times New Roman" panose="02020603050405020304" pitchFamily="18" charset="0"/>
+                <a:cs typeface="Times New Roman" panose="02020603050405020304" pitchFamily="18" charset="0"/>
+              </a:rPr>
+              <a:t>1700р </a:t>
+            </a:r>
+            <a:r>
+              <a:rPr lang="ru-RU" sz="3200" spc="-1" dirty="0">
+                <a:solidFill>
+                  <a:srgbClr val="000000"/>
+                </a:solidFill>
+                <a:latin typeface="Times New Roman" panose="02020603050405020304" pitchFamily="18" charset="0"/>
+                <a:cs typeface="Times New Roman" panose="02020603050405020304" pitchFamily="18" charset="0"/>
+              </a:rPr>
+              <a:t>(</a:t>
+            </a:r>
+            <a:r>
+              <a:rPr lang="ru-RU" sz="3200" spc="-1" dirty="0" smtClean="0">
+                <a:solidFill>
+                  <a:srgbClr val="000000"/>
+                </a:solidFill>
+                <a:latin typeface="Times New Roman" panose="02020603050405020304" pitchFamily="18" charset="0"/>
+                <a:cs typeface="Times New Roman" panose="02020603050405020304" pitchFamily="18" charset="0"/>
+              </a:rPr>
+              <a:t>1шт)</a:t>
+            </a:r>
+          </a:p>
+          <a:p>
+            <a:pPr marL="343080" indent="-342720">
+              <a:spcBef>
+                <a:spcPts val="641"/>
+              </a:spcBef>
+              <a:buClr>
+                <a:srgbClr val="000000"/>
+              </a:buClr>
+              <a:buFont typeface="Arial"/>
+              <a:buChar char="•"/>
+            </a:pPr>
+            <a:r>
+              <a:rPr lang="ru-RU" sz="3200" b="0" strike="noStrike" spc="-1" dirty="0" smtClean="0">
+                <a:solidFill>
+                  <a:srgbClr val="000000"/>
+                </a:solidFill>
+                <a:latin typeface="Times New Roman" panose="02020603050405020304" pitchFamily="18" charset="0"/>
+                <a:cs typeface="Times New Roman" panose="02020603050405020304" pitchFamily="18" charset="0"/>
+              </a:rPr>
+              <a:t>Провода – 290р </a:t>
+            </a:r>
+            <a:r>
+              <a:rPr lang="ru-RU" sz="3200" b="0" strike="noStrike" spc="-1" dirty="0">
+                <a:solidFill>
+                  <a:srgbClr val="000000"/>
+                </a:solidFill>
+                <a:latin typeface="Times New Roman" panose="02020603050405020304" pitchFamily="18" charset="0"/>
+                <a:cs typeface="Times New Roman" panose="02020603050405020304" pitchFamily="18" charset="0"/>
+              </a:rPr>
+              <a:t>(65шт)</a:t>
+            </a:r>
+          </a:p>
+          <a:p>
+            <a:pPr marL="343080" indent="-342720">
+              <a:lnSpc>
+                <a:spcPct val="100000"/>
+              </a:lnSpc>
+              <a:spcBef>
+                <a:spcPts val="641"/>
+              </a:spcBef>
+              <a:buClr>
+                <a:srgbClr val="000000"/>
+              </a:buClr>
+              <a:buFont typeface="Arial"/>
+              <a:buChar char="•"/>
+            </a:pPr>
+            <a:r>
+              <a:rPr lang="ru-RU" sz="3200" spc="-1" dirty="0" smtClean="0">
+                <a:solidFill>
+                  <a:srgbClr val="000000"/>
+                </a:solidFill>
+                <a:latin typeface="Times New Roman" panose="02020603050405020304" pitchFamily="18" charset="0"/>
+                <a:cs typeface="Times New Roman" panose="02020603050405020304" pitchFamily="18" charset="0"/>
+              </a:rPr>
+              <a:t>Фоторезистор </a:t>
+            </a:r>
+            <a:r>
+              <a:rPr lang="en-US" sz="3200" b="0" strike="noStrike" spc="-1" dirty="0" smtClean="0">
+                <a:solidFill>
+                  <a:srgbClr val="000000"/>
+                </a:solidFill>
+                <a:latin typeface="Times New Roman" panose="02020603050405020304" pitchFamily="18" charset="0"/>
+                <a:cs typeface="Times New Roman" panose="02020603050405020304" pitchFamily="18" charset="0"/>
+              </a:rPr>
+              <a:t>– </a:t>
+            </a:r>
+            <a:r>
+              <a:rPr lang="ru-RU" sz="3200" b="0" strike="noStrike" spc="-1" dirty="0" smtClean="0">
+                <a:solidFill>
+                  <a:srgbClr val="000000"/>
+                </a:solidFill>
+                <a:latin typeface="Times New Roman" panose="02020603050405020304" pitchFamily="18" charset="0"/>
+                <a:cs typeface="Times New Roman" panose="02020603050405020304" pitchFamily="18" charset="0"/>
+              </a:rPr>
+              <a:t>680р </a:t>
+            </a:r>
+            <a:r>
+              <a:rPr lang="ru-RU" sz="3200" b="0" strike="noStrike" spc="-1" dirty="0">
+                <a:solidFill>
+                  <a:srgbClr val="000000"/>
+                </a:solidFill>
+                <a:latin typeface="Times New Roman" panose="02020603050405020304" pitchFamily="18" charset="0"/>
+                <a:cs typeface="Times New Roman" panose="02020603050405020304" pitchFamily="18" charset="0"/>
+              </a:rPr>
+              <a:t>(2шт</a:t>
+            </a:r>
+            <a:r>
+              <a:rPr lang="ru-RU" sz="3200" b="0" strike="noStrike" spc="-1" dirty="0" smtClean="0">
+                <a:solidFill>
+                  <a:srgbClr val="000000"/>
+                </a:solidFill>
+                <a:latin typeface="Times New Roman" panose="02020603050405020304" pitchFamily="18" charset="0"/>
+                <a:cs typeface="Times New Roman" panose="02020603050405020304" pitchFamily="18" charset="0"/>
+              </a:rPr>
+              <a:t>)</a:t>
+            </a:r>
+          </a:p>
+          <a:p>
+            <a:pPr marL="343080" indent="-342720">
+              <a:lnSpc>
+                <a:spcPct val="100000"/>
+              </a:lnSpc>
+              <a:spcBef>
+                <a:spcPts val="641"/>
+              </a:spcBef>
+              <a:buClr>
+                <a:srgbClr val="000000"/>
+              </a:buClr>
+              <a:buFont typeface="Arial"/>
+              <a:buChar char="•"/>
+            </a:pPr>
+            <a:r>
+              <a:rPr lang="ru-RU" sz="3200" spc="-1" dirty="0" smtClean="0">
+                <a:solidFill>
+                  <a:srgbClr val="000000"/>
+                </a:solidFill>
+                <a:latin typeface="Times New Roman" panose="02020603050405020304" pitchFamily="18" charset="0"/>
+                <a:cs typeface="Times New Roman" panose="02020603050405020304" pitchFamily="18" charset="0"/>
+              </a:rPr>
+              <a:t>Кнопка – 10р (1шт)</a:t>
+            </a:r>
+          </a:p>
+          <a:p>
+            <a:pPr marL="343080" indent="-342720">
+              <a:lnSpc>
+                <a:spcPct val="100000"/>
+              </a:lnSpc>
+              <a:spcBef>
+                <a:spcPts val="641"/>
+              </a:spcBef>
+              <a:buClr>
+                <a:srgbClr val="000000"/>
+              </a:buClr>
+              <a:buFont typeface="Arial"/>
+              <a:buChar char="•"/>
+            </a:pPr>
+            <a:r>
+              <a:rPr lang="ru-RU" sz="3200" b="0" strike="noStrike" spc="-1" dirty="0" smtClean="0">
+                <a:solidFill>
+                  <a:srgbClr val="000000"/>
+                </a:solidFill>
+                <a:latin typeface="Times New Roman" panose="02020603050405020304" pitchFamily="18" charset="0"/>
+                <a:cs typeface="Times New Roman" panose="02020603050405020304" pitchFamily="18" charset="0"/>
+              </a:rPr>
+              <a:t>Резисторы – 350р(набор)</a:t>
+            </a:r>
+          </a:p>
+          <a:p>
+            <a:pPr marL="343080" indent="-342720">
+              <a:lnSpc>
+                <a:spcPct val="100000"/>
+              </a:lnSpc>
+              <a:spcBef>
+                <a:spcPts val="641"/>
+              </a:spcBef>
+              <a:buClr>
+                <a:srgbClr val="000000"/>
+              </a:buClr>
+              <a:buFont typeface="Arial"/>
+              <a:buChar char="•"/>
+            </a:pPr>
+            <a:r>
+              <a:rPr lang="ru-RU" sz="3200" spc="-1" dirty="0" smtClean="0">
+                <a:solidFill>
+                  <a:srgbClr val="000000"/>
+                </a:solidFill>
+                <a:latin typeface="Times New Roman" panose="02020603050405020304" pitchFamily="18" charset="0"/>
+                <a:cs typeface="Times New Roman" panose="02020603050405020304" pitchFamily="18" charset="0"/>
+              </a:rPr>
+              <a:t>Ик-пульт, ИК-приемник – 200р(1шт)</a:t>
+            </a:r>
+            <a:endParaRPr lang="ru-RU" sz="3200" b="0" strike="noStrike" spc="-1" dirty="0">
+              <a:solidFill>
+                <a:srgbClr val="000000"/>
+              </a:solidFill>
+              <a:latin typeface="Times New Roman" panose="02020603050405020304" pitchFamily="18" charset="0"/>
+              <a:cs typeface="Times New Roman" panose="02020603050405020304" pitchFamily="18" charset="0"/>
+            </a:endParaRPr>
+          </a:p>
+          <a:p>
+            <a:pPr marL="343080" indent="-342720">
+              <a:lnSpc>
+                <a:spcPct val="100000"/>
+              </a:lnSpc>
+              <a:spcBef>
+                <a:spcPts val="641"/>
+              </a:spcBef>
+              <a:buClr>
+                <a:srgbClr val="000000"/>
+              </a:buClr>
+              <a:buFont typeface="Arial"/>
+              <a:buChar char="•"/>
+            </a:pPr>
+            <a:r>
+              <a:rPr lang="ru-RU" sz="3200" b="0" strike="noStrike" spc="-1" dirty="0" smtClean="0">
+                <a:solidFill>
+                  <a:srgbClr val="000000"/>
+                </a:solidFill>
+                <a:latin typeface="Times New Roman" panose="02020603050405020304" pitchFamily="18" charset="0"/>
+                <a:cs typeface="Times New Roman" panose="02020603050405020304" pitchFamily="18" charset="0"/>
+              </a:rPr>
+              <a:t>Основа – 500р </a:t>
+            </a:r>
+            <a:r>
+              <a:rPr lang="ru-RU" sz="3200" b="0" strike="noStrike" spc="-1" dirty="0">
+                <a:solidFill>
+                  <a:srgbClr val="000000"/>
+                </a:solidFill>
+                <a:latin typeface="Times New Roman" panose="02020603050405020304" pitchFamily="18" charset="0"/>
+                <a:cs typeface="Times New Roman" panose="02020603050405020304" pitchFamily="18" charset="0"/>
+              </a:rPr>
+              <a:t>(1шт</a:t>
+            </a:r>
+            <a:r>
+              <a:rPr lang="ru-RU" sz="3200" b="0" strike="noStrike" spc="-1" dirty="0" smtClean="0">
+                <a:solidFill>
+                  <a:srgbClr val="000000"/>
+                </a:solidFill>
+                <a:latin typeface="Times New Roman" panose="02020603050405020304" pitchFamily="18" charset="0"/>
+                <a:cs typeface="Times New Roman" panose="02020603050405020304" pitchFamily="18" charset="0"/>
+              </a:rPr>
+              <a:t>)</a:t>
+            </a:r>
+          </a:p>
+          <a:p>
+            <a:pPr marL="343080" indent="-342720">
+              <a:lnSpc>
+                <a:spcPct val="100000"/>
+              </a:lnSpc>
+              <a:spcBef>
+                <a:spcPts val="641"/>
+              </a:spcBef>
+              <a:buClr>
+                <a:srgbClr val="000000"/>
+              </a:buClr>
+              <a:buFont typeface="Arial"/>
+              <a:buChar char="•"/>
+            </a:pPr>
+            <a:endParaRPr lang="ru-RU" sz="3200" b="0" strike="noStrike" spc="-1" dirty="0">
+              <a:solidFill>
+                <a:srgbClr val="000000"/>
+              </a:solidFill>
+              <a:latin typeface="Calibri"/>
+            </a:endParaRPr>
+          </a:p>
+          <a:p>
+            <a:pPr>
+              <a:lnSpc>
+                <a:spcPct val="100000"/>
+              </a:lnSpc>
+              <a:spcBef>
+                <a:spcPts val="641"/>
+              </a:spcBef>
+            </a:pPr>
+            <a:endParaRPr lang="ru-RU" sz="3200" b="0" strike="noStrike" spc="-1" dirty="0">
+              <a:solidFill>
+                <a:srgbClr val="000000"/>
+              </a:solidFill>
+              <a:latin typeface="Calibri"/>
+            </a:endParaRPr>
+          </a:p>
+        </p:txBody>
+      </p:sp>
+    </p:spTree>
+  </p:cSld>
+  <p:clrMapOvr>
+    <a:masterClrMapping/>
+  </p:clrMapOvr>
+  <p:timing>
+    <p:tnLst>
+      <p:par>
+        <p:cTn id="1" dur="indefinite" restart="never" nodeType="tmRoot">
+          <p:childTnLst>
+            <p:seq>
+              <p:cTn id="2" dur="indefinite" nodeType="mainSeq"/>
+              <p:prevCondLst>
+                <p:cond evt="onPrev" delay="0">
+                  <p:tgtEl>
+                    <p:sldTgt/>
+                  </p:tgtEl>
+                </p:cond>
+              </p:prevCondLst>
+              <p:nextCondLst>
+                <p:cond evt="onNext" delay="0">
+                  <p:tgtEl>
+                    <p:sldTgt/>
+                  </p:tgtEl>
+                </p:cond>
+              </p:nextCondLst>
+            </p:seq>
+          </p:childTnLst>
+        </p:cTn>
+      </p:par>
+    </p:tnLst>
+  </p:timing>
+</p:sld>
+</file>
+
+<file path=ppt/slides/slide13.xml><?xml version="1.0" encoding="utf-8"?>
+<p:sld xmlns:a="http://schemas.openxmlformats.org/drawingml/2006/main" xmlns:r="http://schemas.openxmlformats.org/officeDocument/2006/relationships" xmlns:p="http://schemas.openxmlformats.org/presentationml/2006/main">
+  <p:cSld>
+    <p:spTree>
+      <p:nvGrpSpPr>
+        <p:cNvPr id="1" name=""/>
+        <p:cNvGrpSpPr/>
+        <p:nvPr/>
+      </p:nvGrpSpPr>
+      <p:grpSpPr>
+        <a:xfrm>
+          <a:off x="0" y="0"/>
+          <a:ext cx="0" cy="0"/>
+          <a:chOff x="0" y="0"/>
+          <a:chExt cx="0" cy="0"/>
+        </a:xfrm>
+      </p:grpSpPr>
+      <p:sp>
+        <p:nvSpPr>
+          <p:cNvPr id="100" name="TextShape 1"/>
+          <p:cNvSpPr txBox="1"/>
+          <p:nvPr/>
+        </p:nvSpPr>
+        <p:spPr>
+          <a:xfrm>
+            <a:off x="439523" y="-171400"/>
+            <a:ext cx="8229240" cy="1142640"/>
+          </a:xfrm>
+          <a:prstGeom prst="rect">
+            <a:avLst/>
+          </a:prstGeom>
+          <a:noFill/>
+          <a:ln>
+            <a:noFill/>
+          </a:ln>
+        </p:spPr>
+        <p:txBody>
+          <a:bodyPr anchor="ctr"/>
+          <a:lstStyle/>
+          <a:p>
+            <a:pPr algn="ctr">
+              <a:lnSpc>
+                <a:spcPct val="100000"/>
+              </a:lnSpc>
+            </a:pPr>
+            <a:r>
+              <a:rPr lang="ru-RU" sz="4400" b="0" strike="noStrike" spc="-1" dirty="0">
+                <a:solidFill>
+                  <a:srgbClr val="000000"/>
+                </a:solidFill>
+                <a:latin typeface="Times New Roman" panose="02020603050405020304" pitchFamily="18" charset="0"/>
+                <a:cs typeface="Times New Roman" panose="02020603050405020304" pitchFamily="18" charset="0"/>
+              </a:rPr>
+              <a:t>Схема</a:t>
+            </a:r>
+          </a:p>
+        </p:txBody>
+      </p:sp>
+      <p:pic>
+        <p:nvPicPr>
+          <p:cNvPr id="2" name="Рисунок 1"/>
+          <p:cNvPicPr>
+            <a:picLocks noChangeAspect="1"/>
+          </p:cNvPicPr>
+          <p:nvPr/>
+        </p:nvPicPr>
+        <p:blipFill>
+          <a:blip r:embed="rId2">
+            <a:extLst>
+              <a:ext uri="{28A0092B-C50C-407E-A947-70E740481C1C}">
+                <a14:useLocalDpi xmlns:a14="http://schemas.microsoft.com/office/drawing/2010/main" val="0"/>
+              </a:ext>
+            </a:extLst>
+          </a:blip>
+          <a:stretch>
+            <a:fillRect/>
+          </a:stretch>
+        </p:blipFill>
+        <p:spPr>
+          <a:xfrm>
+            <a:off x="143907" y="692696"/>
+            <a:ext cx="8820472" cy="5993710"/>
+          </a:xfrm>
+          <a:prstGeom prst="rect">
+            <a:avLst/>
+          </a:prstGeom>
+        </p:spPr>
+      </p:pic>
+    </p:spTree>
+  </p:cSld>
+  <p:clrMapOvr>
+    <a:masterClrMapping/>
+  </p:clrMapOvr>
+  <p:timing>
+    <p:tnLst>
+      <p:par>
+        <p:cTn id="1" dur="indefinite" restart="never" nodeType="tmRoot">
+          <p:childTnLst>
+            <p:seq>
+              <p:cTn id="2" dur="indefinite" nodeType="mainSeq"/>
+              <p:prevCondLst>
+                <p:cond evt="onPrev" delay="0">
+                  <p:tgtEl>
+                    <p:sldTgt/>
+                  </p:tgtEl>
+                </p:cond>
+              </p:prevCondLst>
+              <p:nextCondLst>
+                <p:cond evt="onNext" delay="0">
+                  <p:tgtEl>
+                    <p:sldTgt/>
+                  </p:tgtEl>
+                </p:cond>
+              </p:nextCondLst>
+            </p:seq>
+          </p:childTnLst>
+        </p:cTn>
+      </p:par>
+    </p:tnLst>
+  </p:timing>
+</p:sld>
+</file>
+
+<file path=ppt/slides/slide14.xml><?xml version="1.0" encoding="utf-8"?>
+<p:sld xmlns:a="http://schemas.openxmlformats.org/drawingml/2006/main" xmlns:r="http://schemas.openxmlformats.org/officeDocument/2006/relationships" xmlns:p="http://schemas.openxmlformats.org/presentationml/2006/main">
+  <p:cSld>
+    <p:spTree>
+      <p:nvGrpSpPr>
+        <p:cNvPr id="1" name=""/>
+        <p:cNvGrpSpPr/>
+        <p:nvPr/>
+      </p:nvGrpSpPr>
+      <p:grpSpPr>
+        <a:xfrm>
+          <a:off x="0" y="0"/>
+          <a:ext cx="0" cy="0"/>
+          <a:chOff x="0" y="0"/>
+          <a:chExt cx="0" cy="0"/>
+        </a:xfrm>
+      </p:grpSpPr>
+      <p:sp>
+        <p:nvSpPr>
+          <p:cNvPr id="101" name="TextShape 1"/>
+          <p:cNvSpPr txBox="1"/>
+          <p:nvPr/>
+        </p:nvSpPr>
+        <p:spPr>
+          <a:xfrm>
+            <a:off x="472210" y="-243408"/>
+            <a:ext cx="8229240" cy="1142640"/>
+          </a:xfrm>
+          <a:prstGeom prst="rect">
+            <a:avLst/>
+          </a:prstGeom>
+          <a:noFill/>
+          <a:ln>
+            <a:noFill/>
+          </a:ln>
+        </p:spPr>
+        <p:txBody>
+          <a:bodyPr anchor="ctr"/>
+          <a:lstStyle/>
+          <a:p>
+            <a:pPr algn="ctr">
+              <a:lnSpc>
+                <a:spcPct val="100000"/>
+              </a:lnSpc>
+            </a:pPr>
+            <a:r>
+              <a:rPr lang="ru-RU" sz="4400" b="0" strike="noStrike" spc="-1" dirty="0">
+                <a:solidFill>
+                  <a:srgbClr val="000000"/>
+                </a:solidFill>
+                <a:latin typeface="Times New Roman" panose="02020603050405020304" pitchFamily="18" charset="0"/>
+                <a:cs typeface="Times New Roman" panose="02020603050405020304" pitchFamily="18" charset="0"/>
+              </a:rPr>
+              <a:t>Проект</a:t>
+            </a:r>
+          </a:p>
+        </p:txBody>
+      </p:sp>
+      <p:pic>
+        <p:nvPicPr>
+          <p:cNvPr id="2" name="Рисунок 1"/>
+          <p:cNvPicPr>
+            <a:picLocks noChangeAspect="1"/>
+          </p:cNvPicPr>
+          <p:nvPr/>
+        </p:nvPicPr>
+        <p:blipFill>
+          <a:blip r:embed="rId2">
+            <a:extLst>
+              <a:ext uri="{28A0092B-C50C-407E-A947-70E740481C1C}">
+                <a14:useLocalDpi xmlns:a14="http://schemas.microsoft.com/office/drawing/2010/main" val="0"/>
+              </a:ext>
+            </a:extLst>
+          </a:blip>
+          <a:stretch>
+            <a:fillRect/>
+          </a:stretch>
+        </p:blipFill>
+        <p:spPr>
+          <a:xfrm>
+            <a:off x="585518" y="627077"/>
+            <a:ext cx="8115932" cy="6093296"/>
+          </a:xfrm>
+          <a:prstGeom prst="rect">
+            <a:avLst/>
+          </a:prstGeom>
+        </p:spPr>
+      </p:pic>
+    </p:spTree>
+  </p:cSld>
+  <p:clrMapOvr>
+    <a:masterClrMapping/>
+  </p:clrMapOvr>
+  <p:timing>
+    <p:tnLst>
+      <p:par>
+        <p:cTn id="1" dur="indefinite" restart="never" nodeType="tmRoot">
+          <p:childTnLst>
+            <p:seq>
+              <p:cTn id="2" dur="indefinite" nodeType="mainSeq"/>
+              <p:prevCondLst>
+                <p:cond evt="onPrev" delay="0">
+                  <p:tgtEl>
+                    <p:sldTgt/>
+                  </p:tgtEl>
+                </p:cond>
+              </p:prevCondLst>
+              <p:nextCondLst>
+                <p:cond evt="onNext" delay="0">
+                  <p:tgtEl>
+                    <p:sldTgt/>
+                  </p:tgtEl>
+                </p:cond>
+              </p:nextCondLst>
+            </p:seq>
+          </p:childTnLst>
+        </p:cTn>
+      </p:par>
+    </p:tnLst>
+  </p:timing>
+</p:sld>
+</file>
+
+<file path=ppt/slides/slide15.xml><?xml version="1.0" encoding="utf-8"?>
+<p:sld xmlns:a="http://schemas.openxmlformats.org/drawingml/2006/main" xmlns:r="http://schemas.openxmlformats.org/officeDocument/2006/relationships" xmlns:p="http://schemas.openxmlformats.org/presentationml/2006/main">
+  <p:cSld>
+    <p:spTree>
+      <p:nvGrpSpPr>
+        <p:cNvPr id="1" name=""/>
+        <p:cNvGrpSpPr/>
+        <p:nvPr/>
+      </p:nvGrpSpPr>
+      <p:grpSpPr>
+        <a:xfrm>
+          <a:off x="0" y="0"/>
+          <a:ext cx="0" cy="0"/>
+          <a:chOff x="0" y="0"/>
+          <a:chExt cx="0" cy="0"/>
+        </a:xfrm>
+      </p:grpSpPr>
+      <p:sp>
+        <p:nvSpPr>
+          <p:cNvPr id="102" name="TextShape 1"/>
+          <p:cNvSpPr txBox="1"/>
+          <p:nvPr/>
+        </p:nvSpPr>
+        <p:spPr>
+          <a:xfrm>
+            <a:off x="457200" y="274680"/>
+            <a:ext cx="8229240" cy="1142640"/>
+          </a:xfrm>
+          <a:prstGeom prst="rect">
+            <a:avLst/>
+          </a:prstGeom>
+          <a:noFill/>
+          <a:ln>
+            <a:noFill/>
+          </a:ln>
+        </p:spPr>
+        <p:txBody>
+          <a:bodyPr anchor="ctr"/>
+          <a:lstStyle/>
+          <a:p>
+            <a:pPr algn="ctr">
+              <a:lnSpc>
+                <a:spcPct val="100000"/>
+              </a:lnSpc>
+            </a:pPr>
+            <a:r>
+              <a:rPr lang="ru-RU" sz="4400" b="0" strike="noStrike" spc="-1" dirty="0">
+                <a:solidFill>
+                  <a:srgbClr val="000000"/>
+                </a:solidFill>
+                <a:latin typeface="Times New Roman" panose="02020603050405020304" pitchFamily="18" charset="0"/>
+                <a:cs typeface="Times New Roman" panose="02020603050405020304" pitchFamily="18" charset="0"/>
+              </a:rPr>
+              <a:t>Планы на будущие</a:t>
+            </a:r>
+          </a:p>
+        </p:txBody>
+      </p:sp>
+      <p:sp>
+        <p:nvSpPr>
+          <p:cNvPr id="103" name="TextShape 2"/>
+          <p:cNvSpPr txBox="1"/>
+          <p:nvPr/>
+        </p:nvSpPr>
+        <p:spPr>
+          <a:xfrm>
+            <a:off x="457200" y="1600200"/>
+            <a:ext cx="8229240" cy="4525560"/>
+          </a:xfrm>
+          <a:prstGeom prst="rect">
+            <a:avLst/>
+          </a:prstGeom>
+          <a:noFill/>
+          <a:ln>
+            <a:noFill/>
+          </a:ln>
+        </p:spPr>
+        <p:txBody>
+          <a:bodyPr/>
+          <a:lstStyle/>
+          <a:p>
+            <a:pPr marL="343080" indent="-342720">
+              <a:lnSpc>
+                <a:spcPct val="100000"/>
+              </a:lnSpc>
+              <a:spcBef>
+                <a:spcPts val="641"/>
+              </a:spcBef>
+              <a:buClr>
+                <a:srgbClr val="000000"/>
+              </a:buClr>
+              <a:buFont typeface="Arial"/>
+              <a:buChar char="•"/>
+            </a:pPr>
+            <a:r>
+              <a:rPr lang="ru-RU" sz="3200" b="0" strike="noStrike" spc="-1" dirty="0">
+                <a:solidFill>
+                  <a:srgbClr val="000000"/>
+                </a:solidFill>
+                <a:latin typeface="Times New Roman" panose="02020603050405020304" pitchFamily="18" charset="0"/>
+                <a:cs typeface="Times New Roman" panose="02020603050405020304" pitchFamily="18" charset="0"/>
+              </a:rPr>
+              <a:t>Связать проект с сайтом диспетчера</a:t>
+            </a:r>
+            <a:r>
+              <a:rPr lang="ru-RU" sz="3200" b="0" strike="noStrike" spc="-1" dirty="0" smtClean="0">
+                <a:solidFill>
+                  <a:srgbClr val="000000"/>
+                </a:solidFill>
+                <a:latin typeface="Times New Roman" panose="02020603050405020304" pitchFamily="18" charset="0"/>
+                <a:cs typeface="Times New Roman" panose="02020603050405020304" pitchFamily="18" charset="0"/>
+              </a:rPr>
+              <a:t>.</a:t>
+            </a:r>
+            <a:r>
+              <a:rPr lang="ru-RU" sz="3200" dirty="0">
+                <a:latin typeface="Times New Roman" panose="02020603050405020304" pitchFamily="18" charset="0"/>
+                <a:cs typeface="Times New Roman" panose="02020603050405020304" pitchFamily="18" charset="0"/>
+              </a:rPr>
+              <a:t> Улучшить макет. Добавить дополнительный функционал используя различные датчики.</a:t>
+            </a:r>
+            <a:endParaRPr lang="ru-RU" sz="3200" b="0" strike="noStrike" spc="-1" dirty="0">
+              <a:solidFill>
+                <a:srgbClr val="000000"/>
+              </a:solidFill>
+              <a:latin typeface="Times New Roman" panose="02020603050405020304" pitchFamily="18" charset="0"/>
+              <a:cs typeface="Times New Roman" panose="02020603050405020304" pitchFamily="18" charset="0"/>
+            </a:endParaRPr>
+          </a:p>
+        </p:txBody>
+      </p:sp>
+    </p:spTree>
+  </p:cSld>
+  <p:clrMapOvr>
+    <a:masterClrMapping/>
+  </p:clrMapOvr>
+  <p:timing>
+    <p:tnLst>
+      <p:par>
+        <p:cTn id="1" dur="indefinite" restart="never" nodeType="tmRoot">
+          <p:childTnLst>
+            <p:seq>
+              <p:cTn id="2" dur="indefinite" nodeType="mainSeq"/>
+              <p:prevCondLst>
+                <p:cond evt="onPrev" delay="0">
+                  <p:tgtEl>
+                    <p:sldTgt/>
+                  </p:tgtEl>
+                </p:cond>
+              </p:prevCondLst>
+              <p:nextCondLst>
+                <p:cond evt="onNext" delay="0">
+                  <p:tgtEl>
+                    <p:sldTgt/>
+                  </p:tgtEl>
+                </p:cond>
+              </p:nextCondLst>
+            </p:seq>
+          </p:childTnLst>
+        </p:cTn>
+      </p:par>
+    </p:tnLst>
+  </p:timing>
+</p:sld>
+</file>
+
+<file path=ppt/slides/slide16.xml><?xml version="1.0" encoding="utf-8"?>
+<p:sld xmlns:a="http://schemas.openxmlformats.org/drawingml/2006/main" xmlns:r="http://schemas.openxmlformats.org/officeDocument/2006/relationships" xmlns:p="http://schemas.openxmlformats.org/presentationml/2006/main">
+  <p:cSld>
+    <p:spTree>
+      <p:nvGrpSpPr>
+        <p:cNvPr id="1" name=""/>
+        <p:cNvGrpSpPr/>
+        <p:nvPr/>
+      </p:nvGrpSpPr>
+      <p:grpSpPr>
+        <a:xfrm>
+          <a:off x="0" y="0"/>
+          <a:ext cx="0" cy="0"/>
+          <a:chOff x="0" y="0"/>
+          <a:chExt cx="0" cy="0"/>
+        </a:xfrm>
+      </p:grpSpPr>
+      <p:sp>
+        <p:nvSpPr>
           <p:cNvPr id="2" name="Заголовок 1"/>
           <p:cNvSpPr>
             <a:spLocks noGrp="1"/>
@@ -4368,10 +5581,16 @@
           <a:p>
             <a:pPr algn="just"/>
             <a:r>
-              <a:rPr lang="ru-RU" sz="6000" dirty="0" smtClean="0"/>
+              <a:rPr lang="ru-RU" sz="6000" dirty="0" smtClean="0">
+                <a:latin typeface="Times New Roman" panose="02020603050405020304" pitchFamily="18" charset="0"/>
+                <a:cs typeface="Times New Roman" panose="02020603050405020304" pitchFamily="18" charset="0"/>
+              </a:rPr>
               <a:t>Спасибо за внимание!</a:t>
             </a:r>
-            <a:endParaRPr lang="ru-RU" sz="6000" dirty="0"/>
+            <a:endParaRPr lang="ru-RU" sz="6000" dirty="0">
+              <a:latin typeface="Times New Roman" panose="02020603050405020304" pitchFamily="18" charset="0"/>
+              <a:cs typeface="Times New Roman" panose="02020603050405020304" pitchFamily="18" charset="0"/>
+            </a:endParaRPr>
           </a:p>
         </p:txBody>
       </p:sp>
@@ -4453,7 +5672,7 @@
               </a:lnSpc>
             </a:pPr>
             <a:r>
-              <a:rPr lang="ru-RU" sz="4400" b="0" strike="noStrike" spc="-1">
+              <a:rPr lang="ru-RU" sz="4400" b="1" strike="noStrike" spc="-1" dirty="0">
                 <a:solidFill>
                   <a:srgbClr val="000000"/>
                 </a:solidFill>
@@ -4461,7 +5680,7 @@
               </a:rPr>
               <a:t>Развитие технологий </a:t>
             </a:r>
-            <a:endParaRPr lang="ru-RU" sz="4400" b="0" strike="noStrike" spc="-1">
+            <a:endParaRPr lang="ru-RU" sz="4400" b="1" strike="noStrike" spc="-1" dirty="0">
               <a:latin typeface="Arial"/>
             </a:endParaRPr>
           </a:p>
@@ -4740,7 +5959,7 @@
               <a:buChar char="•"/>
             </a:pPr>
             <a:r>
-              <a:rPr lang="ru-RU" sz="3200" b="0" strike="noStrike" spc="-1" dirty="0">
+              <a:rPr lang="ru-RU" sz="3200" b="1" strike="noStrike" spc="-1" dirty="0">
                 <a:solidFill>
                   <a:srgbClr val="000000"/>
                 </a:solidFill>
@@ -4748,7 +5967,7 @@
               </a:rPr>
               <a:t>Задачи: </a:t>
             </a:r>
-            <a:endParaRPr lang="ru-RU" sz="3200" b="0" strike="noStrike" spc="-1" dirty="0">
+            <a:endParaRPr lang="ru-RU" sz="3200" b="1" strike="noStrike" spc="-1" dirty="0">
               <a:solidFill>
                 <a:srgbClr val="000000"/>
               </a:solidFill>
@@ -5052,14 +6271,47 @@
               </a:lnSpc>
             </a:pPr>
             <a:r>
-              <a:rPr lang="ru-RU" sz="4400" b="0" strike="noStrike" spc="-1">
+              <a:rPr lang="ru-RU" sz="4400" b="1" strike="noStrike" spc="-1" dirty="0">
                 <a:solidFill>
                   <a:srgbClr val="000000"/>
                 </a:solidFill>
                 <a:latin typeface="Calibri"/>
               </a:rPr>
-              <a:t>Микроконтроллер Arduino Uno</a:t>
-            </a:r>
+              <a:t>Микроконтроллер </a:t>
+            </a:r>
+            <a:r>
+              <a:rPr lang="ru-RU" sz="4400" b="1" strike="noStrike" spc="-1" dirty="0" err="1">
+                <a:solidFill>
+                  <a:srgbClr val="000000"/>
+                </a:solidFill>
+                <a:latin typeface="Calibri"/>
+              </a:rPr>
+              <a:t>Arduino</a:t>
+            </a:r>
+            <a:r>
+              <a:rPr lang="ru-RU" sz="4400" b="1" strike="noStrike" spc="-1" dirty="0">
+                <a:solidFill>
+                  <a:srgbClr val="000000"/>
+                </a:solidFill>
+                <a:latin typeface="Calibri"/>
+              </a:rPr>
+              <a:t> </a:t>
+            </a:r>
+            <a:r>
+              <a:rPr lang="ru-RU" sz="4400" b="1" strike="noStrike" spc="-1" dirty="0" err="1">
+                <a:solidFill>
+                  <a:srgbClr val="000000"/>
+                </a:solidFill>
+                <a:latin typeface="Calibri"/>
+              </a:rPr>
+              <a:t>Uno</a:t>
+            </a:r>
+            <a:endParaRPr lang="ru-RU" sz="4400" b="1" strike="noStrike" spc="-1" dirty="0">
+              <a:solidFill>
+                <a:srgbClr val="000000"/>
+              </a:solidFill>
+              <a:latin typeface="Calibri"/>
+            </a:endParaRPr>
           </a:p>
         </p:txBody>
       </p:sp>
@@ -5075,7 +6327,7 @@
         </p:blipFill>
         <p:spPr>
           <a:xfrm>
-            <a:off x="0" y="1124744"/>
+            <a:off x="11009" y="836712"/>
             <a:ext cx="9143640" cy="5737576"/>
           </a:xfrm>
           <a:prstGeom prst="rect">
@@ -5167,7 +6419,7 @@
               </a:lnSpc>
             </a:pPr>
             <a:r>
-              <a:rPr lang="ru-RU" sz="4400" b="0" strike="noStrike" spc="-1">
+              <a:rPr lang="ru-RU" sz="4400" b="1" strike="noStrike" spc="-1" dirty="0">
                 <a:solidFill>
                   <a:srgbClr val="000000"/>
                 </a:solidFill>
@@ -5175,7 +6427,7 @@
               </a:rPr>
               <a:t>Идея Проекта</a:t>
             </a:r>
-            <a:endParaRPr lang="ru-RU" sz="4400" b="0" strike="noStrike" spc="-1">
+            <a:endParaRPr lang="ru-RU" sz="4400" b="1" strike="noStrike" spc="-1" dirty="0">
               <a:solidFill>
                 <a:srgbClr val="000000"/>
               </a:solidFill>
@@ -5236,7 +6488,34 @@
                 </a:solidFill>
                 <a:latin typeface="Calibri"/>
               </a:rPr>
-              <a:t>была: Сделать систему светофоров, у которого несколько режимов работы : первый- на одной дороге трафик больше, следовательно и время на зеленый цвет  больше, чем на второй, второй- это ночной, третий- для важных мероприятий, и режим с кнопкой на одной дороге.</a:t>
+              <a:t>была: </a:t>
+            </a:r>
+            <a:r>
+              <a:rPr lang="ru-RU" sz="3200" b="0" strike="noStrike" spc="-1" dirty="0" smtClean="0">
+                <a:solidFill>
+                  <a:srgbClr val="000000"/>
+                </a:solidFill>
+                <a:latin typeface="Calibri"/>
+              </a:rPr>
+              <a:t>сделать </a:t>
+            </a:r>
+            <a:r>
+              <a:rPr lang="ru-RU" sz="3200" b="0" strike="noStrike" spc="-1" dirty="0" smtClean="0">
+                <a:solidFill>
+                  <a:srgbClr val="000000"/>
+                </a:solidFill>
+                <a:latin typeface="Calibri"/>
+              </a:rPr>
+              <a:t>систему светофоров, у которого несколько режимов </a:t>
+            </a:r>
+            <a:r>
+              <a:rPr lang="ru-RU" sz="3200" b="0" strike="noStrike" spc="-1" dirty="0" smtClean="0">
+                <a:solidFill>
+                  <a:srgbClr val="000000"/>
+                </a:solidFill>
+                <a:latin typeface="Calibri"/>
+              </a:rPr>
+              <a:t>работы. </a:t>
             </a:r>
             <a:endParaRPr lang="ru-RU" sz="3200" b="0" strike="noStrike" spc="-1" dirty="0">
               <a:solidFill>
@@ -5301,330 +6580,73 @@
       </p:grpSpPr>
       <p:sp>
         <p:nvSpPr>
-          <p:cNvPr id="96" name="TextShape 1"/>
-          <p:cNvSpPr txBox="1"/>
+          <p:cNvPr id="2" name="Заголовок 1"/>
+          <p:cNvSpPr>
+            <a:spLocks noGrp="1"/>
+          </p:cNvSpPr>
+          <p:nvPr>
+            <p:ph type="title"/>
+          </p:nvPr>
+        </p:nvSpPr>
+        <p:spPr>
+          <a:xfrm>
+            <a:off x="1979712" y="-171400"/>
+            <a:ext cx="8229240" cy="1142640"/>
+          </a:xfrm>
+        </p:spPr>
+        <p:txBody>
+          <a:bodyPr/>
+          <a:lstStyle/>
+          <a:p>
+            <a:r>
+              <a:rPr lang="ru-RU" sz="4400" b="1" dirty="0" smtClean="0">
+                <a:latin typeface="Times New Roman" panose="02020603050405020304" pitchFamily="18" charset="0"/>
+                <a:cs typeface="Times New Roman" panose="02020603050405020304" pitchFamily="18" charset="0"/>
+              </a:rPr>
+              <a:t>Основной режим</a:t>
+            </a:r>
+            <a:endParaRPr lang="ru-RU" sz="4400" b="1" dirty="0">
+              <a:latin typeface="Times New Roman" panose="02020603050405020304" pitchFamily="18" charset="0"/>
+              <a:cs typeface="Times New Roman" panose="02020603050405020304" pitchFamily="18" charset="0"/>
+            </a:endParaRPr>
+          </a:p>
+        </p:txBody>
+      </p:sp>
+      <p:pic>
+        <p:nvPicPr>
+          <p:cNvPr id="5" name="Рисунок 4"/>
+          <p:cNvPicPr>
+            <a:picLocks noChangeAspect="1"/>
+          </p:cNvPicPr>
           <p:nvPr/>
-        </p:nvSpPr>
-        <p:spPr>
-          <a:xfrm>
-            <a:off x="457200" y="274680"/>
-            <a:ext cx="8229240" cy="1142640"/>
-          </a:xfrm>
-          <a:prstGeom prst="rect">
-            <a:avLst/>
-          </a:prstGeom>
-          <a:noFill/>
-          <a:ln>
-            <a:noFill/>
-          </a:ln>
-        </p:spPr>
-        <p:txBody>
-          <a:bodyPr anchor="ctr"/>
-          <a:lstStyle/>
-          <a:p>
-            <a:pPr algn="ctr">
-              <a:lnSpc>
-                <a:spcPct val="100000"/>
-              </a:lnSpc>
-            </a:pPr>
-            <a:r>
-              <a:rPr lang="ru-RU" sz="4400" b="0" strike="noStrike" spc="-1">
-                <a:solidFill>
-                  <a:srgbClr val="000000"/>
-                </a:solidFill>
-                <a:latin typeface="Calibri"/>
-              </a:rPr>
-              <a:t>Перечень оборудования</a:t>
-            </a:r>
-          </a:p>
-        </p:txBody>
-      </p:sp>
-      <p:sp>
-        <p:nvSpPr>
-          <p:cNvPr id="97" name="TextShape 2"/>
-          <p:cNvSpPr txBox="1"/>
-          <p:nvPr/>
-        </p:nvSpPr>
-        <p:spPr>
-          <a:xfrm>
-            <a:off x="457200" y="1600200"/>
-            <a:ext cx="8229240" cy="4525560"/>
-          </a:xfrm>
-          <a:prstGeom prst="rect">
-            <a:avLst/>
-          </a:prstGeom>
-          <a:noFill/>
-          <a:ln>
-            <a:noFill/>
-          </a:ln>
-        </p:spPr>
-        <p:txBody>
-          <a:bodyPr/>
-          <a:lstStyle/>
-          <a:p>
-            <a:pPr marL="343080" indent="-342720">
-              <a:lnSpc>
-                <a:spcPct val="100000"/>
-              </a:lnSpc>
-              <a:spcBef>
-                <a:spcPts val="641"/>
-              </a:spcBef>
-              <a:buClr>
-                <a:srgbClr val="000000"/>
-              </a:buClr>
-              <a:buFont typeface="Arial"/>
-              <a:buChar char="•"/>
-            </a:pPr>
-            <a:r>
-              <a:rPr lang="ru-RU" sz="3200" b="0" strike="noStrike" spc="-1" dirty="0" err="1">
-                <a:solidFill>
-                  <a:srgbClr val="000000"/>
-                </a:solidFill>
-                <a:latin typeface="Calibri"/>
-              </a:rPr>
-              <a:t>Arduino</a:t>
-            </a:r>
-            <a:r>
-              <a:rPr lang="ru-RU" sz="3200" b="0" strike="noStrike" spc="-1" dirty="0">
-                <a:solidFill>
-                  <a:srgbClr val="000000"/>
-                </a:solidFill>
-                <a:latin typeface="Calibri"/>
-              </a:rPr>
-              <a:t> </a:t>
-            </a:r>
-            <a:r>
-              <a:rPr lang="ru-RU" sz="3200" b="0" strike="noStrike" spc="-1" dirty="0" err="1">
-                <a:solidFill>
-                  <a:srgbClr val="000000"/>
-                </a:solidFill>
-                <a:latin typeface="Calibri"/>
-              </a:rPr>
-              <a:t>Uno</a:t>
-            </a:r>
-            <a:r>
-              <a:rPr lang="ru-RU" sz="3200" b="0" strike="noStrike" spc="-1" dirty="0">
-                <a:solidFill>
-                  <a:srgbClr val="000000"/>
-                </a:solidFill>
-                <a:latin typeface="Calibri"/>
-              </a:rPr>
-              <a:t>;</a:t>
-            </a:r>
-          </a:p>
-          <a:p>
-            <a:pPr marL="343080" indent="-342720">
-              <a:lnSpc>
-                <a:spcPct val="100000"/>
-              </a:lnSpc>
-              <a:spcBef>
-                <a:spcPts val="641"/>
-              </a:spcBef>
-              <a:buClr>
-                <a:srgbClr val="000000"/>
-              </a:buClr>
-              <a:buFont typeface="Arial"/>
-              <a:buChar char="•"/>
-            </a:pPr>
-            <a:r>
-              <a:rPr lang="ru-RU" sz="3200" spc="-1" dirty="0" smtClean="0">
-                <a:solidFill>
-                  <a:srgbClr val="000000"/>
-                </a:solidFill>
-                <a:latin typeface="Calibri"/>
-              </a:rPr>
-              <a:t>Фоторезистор</a:t>
-            </a:r>
-            <a:r>
-              <a:rPr lang="ru-RU" sz="3200" b="0" strike="noStrike" spc="-1" dirty="0" smtClean="0">
-                <a:solidFill>
-                  <a:srgbClr val="000000"/>
-                </a:solidFill>
-                <a:latin typeface="Calibri"/>
-              </a:rPr>
-              <a:t>;</a:t>
-            </a:r>
-          </a:p>
-          <a:p>
-            <a:pPr marL="343080" indent="-342720">
-              <a:lnSpc>
-                <a:spcPct val="100000"/>
-              </a:lnSpc>
-              <a:spcBef>
-                <a:spcPts val="641"/>
-              </a:spcBef>
-              <a:buClr>
-                <a:srgbClr val="000000"/>
-              </a:buClr>
-              <a:buFont typeface="Arial"/>
-              <a:buChar char="•"/>
-            </a:pPr>
-            <a:r>
-              <a:rPr lang="ru-RU" sz="3200" spc="-1" dirty="0" smtClean="0">
-                <a:solidFill>
-                  <a:srgbClr val="000000"/>
-                </a:solidFill>
-                <a:latin typeface="Calibri"/>
-              </a:rPr>
-              <a:t>Кнопка</a:t>
-            </a:r>
-            <a:r>
-              <a:rPr lang="en-US" sz="3200" spc="-1" dirty="0" smtClean="0">
-                <a:solidFill>
-                  <a:srgbClr val="000000"/>
-                </a:solidFill>
-                <a:latin typeface="Calibri"/>
-              </a:rPr>
-              <a:t>;</a:t>
-            </a:r>
-          </a:p>
-          <a:p>
-            <a:pPr marL="343080" indent="-342720">
-              <a:lnSpc>
-                <a:spcPct val="100000"/>
-              </a:lnSpc>
-              <a:spcBef>
-                <a:spcPts val="641"/>
-              </a:spcBef>
-              <a:buClr>
-                <a:srgbClr val="000000"/>
-              </a:buClr>
-              <a:buFont typeface="Arial"/>
-              <a:buChar char="•"/>
-            </a:pPr>
-            <a:r>
-              <a:rPr lang="ru-RU" sz="3200" b="0" strike="noStrike" spc="-1" dirty="0" smtClean="0">
-                <a:solidFill>
-                  <a:srgbClr val="000000"/>
-                </a:solidFill>
-                <a:latin typeface="Calibri"/>
-              </a:rPr>
-              <a:t>Резисторы</a:t>
-            </a:r>
-            <a:r>
-              <a:rPr lang="en-US" sz="3200" spc="-1" dirty="0" smtClean="0">
-                <a:solidFill>
-                  <a:srgbClr val="000000"/>
-                </a:solidFill>
-                <a:latin typeface="Calibri"/>
-              </a:rPr>
-              <a:t>;</a:t>
-            </a:r>
-          </a:p>
-          <a:p>
-            <a:pPr marL="343080" indent="-342720">
-              <a:lnSpc>
-                <a:spcPct val="100000"/>
-              </a:lnSpc>
-              <a:spcBef>
-                <a:spcPts val="641"/>
-              </a:spcBef>
-              <a:buClr>
-                <a:srgbClr val="000000"/>
-              </a:buClr>
-              <a:buFont typeface="Arial"/>
-              <a:buChar char="•"/>
-            </a:pPr>
-            <a:r>
-              <a:rPr lang="ru-RU" sz="3200" spc="-1" dirty="0" smtClean="0">
-                <a:solidFill>
-                  <a:srgbClr val="000000"/>
-                </a:solidFill>
-                <a:latin typeface="Calibri"/>
-              </a:rPr>
-              <a:t>Ик-контроллер, ИК-пульт</a:t>
-            </a:r>
-            <a:r>
-              <a:rPr lang="en-US" sz="3200" spc="-1" dirty="0">
-                <a:solidFill>
-                  <a:srgbClr val="000000"/>
-                </a:solidFill>
-                <a:latin typeface="Calibri"/>
-              </a:rPr>
-              <a:t>;</a:t>
-            </a:r>
-            <a:endParaRPr lang="ru-RU" sz="3200" b="0" strike="noStrike" spc="-1" dirty="0">
-              <a:solidFill>
-                <a:srgbClr val="000000"/>
-              </a:solidFill>
-              <a:latin typeface="Calibri"/>
-            </a:endParaRPr>
-          </a:p>
-          <a:p>
-            <a:pPr marL="343080" indent="-342720">
-              <a:lnSpc>
-                <a:spcPct val="100000"/>
-              </a:lnSpc>
-              <a:spcBef>
-                <a:spcPts val="641"/>
-              </a:spcBef>
-              <a:buClr>
-                <a:srgbClr val="000000"/>
-              </a:buClr>
-              <a:buFont typeface="Arial"/>
-              <a:buChar char="•"/>
-            </a:pPr>
-            <a:r>
-              <a:rPr lang="ru-RU" sz="3200" b="0" strike="noStrike" spc="-1" dirty="0">
-                <a:solidFill>
-                  <a:srgbClr val="000000"/>
-                </a:solidFill>
-                <a:latin typeface="Calibri"/>
-              </a:rPr>
-              <a:t>Светодиоды;</a:t>
-            </a:r>
-          </a:p>
-          <a:p>
-            <a:pPr marL="343080" indent="-342720">
-              <a:lnSpc>
-                <a:spcPct val="100000"/>
-              </a:lnSpc>
-              <a:spcBef>
-                <a:spcPts val="641"/>
-              </a:spcBef>
-              <a:buClr>
-                <a:srgbClr val="000000"/>
-              </a:buClr>
-              <a:buFont typeface="Arial"/>
-              <a:buChar char="•"/>
-            </a:pPr>
-            <a:r>
-              <a:rPr lang="ru-RU" sz="3200" b="0" strike="noStrike" spc="-1" dirty="0">
-                <a:solidFill>
-                  <a:srgbClr val="000000"/>
-                </a:solidFill>
-                <a:latin typeface="Calibri"/>
-              </a:rPr>
-              <a:t>Провода;</a:t>
-            </a:r>
-          </a:p>
-          <a:p>
-            <a:pPr marL="343080" indent="-342720">
-              <a:lnSpc>
-                <a:spcPct val="100000"/>
-              </a:lnSpc>
-              <a:spcBef>
-                <a:spcPts val="641"/>
-              </a:spcBef>
-              <a:buClr>
-                <a:srgbClr val="000000"/>
-              </a:buClr>
-              <a:buFont typeface="Arial"/>
-              <a:buChar char="•"/>
-            </a:pPr>
-            <a:r>
-              <a:rPr lang="ru-RU" sz="3200" b="0" strike="noStrike" spc="-1" dirty="0">
-                <a:solidFill>
-                  <a:srgbClr val="000000"/>
-                </a:solidFill>
-                <a:latin typeface="Calibri"/>
-              </a:rPr>
-              <a:t>Основа, имитирующая перекресток.</a:t>
-            </a:r>
-          </a:p>
-        </p:txBody>
-      </p:sp>
+        </p:nvPicPr>
+        <p:blipFill rotWithShape="1">
+          <a:blip r:embed="rId2">
+            <a:extLst>
+              <a:ext uri="{28A0092B-C50C-407E-A947-70E740481C1C}">
+                <a14:useLocalDpi xmlns:a14="http://schemas.microsoft.com/office/drawing/2010/main" val="0"/>
+              </a:ext>
+            </a:extLst>
+          </a:blip>
+          <a:srcRect r="42054"/>
+          <a:stretch/>
+        </p:blipFill>
+        <p:spPr>
+          <a:xfrm>
+            <a:off x="467544" y="836712"/>
+            <a:ext cx="8064896" cy="5835014"/>
+          </a:xfrm>
+          <a:prstGeom prst="rect">
+            <a:avLst/>
+          </a:prstGeom>
+        </p:spPr>
+      </p:pic>
     </p:spTree>
+    <p:extLst>
+      <p:ext uri="{BB962C8B-B14F-4D97-AF65-F5344CB8AC3E}">
+        <p14:creationId xmlns:p14="http://schemas.microsoft.com/office/powerpoint/2010/main" val="391295528"/>
+      </p:ext>
+    </p:extLst>
   </p:cSld>
   <p:clrMapOvr>
     <a:masterClrMapping/>
@@ -5632,27 +6654,7 @@
   <p:timing>
     <p:tnLst>
       <p:par>
-        <p:cTn id="1" dur="indefinite" restart="never" nodeType="tmRoot">
-          <p:childTnLst>
-            <p:seq>
-              <p:cTn id="2" dur="indefinite" nodeType="mainSeq"/>
-              <p:prevCondLst>
-                <p:cond evt="onPrev" delay="0">
-                  <p:tgtEl>
-                    <p:sldTgt/>
-                  </p:tgtEl>
-                </p:cond>
-              </p:prevCondLst>
-              <p:nextCondLst>
-                <p:cond evt="onNext" delay="0">
-                  <p:tgtEl>
-                    <p:sldTgt/>
-                  </p:tgtEl>
-                </p:cond>
-              </p:nextCondLst>
-            </p:seq>
-          </p:childTnLst>
-        </p:cTn>
+        <p:cTn id="1" dur="indefinite" restart="never" nodeType="tmRoot"/>
       </p:par>
     </p:tnLst>
   </p:timing>
@@ -5678,421 +6680,75 @@
       </p:grpSpPr>
       <p:sp>
         <p:nvSpPr>
-          <p:cNvPr id="98" name="TextShape 1"/>
-          <p:cNvSpPr txBox="1"/>
+          <p:cNvPr id="2" name="Заголовок 1"/>
+          <p:cNvSpPr>
+            <a:spLocks noGrp="1"/>
+          </p:cNvSpPr>
+          <p:nvPr>
+            <p:ph type="title"/>
+          </p:nvPr>
+        </p:nvSpPr>
+        <p:spPr>
+          <a:xfrm>
+            <a:off x="2483768" y="-99392"/>
+            <a:ext cx="5688632" cy="1142640"/>
+          </a:xfrm>
+        </p:spPr>
+        <p:txBody>
+          <a:bodyPr/>
+          <a:lstStyle/>
+          <a:p>
+            <a:pPr algn="just"/>
+            <a:r>
+              <a:rPr lang="ru-RU" sz="4400" b="1" dirty="0" smtClean="0">
+                <a:latin typeface="Times New Roman" panose="02020603050405020304" pitchFamily="18" charset="0"/>
+                <a:cs typeface="Times New Roman" panose="02020603050405020304" pitchFamily="18" charset="0"/>
+              </a:rPr>
+              <a:t>Ночной режим</a:t>
+            </a:r>
+            <a:endParaRPr lang="ru-RU" sz="4400" b="1" dirty="0">
+              <a:latin typeface="Times New Roman" panose="02020603050405020304" pitchFamily="18" charset="0"/>
+              <a:cs typeface="Times New Roman" panose="02020603050405020304" pitchFamily="18" charset="0"/>
+            </a:endParaRPr>
+          </a:p>
+        </p:txBody>
+      </p:sp>
+      <p:pic>
+        <p:nvPicPr>
+          <p:cNvPr id="9" name="Рисунок 8"/>
+          <p:cNvPicPr>
+            <a:picLocks noChangeAspect="1"/>
+          </p:cNvPicPr>
           <p:nvPr/>
-        </p:nvSpPr>
-        <p:spPr>
-          <a:xfrm>
-            <a:off x="457200" y="274680"/>
-            <a:ext cx="8229240" cy="1142640"/>
-          </a:xfrm>
-          <a:prstGeom prst="rect">
-            <a:avLst/>
-          </a:prstGeom>
-          <a:noFill/>
-          <a:ln>
-            <a:noFill/>
-          </a:ln>
-        </p:spPr>
-        <p:txBody>
-          <a:bodyPr anchor="ctr"/>
-          <a:lstStyle/>
-          <a:p>
-            <a:pPr algn="ctr">
-              <a:lnSpc>
-                <a:spcPct val="100000"/>
-              </a:lnSpc>
-            </a:pPr>
-            <a:r>
-              <a:rPr lang="ru-RU" sz="4400" b="0" strike="noStrike" spc="-1">
-                <a:solidFill>
-                  <a:srgbClr val="000000"/>
-                </a:solidFill>
-                <a:latin typeface="Calibri"/>
-              </a:rPr>
-              <a:t>Смета</a:t>
-            </a:r>
-          </a:p>
-        </p:txBody>
-      </p:sp>
-      <p:sp>
-        <p:nvSpPr>
-          <p:cNvPr id="99" name="TextShape 2"/>
-          <p:cNvSpPr txBox="1"/>
-          <p:nvPr/>
-        </p:nvSpPr>
-        <p:spPr>
-          <a:xfrm>
-            <a:off x="457200" y="1600200"/>
-            <a:ext cx="8229240" cy="4525560"/>
-          </a:xfrm>
-          <a:prstGeom prst="rect">
-            <a:avLst/>
-          </a:prstGeom>
-          <a:noFill/>
-          <a:ln>
-            <a:noFill/>
-          </a:ln>
-        </p:spPr>
-        <p:txBody>
-          <a:bodyPr/>
-          <a:lstStyle/>
-          <a:p>
-            <a:pPr marL="343080" indent="-342720">
-              <a:lnSpc>
-                <a:spcPct val="100000"/>
-              </a:lnSpc>
-              <a:spcBef>
-                <a:spcPts val="641"/>
-              </a:spcBef>
-              <a:buClr>
-                <a:srgbClr val="000000"/>
-              </a:buClr>
-              <a:buFont typeface="Arial"/>
-              <a:buChar char="•"/>
-            </a:pPr>
-            <a:r>
-              <a:rPr lang="ru-RU" sz="3200" b="0" strike="noStrike" spc="-1" dirty="0" err="1">
-                <a:solidFill>
-                  <a:srgbClr val="000000"/>
-                </a:solidFill>
-                <a:latin typeface="Calibri"/>
-              </a:rPr>
-              <a:t>Arduino</a:t>
-            </a:r>
-            <a:r>
-              <a:rPr lang="ru-RU" sz="3200" b="0" strike="noStrike" spc="-1" dirty="0">
-                <a:solidFill>
-                  <a:srgbClr val="000000"/>
-                </a:solidFill>
-                <a:latin typeface="Calibri"/>
-              </a:rPr>
-              <a:t> </a:t>
-            </a:r>
-            <a:r>
-              <a:rPr lang="ru-RU" sz="3200" b="0" strike="noStrike" spc="-1" dirty="0" err="1">
-                <a:solidFill>
-                  <a:srgbClr val="000000"/>
-                </a:solidFill>
-                <a:latin typeface="Calibri"/>
-              </a:rPr>
-              <a:t>Uno</a:t>
-            </a:r>
-            <a:r>
-              <a:rPr lang="ru-RU" sz="3200" b="0" strike="noStrike" spc="-1" dirty="0">
-                <a:solidFill>
-                  <a:srgbClr val="000000"/>
-                </a:solidFill>
-                <a:latin typeface="Calibri"/>
-              </a:rPr>
-              <a:t>- 1700р (1шт)</a:t>
-            </a:r>
-          </a:p>
-          <a:p>
-            <a:pPr marL="343080" indent="-342720">
-              <a:lnSpc>
-                <a:spcPct val="100000"/>
-              </a:lnSpc>
-              <a:spcBef>
-                <a:spcPts val="641"/>
-              </a:spcBef>
-              <a:buClr>
-                <a:srgbClr val="000000"/>
-              </a:buClr>
-              <a:buFont typeface="Arial"/>
-              <a:buChar char="•"/>
-            </a:pPr>
-            <a:r>
-              <a:rPr lang="ru-RU" sz="3200" b="0" strike="noStrike" spc="-1" dirty="0">
-                <a:solidFill>
-                  <a:srgbClr val="000000"/>
-                </a:solidFill>
-                <a:latin typeface="Calibri"/>
-              </a:rPr>
-              <a:t>Светодиоды- </a:t>
-            </a:r>
-            <a:r>
-              <a:rPr lang="en-US" sz="3200" b="0" strike="noStrike" spc="-1" dirty="0" smtClean="0">
-                <a:solidFill>
-                  <a:srgbClr val="000000"/>
-                </a:solidFill>
-                <a:latin typeface="Calibri"/>
-              </a:rPr>
-              <a:t>10</a:t>
-            </a:r>
-            <a:r>
-              <a:rPr lang="ru-RU" sz="3200" b="0" strike="noStrike" spc="-1" dirty="0" smtClean="0">
-                <a:solidFill>
-                  <a:srgbClr val="000000"/>
-                </a:solidFill>
-                <a:latin typeface="Calibri"/>
-              </a:rPr>
-              <a:t>0р (</a:t>
-            </a:r>
-            <a:r>
-              <a:rPr lang="en-US" sz="3200" b="0" strike="noStrike" spc="-1" dirty="0" smtClean="0">
-                <a:solidFill>
-                  <a:srgbClr val="000000"/>
-                </a:solidFill>
-                <a:latin typeface="Calibri"/>
-              </a:rPr>
-              <a:t>10</a:t>
-            </a:r>
-            <a:r>
-              <a:rPr lang="ru-RU" sz="3200" b="0" strike="noStrike" spc="-1" dirty="0" err="1" smtClean="0">
-                <a:solidFill>
-                  <a:srgbClr val="000000"/>
-                </a:solidFill>
-                <a:latin typeface="Calibri"/>
-              </a:rPr>
-              <a:t>шт</a:t>
-            </a:r>
-            <a:r>
-              <a:rPr lang="ru-RU" sz="3200" b="0" strike="noStrike" spc="-1" dirty="0">
-                <a:solidFill>
-                  <a:srgbClr val="000000"/>
-                </a:solidFill>
-                <a:latin typeface="Calibri"/>
-              </a:rPr>
-              <a:t>)</a:t>
-            </a:r>
-          </a:p>
-          <a:p>
-            <a:pPr marL="343080" indent="-342720">
-              <a:lnSpc>
-                <a:spcPct val="100000"/>
-              </a:lnSpc>
-              <a:spcBef>
-                <a:spcPts val="641"/>
-              </a:spcBef>
-              <a:buClr>
-                <a:srgbClr val="000000"/>
-              </a:buClr>
-              <a:buFont typeface="Arial"/>
-              <a:buChar char="•"/>
-            </a:pPr>
-            <a:r>
-              <a:rPr lang="ru-RU" sz="3200" b="0" strike="noStrike" spc="-1" dirty="0">
-                <a:solidFill>
-                  <a:srgbClr val="000000"/>
-                </a:solidFill>
-                <a:latin typeface="Calibri"/>
-              </a:rPr>
-              <a:t>Провода- 290р (65шт)</a:t>
-            </a:r>
-          </a:p>
-          <a:p>
-            <a:pPr marL="343080" indent="-342720">
-              <a:lnSpc>
-                <a:spcPct val="100000"/>
-              </a:lnSpc>
-              <a:spcBef>
-                <a:spcPts val="641"/>
-              </a:spcBef>
-              <a:buClr>
-                <a:srgbClr val="000000"/>
-              </a:buClr>
-              <a:buFont typeface="Arial"/>
-              <a:buChar char="•"/>
-            </a:pPr>
-            <a:r>
-              <a:rPr lang="ru-RU" sz="3200" spc="-1" dirty="0" smtClean="0">
-                <a:solidFill>
-                  <a:srgbClr val="000000"/>
-                </a:solidFill>
-                <a:latin typeface="Calibri"/>
-              </a:rPr>
-              <a:t>Фоторезистор</a:t>
-            </a:r>
-            <a:r>
-              <a:rPr lang="en-US" sz="3200" b="0" strike="noStrike" spc="-1" dirty="0" smtClean="0">
-                <a:solidFill>
-                  <a:srgbClr val="000000"/>
-                </a:solidFill>
-                <a:latin typeface="Calibri"/>
-              </a:rPr>
-              <a:t>- </a:t>
-            </a:r>
-            <a:r>
-              <a:rPr lang="ru-RU" sz="3200" b="0" strike="noStrike" spc="-1" dirty="0" smtClean="0">
-                <a:solidFill>
-                  <a:srgbClr val="000000"/>
-                </a:solidFill>
-                <a:latin typeface="Calibri"/>
-              </a:rPr>
-              <a:t>680р </a:t>
-            </a:r>
-            <a:r>
-              <a:rPr lang="ru-RU" sz="3200" b="0" strike="noStrike" spc="-1" dirty="0">
-                <a:solidFill>
-                  <a:srgbClr val="000000"/>
-                </a:solidFill>
-                <a:latin typeface="Calibri"/>
-              </a:rPr>
-              <a:t>(2шт</a:t>
-            </a:r>
-            <a:r>
-              <a:rPr lang="ru-RU" sz="3200" b="0" strike="noStrike" spc="-1" dirty="0" smtClean="0">
-                <a:solidFill>
-                  <a:srgbClr val="000000"/>
-                </a:solidFill>
-                <a:latin typeface="Calibri"/>
-              </a:rPr>
-              <a:t>)</a:t>
-            </a:r>
-          </a:p>
-          <a:p>
-            <a:pPr marL="343080" indent="-342720">
-              <a:lnSpc>
-                <a:spcPct val="100000"/>
-              </a:lnSpc>
-              <a:spcBef>
-                <a:spcPts val="641"/>
-              </a:spcBef>
-              <a:buClr>
-                <a:srgbClr val="000000"/>
-              </a:buClr>
-              <a:buFont typeface="Arial"/>
-              <a:buChar char="•"/>
-            </a:pPr>
-            <a:r>
-              <a:rPr lang="ru-RU" sz="3200" spc="-1" dirty="0" smtClean="0">
-                <a:solidFill>
-                  <a:srgbClr val="000000"/>
-                </a:solidFill>
-                <a:latin typeface="Calibri"/>
-              </a:rPr>
-              <a:t>Кнопка – 10р (1шт)</a:t>
-            </a:r>
-          </a:p>
-          <a:p>
-            <a:pPr marL="343080" indent="-342720">
-              <a:lnSpc>
-                <a:spcPct val="100000"/>
-              </a:lnSpc>
-              <a:spcBef>
-                <a:spcPts val="641"/>
-              </a:spcBef>
-              <a:buClr>
-                <a:srgbClr val="000000"/>
-              </a:buClr>
-              <a:buFont typeface="Arial"/>
-              <a:buChar char="•"/>
-            </a:pPr>
-            <a:r>
-              <a:rPr lang="ru-RU" sz="3200" b="0" strike="noStrike" spc="-1" dirty="0" smtClean="0">
-                <a:solidFill>
-                  <a:srgbClr val="000000"/>
-                </a:solidFill>
-                <a:latin typeface="Calibri"/>
-              </a:rPr>
-              <a:t>Резисторы – 350р(набор)</a:t>
-            </a:r>
-          </a:p>
-          <a:p>
-            <a:pPr marL="343080" indent="-342720">
-              <a:lnSpc>
-                <a:spcPct val="100000"/>
-              </a:lnSpc>
-              <a:spcBef>
-                <a:spcPts val="641"/>
-              </a:spcBef>
-              <a:buClr>
-                <a:srgbClr val="000000"/>
-              </a:buClr>
-              <a:buFont typeface="Arial"/>
-              <a:buChar char="•"/>
-            </a:pPr>
-            <a:r>
-              <a:rPr lang="ru-RU" sz="3200" spc="-1" dirty="0" smtClean="0">
-                <a:solidFill>
-                  <a:srgbClr val="000000"/>
-                </a:solidFill>
-                <a:latin typeface="Calibri"/>
-              </a:rPr>
-              <a:t>Ик-пульт, ИК-приемник – 200р(1шт)</a:t>
-            </a:r>
-            <a:endParaRPr lang="ru-RU" sz="3200" b="0" strike="noStrike" spc="-1" dirty="0">
-              <a:solidFill>
-                <a:srgbClr val="000000"/>
-              </a:solidFill>
-              <a:latin typeface="Calibri"/>
-            </a:endParaRPr>
-          </a:p>
-          <a:p>
-            <a:pPr marL="343080" indent="-342720">
-              <a:lnSpc>
-                <a:spcPct val="100000"/>
-              </a:lnSpc>
-              <a:spcBef>
-                <a:spcPts val="641"/>
-              </a:spcBef>
-              <a:buClr>
-                <a:srgbClr val="000000"/>
-              </a:buClr>
-              <a:buFont typeface="Arial"/>
-              <a:buChar char="•"/>
-            </a:pPr>
-            <a:r>
-              <a:rPr lang="ru-RU" sz="3200" b="0" strike="noStrike" spc="-1" dirty="0">
-                <a:solidFill>
-                  <a:srgbClr val="000000"/>
-                </a:solidFill>
-                <a:latin typeface="Calibri"/>
-              </a:rPr>
-              <a:t>Основа- 500р (1шт</a:t>
-            </a:r>
-            <a:r>
-              <a:rPr lang="ru-RU" sz="3200" b="0" strike="noStrike" spc="-1" dirty="0" smtClean="0">
-                <a:solidFill>
-                  <a:srgbClr val="000000"/>
-                </a:solidFill>
-                <a:latin typeface="Calibri"/>
-              </a:rPr>
-              <a:t>)</a:t>
-            </a:r>
-          </a:p>
-          <a:p>
-            <a:pPr marL="343080" indent="-342720">
-              <a:lnSpc>
-                <a:spcPct val="100000"/>
-              </a:lnSpc>
-              <a:spcBef>
-                <a:spcPts val="641"/>
-              </a:spcBef>
-              <a:buClr>
-                <a:srgbClr val="000000"/>
-              </a:buClr>
-              <a:buFont typeface="Arial"/>
-              <a:buChar char="•"/>
-            </a:pPr>
-            <a:endParaRPr lang="ru-RU" sz="3200" b="0" strike="noStrike" spc="-1" dirty="0">
-              <a:solidFill>
-                <a:srgbClr val="000000"/>
-              </a:solidFill>
-              <a:latin typeface="Calibri"/>
-            </a:endParaRPr>
-          </a:p>
-          <a:p>
-            <a:pPr>
-              <a:lnSpc>
-                <a:spcPct val="100000"/>
-              </a:lnSpc>
-              <a:spcBef>
-                <a:spcPts val="641"/>
-              </a:spcBef>
-            </a:pPr>
-            <a:endParaRPr lang="ru-RU" sz="3200" b="0" strike="noStrike" spc="-1" dirty="0">
-              <a:solidFill>
-                <a:srgbClr val="000000"/>
-              </a:solidFill>
-              <a:latin typeface="Calibri"/>
-            </a:endParaRPr>
-          </a:p>
-        </p:txBody>
-      </p:sp>
+        </p:nvPicPr>
+        <p:blipFill>
+          <a:blip r:embed="rId2">
+            <a:extLst>
+              <a:ext uri="{28A0092B-C50C-407E-A947-70E740481C1C}">
+                <a14:useLocalDpi xmlns:a14="http://schemas.microsoft.com/office/drawing/2010/main" val="0"/>
+              </a:ext>
+            </a:extLst>
+          </a:blip>
+          <a:stretch>
+            <a:fillRect/>
+          </a:stretch>
+        </p:blipFill>
+        <p:spPr>
+          <a:xfrm>
+            <a:off x="0" y="1035282"/>
+            <a:ext cx="9144000" cy="4787435"/>
+          </a:xfrm>
+          <a:prstGeom prst="rect">
+            <a:avLst/>
+          </a:prstGeom>
+        </p:spPr>
+      </p:pic>
     </p:spTree>
+    <p:extLst>
+      <p:ext uri="{BB962C8B-B14F-4D97-AF65-F5344CB8AC3E}">
+        <p14:creationId xmlns:p14="http://schemas.microsoft.com/office/powerpoint/2010/main" val="369632820"/>
+      </p:ext>
+    </p:extLst>
   </p:cSld>
   <p:clrMapOvr>
     <a:masterClrMapping/>
@@ -6100,27 +6756,7 @@
   <p:timing>
     <p:tnLst>
       <p:par>
-        <p:cTn id="1" dur="indefinite" restart="never" nodeType="tmRoot">
-          <p:childTnLst>
-            <p:seq>
-              <p:cTn id="2" dur="indefinite" nodeType="mainSeq"/>
-              <p:prevCondLst>
-                <p:cond evt="onPrev" delay="0">
-                  <p:tgtEl>
-                    <p:sldTgt/>
-                  </p:tgtEl>
-                </p:cond>
-              </p:prevCondLst>
-              <p:nextCondLst>
-                <p:cond evt="onNext" delay="0">
-                  <p:tgtEl>
-                    <p:sldTgt/>
-                  </p:tgtEl>
-                </p:cond>
-              </p:nextCondLst>
-            </p:seq>
-          </p:childTnLst>
-        </p:cTn>
+        <p:cTn id="1" dur="indefinite" restart="never" nodeType="tmRoot"/>
       </p:par>
     </p:tnLst>
   </p:timing>
@@ -6146,47 +6782,41 @@
       </p:grpSpPr>
       <p:sp>
         <p:nvSpPr>
-          <p:cNvPr id="100" name="TextShape 1"/>
-          <p:cNvSpPr txBox="1"/>
-          <p:nvPr/>
-        </p:nvSpPr>
-        <p:spPr>
-          <a:xfrm>
-            <a:off x="439523" y="-171400"/>
+          <p:cNvPr id="2" name="Заголовок 1"/>
+          <p:cNvSpPr>
+            <a:spLocks noGrp="1"/>
+          </p:cNvSpPr>
+          <p:nvPr>
+            <p:ph type="title"/>
+          </p:nvPr>
+        </p:nvSpPr>
+        <p:spPr>
+          <a:xfrm>
+            <a:off x="2195736" y="-243408"/>
             <a:ext cx="8229240" cy="1142640"/>
           </a:xfrm>
-          <a:prstGeom prst="rect">
-            <a:avLst/>
-          </a:prstGeom>
-          <a:noFill/>
-          <a:ln>
-            <a:noFill/>
-          </a:ln>
-        </p:spPr>
-        <p:txBody>
-          <a:bodyPr anchor="ctr"/>
-          <a:lstStyle/>
-          <a:p>
-            <a:pPr algn="ctr">
-              <a:lnSpc>
-                <a:spcPct val="100000"/>
-              </a:lnSpc>
-            </a:pPr>
-            <a:r>
-              <a:rPr lang="ru-RU" sz="4400" b="0" strike="noStrike" spc="-1" dirty="0">
-                <a:solidFill>
-                  <a:srgbClr val="000000"/>
-                </a:solidFill>
-                <a:latin typeface="Calibri"/>
-              </a:rPr>
-              <a:t>Схема</a:t>
-            </a:r>
+        </p:spPr>
+        <p:txBody>
+          <a:bodyPr/>
+          <a:lstStyle/>
+          <a:p>
+            <a:r>
+              <a:rPr lang="ru-RU" sz="4400" b="1" dirty="0" smtClean="0">
+                <a:latin typeface="Times New Roman" panose="02020603050405020304" pitchFamily="18" charset="0"/>
+                <a:cs typeface="Times New Roman" panose="02020603050405020304" pitchFamily="18" charset="0"/>
+              </a:rPr>
+              <a:t>Для мероприятий</a:t>
+            </a:r>
+            <a:endParaRPr lang="ru-RU" sz="4400" b="1" dirty="0">
+              <a:latin typeface="Times New Roman" panose="02020603050405020304" pitchFamily="18" charset="0"/>
+              <a:cs typeface="Times New Roman" panose="02020603050405020304" pitchFamily="18" charset="0"/>
+            </a:endParaRPr>
           </a:p>
         </p:txBody>
       </p:sp>
       <p:pic>
         <p:nvPicPr>
-          <p:cNvPr id="2" name="Рисунок 1"/>
+          <p:cNvPr id="4" name="Рисунок 3"/>
           <p:cNvPicPr>
             <a:picLocks noChangeAspect="1"/>
           </p:cNvPicPr>
@@ -6206,8 +6836,8 @@
         </p:blipFill>
         <p:spPr>
           <a:xfrm>
-            <a:off x="143907" y="846088"/>
-            <a:ext cx="8820472" cy="5993710"/>
+            <a:off x="0" y="692696"/>
+            <a:ext cx="9144000" cy="6098977"/>
           </a:xfrm>
           <a:prstGeom prst="rect">
             <a:avLst/>
@@ -6215,6 +6845,11 @@
         </p:spPr>
       </p:pic>
     </p:spTree>
+    <p:extLst>
+      <p:ext uri="{BB962C8B-B14F-4D97-AF65-F5344CB8AC3E}">
+        <p14:creationId xmlns:p14="http://schemas.microsoft.com/office/powerpoint/2010/main" val="793606508"/>
+      </p:ext>
+    </p:extLst>
   </p:cSld>
   <p:clrMapOvr>
     <a:masterClrMapping/>
@@ -6222,27 +6857,7 @@
   <p:timing>
     <p:tnLst>
       <p:par>
-        <p:cTn id="1" dur="indefinite" restart="never" nodeType="tmRoot">
-          <p:childTnLst>
-            <p:seq>
-              <p:cTn id="2" dur="indefinite" nodeType="mainSeq"/>
-              <p:prevCondLst>
-                <p:cond evt="onPrev" delay="0">
-                  <p:tgtEl>
-                    <p:sldTgt/>
-                  </p:tgtEl>
-                </p:cond>
-              </p:prevCondLst>
-              <p:nextCondLst>
-                <p:cond evt="onNext" delay="0">
-                  <p:tgtEl>
-                    <p:sldTgt/>
-                  </p:tgtEl>
-                </p:cond>
-              </p:nextCondLst>
-            </p:seq>
-          </p:childTnLst>
-        </p:cTn>
+        <p:cTn id="1" dur="indefinite" restart="never" nodeType="tmRoot"/>
       </p:par>
     </p:tnLst>
   </p:timing>

--- a/Presitation/TLPresintation.pptx
+++ b/Presitation/TLPresintation.pptx
@@ -3929,8 +3929,8 @@
         </p:nvSpPr>
         <p:spPr>
           <a:xfrm>
-            <a:off x="6300192" y="2806963"/>
-            <a:ext cx="6400440" cy="1296072"/>
+            <a:off x="6223432" y="2848372"/>
+            <a:ext cx="4464496" cy="1728192"/>
           </a:xfrm>
           <a:prstGeom prst="rect">
             <a:avLst/>
@@ -3942,7 +3942,7 @@
         </p:spPr>
         <p:txBody>
           <a:bodyPr>
-            <a:normAutofit/>
+            <a:normAutofit fontScale="85000" lnSpcReduction="20000"/>
           </a:bodyPr>
           <a:lstStyle/>
           <a:p>
@@ -3952,31 +3952,13 @@
               </a:spcBef>
             </a:pPr>
             <a:r>
-              <a:rPr lang="ru-RU" sz="2400" b="0" strike="noStrike" spc="-1" dirty="0">
+              <a:rPr lang="ru-RU" sz="2400" b="0" strike="noStrike" spc="-1" dirty="0" smtClean="0">
                 <a:solidFill>
                   <a:srgbClr val="000000"/>
                 </a:solidFill>
                 <a:latin typeface="Times New Roman"/>
               </a:rPr>
-              <a:t>Лищенко </a:t>
-            </a:r>
-            <a:r>
-              <a:rPr lang="ru-RU" sz="2400" b="0" strike="noStrike" spc="-1" dirty="0" smtClean="0">
-                <a:solidFill>
-                  <a:srgbClr val="000000"/>
-                </a:solidFill>
-                <a:latin typeface="Times New Roman"/>
-              </a:rPr>
-              <a:t>Тимофей</a:t>
-            </a:r>
-            <a:r>
-              <a:rPr lang="ru-RU" sz="2400" b="0" strike="noStrike" spc="-1" dirty="0" smtClean="0">
-                <a:solidFill>
-                  <a:srgbClr val="000000"/>
-                </a:solidFill>
-                <a:latin typeface="Times New Roman"/>
-              </a:rPr>
-              <a:t/>
+              <a:t>Делал:</a:t>
             </a:r>
             <a:br>
               <a:rPr lang="ru-RU" sz="2400" b="0" strike="noStrike" spc="-1" dirty="0" smtClean="0">
@@ -3993,6 +3975,23 @@
                 </a:solidFill>
                 <a:latin typeface="Times New Roman"/>
               </a:rPr>
+              <a:t>Лищенко Тимофей</a:t>
+            </a:r>
+            <a:br>
+              <a:rPr lang="ru-RU" sz="2400" b="0" strike="noStrike" spc="-1" dirty="0" smtClean="0">
+                <a:solidFill>
+                  <a:srgbClr val="000000"/>
+                </a:solidFill>
+                <a:latin typeface="Times New Roman"/>
+              </a:rPr>
+            </a:br>
+            <a:r>
+              <a:rPr lang="ru-RU" sz="2400" b="0" strike="noStrike" spc="-1" dirty="0" smtClean="0">
+                <a:solidFill>
+                  <a:srgbClr val="000000"/>
+                </a:solidFill>
+                <a:latin typeface="Times New Roman"/>
+              </a:rPr>
               <a:t>8 </a:t>
             </a:r>
             <a:r>
@@ -4040,6 +4039,23 @@
               </a:rPr>
             </a:br>
             <a:r>
+              <a:rPr lang="ru-RU" sz="2400" spc="-1" dirty="0" smtClean="0">
+                <a:solidFill>
+                  <a:srgbClr val="000000"/>
+                </a:solidFill>
+                <a:latin typeface="Times New Roman"/>
+              </a:rPr>
+              <a:t>Научный руководитель:</a:t>
+            </a:r>
+            <a:br>
+              <a:rPr lang="ru-RU" sz="2400" spc="-1" dirty="0" smtClean="0">
+                <a:solidFill>
+                  <a:srgbClr val="000000"/>
+                </a:solidFill>
+                <a:latin typeface="Times New Roman"/>
+              </a:rPr>
+            </a:br>
+            <a:r>
               <a:rPr lang="ru-RU" sz="2400" spc="-1" dirty="0" err="1" smtClean="0">
                 <a:solidFill>
                   <a:srgbClr val="000000"/>
@@ -4055,18 +4071,9 @@
                 </a:solidFill>
                 <a:latin typeface="Times New Roman"/>
               </a:rPr>
-              <a:t> </a:t>
-            </a:r>
-            <a:r>
-              <a:rPr lang="ru-RU" sz="2400" spc="-1" dirty="0">
-                <a:solidFill>
-                  <a:srgbClr val="000000"/>
-                </a:solidFill>
-                <a:latin typeface="Times New Roman"/>
-              </a:rPr>
-              <a:t>А.Ю. </a:t>
-            </a:r>
-            <a:endParaRPr lang="ru-RU" sz="2400" spc="-1" dirty="0"/>
+              <a:t> А.Ю.  Учитель информатики и ИКТ</a:t>
+            </a:r>
+            <a:endParaRPr lang="ru-RU" sz="2400" spc="-1" dirty="0" smtClean="0"/>
           </a:p>
           <a:p>
             <a:pPr>
@@ -6488,34 +6495,7 @@
                 </a:solidFill>
                 <a:latin typeface="Calibri"/>
               </a:rPr>
-              <a:t>была: </a:t>
-            </a:r>
-            <a:r>
-              <a:rPr lang="ru-RU" sz="3200" b="0" strike="noStrike" spc="-1" dirty="0" smtClean="0">
-                <a:solidFill>
-                  <a:srgbClr val="000000"/>
-                </a:solidFill>
-                <a:latin typeface="Calibri"/>
-              </a:rPr>
-              <a:t>сделать </a:t>
-            </a:r>
-            <a:r>
-              <a:rPr lang="ru-RU" sz="3200" b="0" strike="noStrike" spc="-1" dirty="0" smtClean="0">
-                <a:solidFill>
-                  <a:srgbClr val="000000"/>
-                </a:solidFill>
-                <a:latin typeface="Calibri"/>
-              </a:rPr>
-              <a:t>систему светофоров, у которого несколько режимов </a:t>
-            </a:r>
-            <a:r>
-              <a:rPr lang="ru-RU" sz="3200" b="0" strike="noStrike" spc="-1" dirty="0" smtClean="0">
-                <a:solidFill>
-                  <a:srgbClr val="000000"/>
-                </a:solidFill>
-                <a:latin typeface="Calibri"/>
-              </a:rPr>
-              <a:t>работы. </a:t>
+              <a:t>была: сделать систему светофоров, у которого несколько режимов работы. </a:t>
             </a:r>
             <a:endParaRPr lang="ru-RU" sz="3200" b="0" strike="noStrike" spc="-1" dirty="0">
               <a:solidFill>
